--- a/Diapos/HPC_OpenMP.pptx
+++ b/Diapos/HPC_OpenMP.pptx
@@ -5,10 +5,10 @@
     <p:sldMasterId id="2147483684" r:id="rId4"/>
   </p:sldMasterIdLst>
   <p:notesMasterIdLst>
-    <p:notesMasterId r:id="rId32"/>
+    <p:notesMasterId r:id="rId33"/>
   </p:notesMasterIdLst>
   <p:handoutMasterIdLst>
-    <p:handoutMasterId r:id="rId33"/>
+    <p:handoutMasterId r:id="rId34"/>
   </p:handoutMasterIdLst>
   <p:sldIdLst>
     <p:sldId id="256" r:id="rId5"/>
@@ -29,15 +29,16 @@
     <p:sldId id="315" r:id="rId20"/>
     <p:sldId id="308" r:id="rId21"/>
     <p:sldId id="310" r:id="rId22"/>
-    <p:sldId id="320" r:id="rId23"/>
-    <p:sldId id="304" r:id="rId24"/>
-    <p:sldId id="311" r:id="rId25"/>
-    <p:sldId id="301" r:id="rId26"/>
-    <p:sldId id="317" r:id="rId27"/>
-    <p:sldId id="316" r:id="rId28"/>
-    <p:sldId id="318" r:id="rId29"/>
-    <p:sldId id="319" r:id="rId30"/>
-    <p:sldId id="305" r:id="rId31"/>
+    <p:sldId id="321" r:id="rId23"/>
+    <p:sldId id="320" r:id="rId24"/>
+    <p:sldId id="305" r:id="rId25"/>
+    <p:sldId id="304" r:id="rId26"/>
+    <p:sldId id="311" r:id="rId27"/>
+    <p:sldId id="317" r:id="rId28"/>
+    <p:sldId id="316" r:id="rId29"/>
+    <p:sldId id="318" r:id="rId30"/>
+    <p:sldId id="319" r:id="rId31"/>
+    <p:sldId id="322" r:id="rId32"/>
   </p:sldIdLst>
   <p:sldSz cx="9144000" cy="5715000" type="screen16x10"/>
   <p:notesSz cx="6858000" cy="9144000"/>
@@ -1979,6 +1980,43 @@
         </a:p>
       </dgm:t>
     </dgm:pt>
+    <dgm:pt modelId="{747541CC-E364-466E-BA2A-A78FECAFB421}">
+      <dgm:prSet phldrT="[Texte]" custT="1"/>
+      <dgm:spPr/>
+      <dgm:t>
+        <a:bodyPr/>
+        <a:lstStyle/>
+        <a:p>
+          <a:r>
+            <a:rPr lang="fr-FR" sz="1800" dirty="0" smtClean="0"/>
+            <a:t>SYCL</a:t>
+          </a:r>
+          <a:endParaRPr lang="fr-FR" sz="1800" dirty="0"/>
+        </a:p>
+      </dgm:t>
+    </dgm:pt>
+    <dgm:pt modelId="{2F995320-F2B2-4F21-9E01-105E09014B17}" type="parTrans" cxnId="{A60286BF-8E64-411B-90B8-2CE79AD0116C}">
+      <dgm:prSet/>
+      <dgm:spPr/>
+      <dgm:t>
+        <a:bodyPr/>
+        <a:lstStyle/>
+        <a:p>
+          <a:endParaRPr lang="fr-FR"/>
+        </a:p>
+      </dgm:t>
+    </dgm:pt>
+    <dgm:pt modelId="{9A187F0A-60A3-4F71-9A07-F39CEC262DDF}" type="sibTrans" cxnId="{A60286BF-8E64-411B-90B8-2CE79AD0116C}">
+      <dgm:prSet/>
+      <dgm:spPr/>
+      <dgm:t>
+        <a:bodyPr/>
+        <a:lstStyle/>
+        <a:p>
+          <a:endParaRPr lang="fr-FR"/>
+        </a:p>
+      </dgm:t>
+    </dgm:pt>
     <dgm:pt modelId="{4EEC18B6-F3BA-47C2-A1A7-C01805B14C96}" type="pres">
       <dgm:prSet presAssocID="{7D519928-F629-4C0C-BA58-C99014E46FEE}" presName="Name0" presStyleCnt="0">
         <dgm:presLayoutVars>
@@ -2187,6 +2225,8 @@
     <dgm:cxn modelId="{2150CC5B-3F91-48DE-B1BE-BB5C808D22F4}" type="presOf" srcId="{1E3C0B2B-73C4-4A09-A2AB-BA2870DDB8CE}" destId="{11961B43-C585-4451-912D-7FFF9CC25D0E}" srcOrd="0" destOrd="0" presId="urn:microsoft.com/office/officeart/2008/layout/AlternatingHexagons"/>
     <dgm:cxn modelId="{B12DE14E-1540-4E32-8C83-12CE60937DB4}" type="presOf" srcId="{906DEEDF-3516-400B-A5CF-991DDE78F426}" destId="{5EE09466-F72E-4777-A785-D2C18E787EAD}" srcOrd="0" destOrd="0" presId="urn:microsoft.com/office/officeart/2008/layout/AlternatingHexagons"/>
     <dgm:cxn modelId="{56C69434-9A5A-492B-B144-14C0CA9855C4}" type="presOf" srcId="{40723BC5-173D-4BC5-8F0F-2ED90014491E}" destId="{EEB2D41D-EB47-4C9B-ADD5-36FF436C356A}" srcOrd="0" destOrd="0" presId="urn:microsoft.com/office/officeart/2008/layout/AlternatingHexagons"/>
+    <dgm:cxn modelId="{A60286BF-8E64-411B-90B8-2CE79AD0116C}" srcId="{173C2A75-1452-4B64-8313-917089D8DFC0}" destId="{747541CC-E364-466E-BA2A-A78FECAFB421}" srcOrd="0" destOrd="0" parTransId="{2F995320-F2B2-4F21-9E01-105E09014B17}" sibTransId="{9A187F0A-60A3-4F71-9A07-F39CEC262DDF}"/>
+    <dgm:cxn modelId="{6DB3B17F-94D9-4433-9102-2C0050736339}" type="presOf" srcId="{747541CC-E364-466E-BA2A-A78FECAFB421}" destId="{2E8F5C8A-D740-4739-818D-1CDA7D542C36}" srcOrd="0" destOrd="0" presId="urn:microsoft.com/office/officeart/2008/layout/AlternatingHexagons"/>
     <dgm:cxn modelId="{72F8878A-6886-422C-805E-8E50DBEC6A3A}" type="presOf" srcId="{859592AD-7AB4-4C4F-9B25-E3623F0DF70A}" destId="{904CDA54-AA78-4393-A14E-6F8D50950597}" srcOrd="0" destOrd="0" presId="urn:microsoft.com/office/officeart/2008/layout/AlternatingHexagons"/>
     <dgm:cxn modelId="{AE702393-1822-463F-8F72-79D9D921B68F}" srcId="{859592AD-7AB4-4C4F-9B25-E3623F0DF70A}" destId="{9A3FA3B6-B19C-48CC-9A7D-88B41FBA0944}" srcOrd="0" destOrd="0" parTransId="{7814CBB4-D91A-4735-B33C-9E5F00891BB7}" sibTransId="{960ED4B8-73FC-466C-8C33-DEA5B98FCCBE}"/>
     <dgm:cxn modelId="{C6445346-3ECD-45EE-896B-A21A2DABF556}" srcId="{7D519928-F629-4C0C-BA58-C99014E46FEE}" destId="{173C2A75-1452-4B64-8313-917089D8DFC0}" srcOrd="2" destOrd="0" parTransId="{C98BFD36-367B-4F69-A4D2-3B712167275C}" sibTransId="{40723BC5-173D-4BC5-8F0F-2ED90014491E}"/>
@@ -3035,34 +3075,34 @@
     </dgm:pt>
   </dgm:ptLst>
   <dgm:cxnLst>
+    <dgm:cxn modelId="{8B3E4A4A-DC91-4D13-811B-B7E43B964DFE}" type="presOf" srcId="{DA9CDB55-34FA-42B1-AF0D-544F3A7F7F14}" destId="{029FB5D3-699B-4144-BD56-54A68F21EC1E}" srcOrd="0" destOrd="0" presId="urn:microsoft.com/office/officeart/2005/8/layout/default"/>
+    <dgm:cxn modelId="{0B4E3722-C525-4887-B995-D1D5D63CB0BD}" srcId="{6AB7F61A-30ED-4A52-B8BC-28302CF36865}" destId="{407E7A21-8DE3-4264-81C8-88AD94B3BE17}" srcOrd="5" destOrd="0" parTransId="{187BCC76-FB96-4E43-905E-6D7A631F88B0}" sibTransId="{4D6C3863-CE7D-4CDD-85D8-8824BC19DABA}"/>
+    <dgm:cxn modelId="{8FF62758-EE5E-4FAB-ADA3-6656E5B34C2C}" srcId="{6AB7F61A-30ED-4A52-B8BC-28302CF36865}" destId="{DA9CDB55-34FA-42B1-AF0D-544F3A7F7F14}" srcOrd="13" destOrd="0" parTransId="{3E534535-3FCC-4A0F-8F2E-45A92CDB615B}" sibTransId="{E04F724F-BAD9-4EF8-85EB-C734D66A6B5A}"/>
+    <dgm:cxn modelId="{962CE473-9B04-4394-AA0D-5DCDFFBF64D7}" type="presOf" srcId="{94A49553-708C-4EAC-ADAB-1020F7302C81}" destId="{50091DDF-F069-4089-A8B6-94A8CFE36B10}" srcOrd="0" destOrd="0" presId="urn:microsoft.com/office/officeart/2005/8/layout/default"/>
+    <dgm:cxn modelId="{6D7BE12D-E59A-4FE7-A4FF-170F84DD33ED}" srcId="{6AB7F61A-30ED-4A52-B8BC-28302CF36865}" destId="{C4D38500-7037-40A9-B23E-DE7C6EB0AD1E}" srcOrd="6" destOrd="0" parTransId="{6C051E27-3404-4389-95DE-B53B119D2D62}" sibTransId="{7C85FD9C-9DBF-4D1D-BDBA-D796AD1F2818}"/>
+    <dgm:cxn modelId="{02CFD581-4DF0-4ECD-814E-77C4915357A7}" type="presOf" srcId="{6A0C1D34-FE07-4F29-AC7F-110116AC4361}" destId="{7968477B-396C-4AC0-B434-D785746B258C}" srcOrd="0" destOrd="0" presId="urn:microsoft.com/office/officeart/2005/8/layout/default"/>
+    <dgm:cxn modelId="{6D48B908-75EC-444C-8E4A-985C88D004FB}" srcId="{6AB7F61A-30ED-4A52-B8BC-28302CF36865}" destId="{0D669605-0A59-4853-AD01-A7FA3EC4EF21}" srcOrd="10" destOrd="0" parTransId="{39304E33-B7AB-47D0-962F-BB56B06703A8}" sibTransId="{469BD83E-99F2-495A-B033-24911B65A362}"/>
+    <dgm:cxn modelId="{3A8DF7A5-61E9-4AE1-A8E6-D72833DB29CB}" type="presOf" srcId="{CC97A072-802F-4246-AE6B-B4AD7087EA9E}" destId="{32861C83-1168-43BD-B6DE-BC2DE5D84455}" srcOrd="0" destOrd="0" presId="urn:microsoft.com/office/officeart/2005/8/layout/default"/>
+    <dgm:cxn modelId="{7C1D1A8E-452E-4B07-8E54-A4A09E2B4432}" srcId="{6AB7F61A-30ED-4A52-B8BC-28302CF36865}" destId="{1BB953B5-C933-4197-B814-9CF6629800DC}" srcOrd="7" destOrd="0" parTransId="{6173D493-E39F-4DF7-89CA-E3F244D40051}" sibTransId="{B46D919D-47D2-4878-BB10-13E160AF4255}"/>
+    <dgm:cxn modelId="{2750ABF6-449B-4E13-B15D-83DDD0DE0E58}" srcId="{6AB7F61A-30ED-4A52-B8BC-28302CF36865}" destId="{F194686F-54E6-457B-9891-380F43F7679B}" srcOrd="8" destOrd="0" parTransId="{2F04B933-B5C1-4151-8CD9-DE5B2BA99807}" sibTransId="{8FB7C16A-E797-4D6B-9C70-E281FC11B246}"/>
+    <dgm:cxn modelId="{58747E54-4D17-4CA3-9D6B-F9953EDB0DAA}" type="presOf" srcId="{49B7CDC5-45A2-417F-916F-D4E5EFF27E8F}" destId="{51710AB8-A8CF-4FDF-8B5F-F7DE9CFE6489}" srcOrd="0" destOrd="0" presId="urn:microsoft.com/office/officeart/2005/8/layout/default"/>
     <dgm:cxn modelId="{26F32D7E-841C-4FFA-BE5D-C8E17F1C15D3}" type="presOf" srcId="{C73C5CCB-F042-45D9-AB99-D824D527E6DA}" destId="{5C28B57C-81DA-4855-AB2B-590B37E617B3}" srcOrd="0" destOrd="0" presId="urn:microsoft.com/office/officeart/2005/8/layout/default"/>
-    <dgm:cxn modelId="{0B4E3722-C525-4887-B995-D1D5D63CB0BD}" srcId="{6AB7F61A-30ED-4A52-B8BC-28302CF36865}" destId="{407E7A21-8DE3-4264-81C8-88AD94B3BE17}" srcOrd="5" destOrd="0" parTransId="{187BCC76-FB96-4E43-905E-6D7A631F88B0}" sibTransId="{4D6C3863-CE7D-4CDD-85D8-8824BC19DABA}"/>
+    <dgm:cxn modelId="{FEADC78F-7D30-447C-BD50-687C3AD8585D}" srcId="{6AB7F61A-30ED-4A52-B8BC-28302CF36865}" destId="{C73C5CCB-F042-45D9-AB99-D824D527E6DA}" srcOrd="9" destOrd="0" parTransId="{13CB1BEB-4E77-4116-893A-DA9D62392CAF}" sibTransId="{CCA0128B-A67B-40E4-BD50-B12102C142D5}"/>
+    <dgm:cxn modelId="{862991ED-B8D3-4320-9B83-2C820A9E6F6A}" type="presOf" srcId="{AF8147DF-BD63-4E1C-B807-31CFE147B4BF}" destId="{17270D06-5EBC-4917-B125-7F3DA171A475}" srcOrd="0" destOrd="0" presId="urn:microsoft.com/office/officeart/2005/8/layout/default"/>
+    <dgm:cxn modelId="{447E119B-2D47-498D-9BA6-BB522FDD8057}" srcId="{6AB7F61A-30ED-4A52-B8BC-28302CF36865}" destId="{6A0C1D34-FE07-4F29-AC7F-110116AC4361}" srcOrd="4" destOrd="0" parTransId="{5214A2C5-79BB-482C-8725-63DA7A996440}" sibTransId="{87D2FF9C-7081-4AC2-B952-9B5D36ED5ADF}"/>
+    <dgm:cxn modelId="{38BDBA00-B3D5-450B-8EE5-39E3BC3AB4BF}" type="presOf" srcId="{F194686F-54E6-457B-9891-380F43F7679B}" destId="{A4DA69A4-EB0D-419A-96D7-7F9C25738593}" srcOrd="0" destOrd="0" presId="urn:microsoft.com/office/officeart/2005/8/layout/default"/>
+    <dgm:cxn modelId="{82C5015A-D48C-4002-827C-D0E0814F07D3}" type="presOf" srcId="{407E7A21-8DE3-4264-81C8-88AD94B3BE17}" destId="{61A9AEE2-FD9E-4C45-98BE-E1412DE75FCC}" srcOrd="0" destOrd="0" presId="urn:microsoft.com/office/officeart/2005/8/layout/default"/>
     <dgm:cxn modelId="{2DE7CB89-9A7D-4A18-8497-A3843411476C}" srcId="{6AB7F61A-30ED-4A52-B8BC-28302CF36865}" destId="{49B7CDC5-45A2-417F-916F-D4E5EFF27E8F}" srcOrd="3" destOrd="0" parTransId="{1DB4E300-D006-4435-8290-4EB1E6317679}" sibTransId="{749B9A71-5E5A-4C7E-8415-63007CB8614A}"/>
-    <dgm:cxn modelId="{FEADC78F-7D30-447C-BD50-687C3AD8585D}" srcId="{6AB7F61A-30ED-4A52-B8BC-28302CF36865}" destId="{C73C5CCB-F042-45D9-AB99-D824D527E6DA}" srcOrd="9" destOrd="0" parTransId="{13CB1BEB-4E77-4116-893A-DA9D62392CAF}" sibTransId="{CCA0128B-A67B-40E4-BD50-B12102C142D5}"/>
+    <dgm:cxn modelId="{AE4B5EE2-9742-4A9E-B561-B2654D8C2121}" srcId="{6AB7F61A-30ED-4A52-B8BC-28302CF36865}" destId="{AF8147DF-BD63-4E1C-B807-31CFE147B4BF}" srcOrd="1" destOrd="0" parTransId="{20A4C1B3-D703-4860-AC21-063D65EE15BD}" sibTransId="{41E990D4-9C37-473E-BD67-84AB2C6DE415}"/>
+    <dgm:cxn modelId="{16A28BF7-89B9-4F9C-8E9F-87F337D49A0F}" type="presOf" srcId="{E4DA7292-E343-4028-8C19-7BF4F32EBA96}" destId="{3E18C1B0-1E08-40A9-8D20-DB237FF1FD92}" srcOrd="0" destOrd="0" presId="urn:microsoft.com/office/officeart/2005/8/layout/default"/>
+    <dgm:cxn modelId="{C5660CDA-F51A-47C6-B544-4286E0A15AB5}" type="presOf" srcId="{1BB953B5-C933-4197-B814-9CF6629800DC}" destId="{AE4DC3FE-B4B8-4542-AAE5-6F5007D26F5C}" srcOrd="0" destOrd="0" presId="urn:microsoft.com/office/officeart/2005/8/layout/default"/>
     <dgm:cxn modelId="{E21AE207-225E-4F8C-91E1-DADE744D6342}" type="presOf" srcId="{C4D38500-7037-40A9-B23E-DE7C6EB0AD1E}" destId="{919F8215-15D0-4C47-B39F-F0740B2F5C11}" srcOrd="0" destOrd="0" presId="urn:microsoft.com/office/officeart/2005/8/layout/default"/>
     <dgm:cxn modelId="{A0DE8783-EC05-4AFE-8A98-75B06E438EF2}" type="presOf" srcId="{0D669605-0A59-4853-AD01-A7FA3EC4EF21}" destId="{99A6851A-4AAE-4043-8A32-F871A515FC35}" srcOrd="0" destOrd="0" presId="urn:microsoft.com/office/officeart/2005/8/layout/default"/>
-    <dgm:cxn modelId="{8FF62758-EE5E-4FAB-ADA3-6656E5B34C2C}" srcId="{6AB7F61A-30ED-4A52-B8BC-28302CF36865}" destId="{DA9CDB55-34FA-42B1-AF0D-544F3A7F7F14}" srcOrd="13" destOrd="0" parTransId="{3E534535-3FCC-4A0F-8F2E-45A92CDB615B}" sibTransId="{E04F724F-BAD9-4EF8-85EB-C734D66A6B5A}"/>
-    <dgm:cxn modelId="{6D48B908-75EC-444C-8E4A-985C88D004FB}" srcId="{6AB7F61A-30ED-4A52-B8BC-28302CF36865}" destId="{0D669605-0A59-4853-AD01-A7FA3EC4EF21}" srcOrd="10" destOrd="0" parTransId="{39304E33-B7AB-47D0-962F-BB56B06703A8}" sibTransId="{469BD83E-99F2-495A-B033-24911B65A362}"/>
-    <dgm:cxn modelId="{AE4B5EE2-9742-4A9E-B561-B2654D8C2121}" srcId="{6AB7F61A-30ED-4A52-B8BC-28302CF36865}" destId="{AF8147DF-BD63-4E1C-B807-31CFE147B4BF}" srcOrd="1" destOrd="0" parTransId="{20A4C1B3-D703-4860-AC21-063D65EE15BD}" sibTransId="{41E990D4-9C37-473E-BD67-84AB2C6DE415}"/>
+    <dgm:cxn modelId="{F43EBADD-55BE-4D5C-B9EB-67ABEA076DFE}" type="presOf" srcId="{6AB7F61A-30ED-4A52-B8BC-28302CF36865}" destId="{DA849271-B4B3-4E7A-8070-C0D8E36E31F5}" srcOrd="0" destOrd="0" presId="urn:microsoft.com/office/officeart/2005/8/layout/default"/>
     <dgm:cxn modelId="{512703DD-09FE-4CA7-AB0D-0E9D0BAF3FF3}" srcId="{6AB7F61A-30ED-4A52-B8BC-28302CF36865}" destId="{CC97A072-802F-4246-AE6B-B4AD7087EA9E}" srcOrd="2" destOrd="0" parTransId="{0FE90DCE-A47E-47B4-8460-B24A26D0CCA0}" sibTransId="{A446E4C3-F861-4116-80F2-ABC970835A9A}"/>
-    <dgm:cxn modelId="{02CFD581-4DF0-4ECD-814E-77C4915357A7}" type="presOf" srcId="{6A0C1D34-FE07-4F29-AC7F-110116AC4361}" destId="{7968477B-396C-4AC0-B434-D785746B258C}" srcOrd="0" destOrd="0" presId="urn:microsoft.com/office/officeart/2005/8/layout/default"/>
-    <dgm:cxn modelId="{8B3E4A4A-DC91-4D13-811B-B7E43B964DFE}" type="presOf" srcId="{DA9CDB55-34FA-42B1-AF0D-544F3A7F7F14}" destId="{029FB5D3-699B-4144-BD56-54A68F21EC1E}" srcOrd="0" destOrd="0" presId="urn:microsoft.com/office/officeart/2005/8/layout/default"/>
-    <dgm:cxn modelId="{6D7BE12D-E59A-4FE7-A4FF-170F84DD33ED}" srcId="{6AB7F61A-30ED-4A52-B8BC-28302CF36865}" destId="{C4D38500-7037-40A9-B23E-DE7C6EB0AD1E}" srcOrd="6" destOrd="0" parTransId="{6C051E27-3404-4389-95DE-B53B119D2D62}" sibTransId="{7C85FD9C-9DBF-4D1D-BDBA-D796AD1F2818}"/>
-    <dgm:cxn modelId="{38BDBA00-B3D5-450B-8EE5-39E3BC3AB4BF}" type="presOf" srcId="{F194686F-54E6-457B-9891-380F43F7679B}" destId="{A4DA69A4-EB0D-419A-96D7-7F9C25738593}" srcOrd="0" destOrd="0" presId="urn:microsoft.com/office/officeart/2005/8/layout/default"/>
-    <dgm:cxn modelId="{862991ED-B8D3-4320-9B83-2C820A9E6F6A}" type="presOf" srcId="{AF8147DF-BD63-4E1C-B807-31CFE147B4BF}" destId="{17270D06-5EBC-4917-B125-7F3DA171A475}" srcOrd="0" destOrd="0" presId="urn:microsoft.com/office/officeart/2005/8/layout/default"/>
-    <dgm:cxn modelId="{3A8DF7A5-61E9-4AE1-A8E6-D72833DB29CB}" type="presOf" srcId="{CC97A072-802F-4246-AE6B-B4AD7087EA9E}" destId="{32861C83-1168-43BD-B6DE-BC2DE5D84455}" srcOrd="0" destOrd="0" presId="urn:microsoft.com/office/officeart/2005/8/layout/default"/>
-    <dgm:cxn modelId="{82C5015A-D48C-4002-827C-D0E0814F07D3}" type="presOf" srcId="{407E7A21-8DE3-4264-81C8-88AD94B3BE17}" destId="{61A9AEE2-FD9E-4C45-98BE-E1412DE75FCC}" srcOrd="0" destOrd="0" presId="urn:microsoft.com/office/officeart/2005/8/layout/default"/>
-    <dgm:cxn modelId="{7C1D1A8E-452E-4B07-8E54-A4A09E2B4432}" srcId="{6AB7F61A-30ED-4A52-B8BC-28302CF36865}" destId="{1BB953B5-C933-4197-B814-9CF6629800DC}" srcOrd="7" destOrd="0" parTransId="{6173D493-E39F-4DF7-89CA-E3F244D40051}" sibTransId="{B46D919D-47D2-4878-BB10-13E160AF4255}"/>
-    <dgm:cxn modelId="{F43EBADD-55BE-4D5C-B9EB-67ABEA076DFE}" type="presOf" srcId="{6AB7F61A-30ED-4A52-B8BC-28302CF36865}" destId="{DA849271-B4B3-4E7A-8070-C0D8E36E31F5}" srcOrd="0" destOrd="0" presId="urn:microsoft.com/office/officeart/2005/8/layout/default"/>
+    <dgm:cxn modelId="{36188E75-2646-418D-B6AD-EBFDAF0BF709}" type="presOf" srcId="{8BC61255-878A-43E0-99C5-74B958E545A8}" destId="{D100DB55-E194-4816-9963-E88B01112AED}" srcOrd="0" destOrd="0" presId="urn:microsoft.com/office/officeart/2005/8/layout/default"/>
     <dgm:cxn modelId="{5F51DEEB-2083-4FC4-AC59-E56834EF9949}" srcId="{6AB7F61A-30ED-4A52-B8BC-28302CF36865}" destId="{E4DA7292-E343-4028-8C19-7BF4F32EBA96}" srcOrd="11" destOrd="0" parTransId="{23FF9095-9B4C-4743-9F95-CF660F0D8750}" sibTransId="{4036F49E-A393-462B-94EA-D7489A379E21}"/>
-    <dgm:cxn modelId="{36188E75-2646-418D-B6AD-EBFDAF0BF709}" type="presOf" srcId="{8BC61255-878A-43E0-99C5-74B958E545A8}" destId="{D100DB55-E194-4816-9963-E88B01112AED}" srcOrd="0" destOrd="0" presId="urn:microsoft.com/office/officeart/2005/8/layout/default"/>
-    <dgm:cxn modelId="{447E119B-2D47-498D-9BA6-BB522FDD8057}" srcId="{6AB7F61A-30ED-4A52-B8BC-28302CF36865}" destId="{6A0C1D34-FE07-4F29-AC7F-110116AC4361}" srcOrd="4" destOrd="0" parTransId="{5214A2C5-79BB-482C-8725-63DA7A996440}" sibTransId="{87D2FF9C-7081-4AC2-B952-9B5D36ED5ADF}"/>
-    <dgm:cxn modelId="{962CE473-9B04-4394-AA0D-5DCDFFBF64D7}" type="presOf" srcId="{94A49553-708C-4EAC-ADAB-1020F7302C81}" destId="{50091DDF-F069-4089-A8B6-94A8CFE36B10}" srcOrd="0" destOrd="0" presId="urn:microsoft.com/office/officeart/2005/8/layout/default"/>
-    <dgm:cxn modelId="{C5660CDA-F51A-47C6-B544-4286E0A15AB5}" type="presOf" srcId="{1BB953B5-C933-4197-B814-9CF6629800DC}" destId="{AE4DC3FE-B4B8-4542-AAE5-6F5007D26F5C}" srcOrd="0" destOrd="0" presId="urn:microsoft.com/office/officeart/2005/8/layout/default"/>
-    <dgm:cxn modelId="{58747E54-4D17-4CA3-9D6B-F9953EDB0DAA}" type="presOf" srcId="{49B7CDC5-45A2-417F-916F-D4E5EFF27E8F}" destId="{51710AB8-A8CF-4FDF-8B5F-F7DE9CFE6489}" srcOrd="0" destOrd="0" presId="urn:microsoft.com/office/officeart/2005/8/layout/default"/>
     <dgm:cxn modelId="{B5547EDE-D1CD-4954-983D-D19DADBD5BF6}" srcId="{6AB7F61A-30ED-4A52-B8BC-28302CF36865}" destId="{8BC61255-878A-43E0-99C5-74B958E545A8}" srcOrd="0" destOrd="0" parTransId="{78A0CFEB-43DD-4AB1-98D0-57B5FA83DA48}" sibTransId="{DA978B6C-47FC-49FE-B28D-6C1ABB504191}"/>
-    <dgm:cxn modelId="{2750ABF6-449B-4E13-B15D-83DDD0DE0E58}" srcId="{6AB7F61A-30ED-4A52-B8BC-28302CF36865}" destId="{F194686F-54E6-457B-9891-380F43F7679B}" srcOrd="8" destOrd="0" parTransId="{2F04B933-B5C1-4151-8CD9-DE5B2BA99807}" sibTransId="{8FB7C16A-E797-4D6B-9C70-E281FC11B246}"/>
-    <dgm:cxn modelId="{16A28BF7-89B9-4F9C-8E9F-87F337D49A0F}" type="presOf" srcId="{E4DA7292-E343-4028-8C19-7BF4F32EBA96}" destId="{3E18C1B0-1E08-40A9-8D20-DB237FF1FD92}" srcOrd="0" destOrd="0" presId="urn:microsoft.com/office/officeart/2005/8/layout/default"/>
     <dgm:cxn modelId="{5F7AF60B-FEAA-4783-8D74-07CEEA6E9C4E}" srcId="{6AB7F61A-30ED-4A52-B8BC-28302CF36865}" destId="{94A49553-708C-4EAC-ADAB-1020F7302C81}" srcOrd="12" destOrd="0" parTransId="{EF27BEED-FB3D-499A-85E2-BB86E16C4895}" sibTransId="{BBAF3CE5-3135-405B-921E-6BD6767DF9C5}"/>
     <dgm:cxn modelId="{F68A17F1-68BE-4470-A0AB-3585979EBCF5}" type="presParOf" srcId="{DA849271-B4B3-4E7A-8070-C0D8E36E31F5}" destId="{D100DB55-E194-4816-9963-E88B01112AED}" srcOrd="0" destOrd="0" presId="urn:microsoft.com/office/officeart/2005/8/layout/default"/>
     <dgm:cxn modelId="{1B09209A-F4A3-436B-B04D-384E21610252}" type="presParOf" srcId="{DA849271-B4B3-4E7A-8070-C0D8E36E31F5}" destId="{4BE27A63-08B4-4123-88E5-CA935E5FBFDD}" srcOrd="1" destOrd="0" presId="urn:microsoft.com/office/officeart/2005/8/layout/default"/>
@@ -3643,6 +3683,34 @@
         </a:effectRef>
         <a:fontRef idx="minor"/>
       </dsp:style>
+      <dsp:txBody>
+        <a:bodyPr spcFirstLastPara="0" vert="horz" wrap="square" lIns="68580" tIns="68580" rIns="68580" bIns="68580" numCol="1" spcCol="1270" anchor="ctr" anchorCtr="0">
+          <a:noAutofit/>
+        </a:bodyPr>
+        <a:lstStyle/>
+        <a:p>
+          <a:pPr lvl="0" algn="l" defTabSz="800100">
+            <a:lnSpc>
+              <a:spcPct val="90000"/>
+            </a:lnSpc>
+            <a:spcBef>
+              <a:spcPct val="0"/>
+            </a:spcBef>
+            <a:spcAft>
+              <a:spcPct val="35000"/>
+            </a:spcAft>
+          </a:pPr>
+          <a:r>
+            <a:rPr lang="fr-FR" sz="1800" kern="1200" dirty="0" smtClean="0"/>
+            <a:t>SYCL</a:t>
+          </a:r>
+          <a:endParaRPr lang="fr-FR" sz="1800" kern="1200" dirty="0"/>
+        </a:p>
+      </dsp:txBody>
+      <dsp:txXfrm>
+        <a:off x="3405548" y="2496249"/>
+        <a:ext cx="1467352" cy="788899"/>
+      </dsp:txXfrm>
     </dsp:sp>
     <dsp:sp modelId="{EEB2D41D-EB47-4C9B-ADD5-36FF436C356A}">
       <dsp:nvSpPr>
@@ -7494,7 +7562,7 @@
             <a:pPr rtl="0"/>
             <a:fld id="{44067F72-4B43-4EB2-81AF-1356A084F97D}" type="datetime1">
               <a:rPr lang="fr-FR" smtClean="0"/>
-              <a:t>05/12/2020</a:t>
+              <a:t>06/12/2020</a:t>
             </a:fld>
             <a:endParaRPr lang="fr-FR"/>
           </a:p>
@@ -7676,7 +7744,7 @@
             <a:pPr rtl="0"/>
             <a:fld id="{18E2C9A5-1936-47C6-ADD2-56E91A3B7AD6}" type="datetime1">
               <a:rPr lang="fr-FR" noProof="0" smtClean="0"/>
-              <a:t>05/12/2020</a:t>
+              <a:t>06/12/2020</a:t>
             </a:fld>
             <a:endParaRPr lang="fr-FR" noProof="0"/>
           </a:p>
@@ -8269,7 +8337,7 @@
       </p:grpSpPr>
       <p:sp>
         <p:nvSpPr>
-          <p:cNvPr id="2" name="Espace réservé de l’image des diapositives 1"/>
+          <p:cNvPr id="2" name="Espace réservé de l'image des diapositives 1"/>
           <p:cNvSpPr>
             <a:spLocks noGrp="1" noRot="1" noChangeAspect="1"/>
           </p:cNvSpPr>
@@ -8277,16 +8345,11 @@
             <p:ph type="sldImg"/>
           </p:nvPr>
         </p:nvSpPr>
-        <p:spPr>
-          <a:xfrm>
-            <a:off x="960438" y="1143000"/>
-            <a:ext cx="4937125" cy="3086100"/>
-          </a:xfrm>
-        </p:spPr>
+        <p:spPr/>
       </p:sp>
       <p:sp>
         <p:nvSpPr>
-          <p:cNvPr id="3" name="Espace réservé des commentaires 2"/>
+          <p:cNvPr id="3" name="Espace réservé des notes 2"/>
           <p:cNvSpPr>
             <a:spLocks noGrp="1"/>
           </p:cNvSpPr>
@@ -8296,11 +8359,14 @@
         </p:nvSpPr>
         <p:spPr/>
         <p:txBody>
-          <a:bodyPr rtlCol="0"/>
+          <a:bodyPr/>
           <a:lstStyle/>
           <a:p>
-            <a:pPr rtl="0"/>
-            <a:endParaRPr lang="fr-FR"/>
+            <a:r>
+              <a:rPr lang="fr-FR" dirty="0" smtClean="0"/>
+              <a:t>Faire deux groupes</a:t>
+            </a:r>
+            <a:endParaRPr lang="fr-FR" dirty="0"/>
           </a:p>
         </p:txBody>
       </p:sp>
@@ -8311,27 +8377,27 @@
             <a:spLocks noGrp="1"/>
           </p:cNvSpPr>
           <p:nvPr>
-            <p:ph type="sldNum" sz="quarter" idx="5"/>
+            <p:ph type="sldNum" sz="quarter" idx="10"/>
           </p:nvPr>
         </p:nvSpPr>
         <p:spPr/>
         <p:txBody>
-          <a:bodyPr rtlCol="0"/>
+          <a:bodyPr/>
           <a:lstStyle/>
           <a:p>
             <a:pPr rtl="0"/>
             <a:fld id="{C6B3AB32-59DF-41F1-9618-EDFBF5049629}" type="slidenum">
-              <a:rPr lang="fr-FR" smtClean="0"/>
-              <a:t>22</a:t>
+              <a:rPr lang="fr-FR" noProof="0" smtClean="0"/>
+              <a:t>20</a:t>
             </a:fld>
-            <a:endParaRPr lang="fr-FR"/>
+            <a:endParaRPr lang="fr-FR" noProof="0"/>
           </a:p>
         </p:txBody>
       </p:sp>
     </p:spTree>
     <p:extLst>
       <p:ext uri="{BB962C8B-B14F-4D97-AF65-F5344CB8AC3E}">
-        <p14:creationId xmlns:p14="http://schemas.microsoft.com/office/powerpoint/2010/main" val="4193417604"/>
+        <p14:creationId xmlns:p14="http://schemas.microsoft.com/office/powerpoint/2010/main" val="4023334306"/>
       </p:ext>
     </p:extLst>
   </p:cSld>
@@ -8413,7 +8479,7 @@
             <a:pPr rtl="0"/>
             <a:fld id="{C6B3AB32-59DF-41F1-9618-EDFBF5049629}" type="slidenum">
               <a:rPr lang="fr-FR" smtClean="0"/>
-              <a:t>23</a:t>
+              <a:t>24</a:t>
             </a:fld>
             <a:endParaRPr lang="fr-FR"/>
           </a:p>
@@ -8423,6 +8489,97 @@
     <p:extLst>
       <p:ext uri="{BB962C8B-B14F-4D97-AF65-F5344CB8AC3E}">
         <p14:creationId xmlns:p14="http://schemas.microsoft.com/office/powerpoint/2010/main" val="2060956633"/>
+      </p:ext>
+    </p:extLst>
+  </p:cSld>
+  <p:clrMapOvr>
+    <a:masterClrMapping/>
+  </p:clrMapOvr>
+</p:notes>
+</file>
+
+<file path=ppt/notesSlides/notesSlide6.xml><?xml version="1.0" encoding="utf-8"?>
+<p:notes xmlns:a="http://schemas.openxmlformats.org/drawingml/2006/main" xmlns:r="http://schemas.openxmlformats.org/officeDocument/2006/relationships" xmlns:p="http://schemas.openxmlformats.org/presentationml/2006/main">
+  <p:cSld>
+    <p:spTree>
+      <p:nvGrpSpPr>
+        <p:cNvPr id="1" name=""/>
+        <p:cNvGrpSpPr/>
+        <p:nvPr/>
+      </p:nvGrpSpPr>
+      <p:grpSpPr>
+        <a:xfrm>
+          <a:off x="0" y="0"/>
+          <a:ext cx="0" cy="0"/>
+          <a:chOff x="0" y="0"/>
+          <a:chExt cx="0" cy="0"/>
+        </a:xfrm>
+      </p:grpSpPr>
+      <p:sp>
+        <p:nvSpPr>
+          <p:cNvPr id="2" name="Espace réservé de l’image des diapositives 1"/>
+          <p:cNvSpPr>
+            <a:spLocks noGrp="1" noRot="1" noChangeAspect="1"/>
+          </p:cNvSpPr>
+          <p:nvPr>
+            <p:ph type="sldImg"/>
+          </p:nvPr>
+        </p:nvSpPr>
+        <p:spPr>
+          <a:xfrm>
+            <a:off x="960438" y="1143000"/>
+            <a:ext cx="4937125" cy="3086100"/>
+          </a:xfrm>
+        </p:spPr>
+      </p:sp>
+      <p:sp>
+        <p:nvSpPr>
+          <p:cNvPr id="3" name="Espace réservé des commentaires 2"/>
+          <p:cNvSpPr>
+            <a:spLocks noGrp="1"/>
+          </p:cNvSpPr>
+          <p:nvPr>
+            <p:ph type="body" idx="1"/>
+          </p:nvPr>
+        </p:nvSpPr>
+        <p:spPr/>
+        <p:txBody>
+          <a:bodyPr rtlCol="0"/>
+          <a:lstStyle/>
+          <a:p>
+            <a:pPr rtl="0"/>
+            <a:endParaRPr lang="fr-FR"/>
+          </a:p>
+        </p:txBody>
+      </p:sp>
+      <p:sp>
+        <p:nvSpPr>
+          <p:cNvPr id="4" name="Espace réservé du numéro de diapositive 3"/>
+          <p:cNvSpPr>
+            <a:spLocks noGrp="1"/>
+          </p:cNvSpPr>
+          <p:nvPr>
+            <p:ph type="sldNum" sz="quarter" idx="5"/>
+          </p:nvPr>
+        </p:nvSpPr>
+        <p:spPr/>
+        <p:txBody>
+          <a:bodyPr rtlCol="0"/>
+          <a:lstStyle/>
+          <a:p>
+            <a:pPr rtl="0"/>
+            <a:fld id="{C6B3AB32-59DF-41F1-9618-EDFBF5049629}" type="slidenum">
+              <a:rPr lang="fr-FR" smtClean="0"/>
+              <a:t>28</a:t>
+            </a:fld>
+            <a:endParaRPr lang="fr-FR"/>
+          </a:p>
+        </p:txBody>
+      </p:sp>
+    </p:spTree>
+    <p:extLst>
+      <p:ext uri="{BB962C8B-B14F-4D97-AF65-F5344CB8AC3E}">
+        <p14:creationId xmlns:p14="http://schemas.microsoft.com/office/powerpoint/2010/main" val="3321145480"/>
       </p:ext>
     </p:extLst>
   </p:cSld>
@@ -8678,7 +8835,7 @@
             <a:pPr rtl="0"/>
             <a:fld id="{0403CD74-91A7-4B71-B298-50645341EDD4}" type="datetime1">
               <a:rPr lang="fr-FR" noProof="0" smtClean="0"/>
-              <a:t>05/12/2020</a:t>
+              <a:t>06/12/2020</a:t>
             </a:fld>
             <a:endParaRPr lang="fr-FR" noProof="0"/>
           </a:p>
@@ -8944,7 +9101,7 @@
             <a:pPr rtl="0"/>
             <a:fld id="{77B509D1-F8C0-4CA0-858B-2AEDA726DA78}" type="datetime1">
               <a:rPr lang="fr-FR" noProof="0" smtClean="0"/>
-              <a:t>05/12/2020</a:t>
+              <a:t>06/12/2020</a:t>
             </a:fld>
             <a:endParaRPr lang="fr-FR" noProof="0"/>
           </a:p>
@@ -9183,7 +9340,7 @@
             <a:pPr rtl="0"/>
             <a:fld id="{BFAD2B5B-47C2-4EBB-964D-B5C3690B6DFC}" type="datetime1">
               <a:rPr lang="fr-FR" noProof="0" smtClean="0"/>
-              <a:t>05/12/2020</a:t>
+              <a:t>06/12/2020</a:t>
             </a:fld>
             <a:endParaRPr lang="fr-FR" noProof="0"/>
           </a:p>
@@ -9432,7 +9589,7 @@
             <a:pPr rtl="0"/>
             <a:fld id="{4284DE75-DF3C-46A1-8E6B-C01542896712}" type="datetime1">
               <a:rPr lang="fr-FR" noProof="0" smtClean="0"/>
-              <a:t>05/12/2020</a:t>
+              <a:t>06/12/2020</a:t>
             </a:fld>
             <a:endParaRPr lang="fr-FR" noProof="0" dirty="0"/>
           </a:p>
@@ -9751,7 +9908,7 @@
             <a:pPr rtl="0"/>
             <a:fld id="{80CB3D2D-45DD-496C-AA6C-A93FD66473E3}" type="datetime1">
               <a:rPr lang="fr-FR" noProof="0" smtClean="0"/>
-              <a:t>05/12/2020</a:t>
+              <a:t>06/12/2020</a:t>
             </a:fld>
             <a:endParaRPr lang="fr-FR" noProof="0"/>
           </a:p>
@@ -10062,7 +10219,7 @@
             <a:pPr rtl="0"/>
             <a:fld id="{EFB18253-55B0-414F-8F02-5F24D4FE0C41}" type="datetime1">
               <a:rPr lang="fr-FR" noProof="0" smtClean="0"/>
-              <a:t>05/12/2020</a:t>
+              <a:t>06/12/2020</a:t>
             </a:fld>
             <a:endParaRPr lang="fr-FR" noProof="0"/>
           </a:p>
@@ -10503,7 +10660,7 @@
             <a:pPr rtl="0"/>
             <a:fld id="{A3DF8B3A-A2CC-4133-9F37-93D6DD187088}" type="datetime1">
               <a:rPr lang="fr-FR" noProof="0" smtClean="0"/>
-              <a:t>05/12/2020</a:t>
+              <a:t>06/12/2020</a:t>
             </a:fld>
             <a:endParaRPr lang="fr-FR" noProof="0"/>
           </a:p>
@@ -10615,7 +10772,7 @@
             <a:pPr rtl="0"/>
             <a:fld id="{3A376707-662B-440F-A345-984A712059E4}" type="datetime1">
               <a:rPr lang="fr-FR" noProof="0" smtClean="0"/>
-              <a:t>05/12/2020</a:t>
+              <a:t>06/12/2020</a:t>
             </a:fld>
             <a:endParaRPr lang="fr-FR" noProof="0"/>
           </a:p>
@@ -10781,7 +10938,7 @@
             <a:pPr rtl="0"/>
             <a:fld id="{8467424E-3337-4E92-BEE1-F720AC49DD1E}" type="datetime1">
               <a:rPr lang="fr-FR" noProof="0" smtClean="0"/>
-              <a:t>05/12/2020</a:t>
+              <a:t>06/12/2020</a:t>
             </a:fld>
             <a:endParaRPr lang="fr-FR" noProof="0"/>
           </a:p>
@@ -11163,7 +11320,7 @@
             <a:pPr rtl="0"/>
             <a:fld id="{D6D64502-6BA4-4CC8-8A3D-2A27850A7A08}" type="datetime1">
               <a:rPr lang="fr-FR" noProof="0" smtClean="0"/>
-              <a:t>05/12/2020</a:t>
+              <a:t>06/12/2020</a:t>
             </a:fld>
             <a:endParaRPr lang="fr-FR" noProof="0"/>
           </a:p>
@@ -11456,7 +11613,7 @@
             <a:pPr rtl="0"/>
             <a:fld id="{01C10578-73C0-4732-A884-D24ACCC97C87}" type="datetime1">
               <a:rPr lang="fr-FR" noProof="0" smtClean="0"/>
-              <a:t>05/12/2020</a:t>
+              <a:t>06/12/2020</a:t>
             </a:fld>
             <a:endParaRPr lang="fr-FR" noProof="0"/>
           </a:p>
@@ -11671,7 +11828,7 @@
             <a:pPr rtl="0"/>
             <a:fld id="{A4C732EE-BF7E-4015-ABFF-6CDED879EEBC}" type="datetime1">
               <a:rPr lang="fr-FR" noProof="0" smtClean="0"/>
-              <a:t>05/12/2020</a:t>
+              <a:t>06/12/2020</a:t>
             </a:fld>
             <a:endParaRPr lang="fr-FR" noProof="0"/>
           </a:p>
@@ -12455,15 +12612,7 @@
                   <a:srgbClr val="7CEBFF"/>
                 </a:solidFill>
               </a:rPr>
-              <a:t>les </a:t>
-            </a:r>
-            <a:r>
-              <a:rPr lang="fr-FR" smtClean="0">
-                <a:solidFill>
-                  <a:srgbClr val="7CEBFF"/>
-                </a:solidFill>
-              </a:rPr>
-              <a:t>7 et 8 décembre 2020</a:t>
+              <a:t>les 7 et 8 décembre 2020</a:t>
             </a:r>
             <a:endParaRPr lang="fr-FR" dirty="0">
               <a:solidFill>
@@ -14842,29 +14991,23 @@
                 </a:solidFill>
                 <a:latin typeface="Arial"/>
               </a:rPr>
-              <a:t>Synchronisation en fin de section single (barrière implicite)</a:t>
-            </a:r>
-          </a:p>
-          <a:p>
-            <a:pPr marL="342720" indent="-342720">
-              <a:spcBef>
-                <a:spcPts val="448"/>
-              </a:spcBef>
-              <a:buClr>
+              <a:t>Synchronisation en fin de section single (barrière implicite</a:t>
+            </a:r>
+            <a:r>
+              <a:rPr lang="fr-FR" sz="1400" b="0" strike="noStrike" spc="-1" dirty="0" smtClean="0">
+                <a:solidFill>
+                  <a:srgbClr val="FF950E"/>
+                </a:solidFill>
+                <a:latin typeface="Arial"/>
+              </a:rPr>
+              <a:t>)</a:t>
+            </a:r>
+            <a:endParaRPr lang="fr-FR" sz="1400" b="0" strike="noStrike" spc="-1" dirty="0">
+              <a:solidFill>
                 <a:srgbClr val="FF950E"/>
-              </a:buClr>
-              <a:buFont typeface="Wingdings" charset="2"/>
-              <a:buChar char=""/>
-            </a:pPr>
-            <a:r>
-              <a:rPr lang="fr-FR" sz="1400" b="0" strike="noStrike" spc="-1" dirty="0">
-                <a:solidFill>
-                  <a:srgbClr val="FF950E"/>
-                </a:solidFill>
-                <a:latin typeface="Arial"/>
-              </a:rPr>
-              <a:t>Ne peut pas être lancé au sein d’une directive for</a:t>
-            </a:r>
+              </a:solidFill>
+              <a:latin typeface="Arial"/>
+            </a:endParaRPr>
           </a:p>
         </p:txBody>
       </p:sp>
@@ -18186,7 +18329,7 @@
         <p:spPr>
           <a:xfrm>
             <a:off x="564360" y="1701720"/>
-            <a:ext cx="8642520" cy="4536000"/>
+            <a:ext cx="8642520" cy="2323742"/>
           </a:xfrm>
           <a:prstGeom prst="rect">
             <a:avLst/>
@@ -18329,6 +18472,419 @@
               </a:rPr>
               <a:t>Ou lorsqu’on utilise des directives sans barrières implicites</a:t>
             </a:r>
+          </a:p>
+        </p:txBody>
+      </p:sp>
+      <p:sp>
+        <p:nvSpPr>
+          <p:cNvPr id="5" name="CustomShape 5"/>
+          <p:cNvSpPr/>
+          <p:nvPr/>
+        </p:nvSpPr>
+        <p:spPr>
+          <a:xfrm>
+            <a:off x="2445139" y="3745370"/>
+            <a:ext cx="4253722" cy="1819891"/>
+          </a:xfrm>
+          <a:custGeom>
+            <a:avLst/>
+            <a:gdLst/>
+            <a:ahLst/>
+            <a:cxnLst/>
+            <a:rect l="l" t="t" r="r" b="b"/>
+            <a:pathLst>
+              <a:path w="21600" h="21600">
+                <a:moveTo>
+                  <a:pt x="0" y="0"/>
+                </a:moveTo>
+                <a:lnTo>
+                  <a:pt x="21600" y="0"/>
+                </a:lnTo>
+                <a:lnTo>
+                  <a:pt x="21600" y="21600"/>
+                </a:lnTo>
+                <a:lnTo>
+                  <a:pt x="0" y="21600"/>
+                </a:lnTo>
+                <a:lnTo>
+                  <a:pt x="0" y="0"/>
+                </a:lnTo>
+                <a:close/>
+              </a:path>
+            </a:pathLst>
+          </a:custGeom>
+          <a:solidFill>
+            <a:srgbClr val="C0C0C0"/>
+          </a:solidFill>
+          <a:ln w="9360">
+            <a:solidFill>
+              <a:srgbClr val="000000"/>
+            </a:solidFill>
+            <a:round/>
+          </a:ln>
+        </p:spPr>
+        <p:style>
+          <a:lnRef idx="0">
+            <a:scrgbClr r="0" g="0" b="0"/>
+          </a:lnRef>
+          <a:fillRef idx="0">
+            <a:scrgbClr r="0" g="0" b="0"/>
+          </a:fillRef>
+          <a:effectRef idx="0">
+            <a:scrgbClr r="0" g="0" b="0"/>
+          </a:effectRef>
+          <a:fontRef idx="minor"/>
+        </p:style>
+        <p:txBody>
+          <a:bodyPr lIns="90000" tIns="45000" rIns="90000" bIns="45000">
+            <a:noAutofit/>
+          </a:bodyPr>
+          <a:lstStyle/>
+          <a:p>
+            <a:pPr>
+              <a:lnSpc>
+                <a:spcPct val="100000"/>
+              </a:lnSpc>
+            </a:pPr>
+            <a:r>
+              <a:rPr lang="fr-FR" sz="1050" b="1" strike="noStrike" spc="-1" dirty="0">
+                <a:solidFill>
+                  <a:srgbClr val="000000"/>
+                </a:solidFill>
+                <a:latin typeface="Courier New"/>
+              </a:rPr>
+              <a:t>#</a:t>
+            </a:r>
+            <a:r>
+              <a:rPr lang="fr-FR" sz="1050" b="1" strike="noStrike" spc="-1" dirty="0" err="1">
+                <a:solidFill>
+                  <a:srgbClr val="000000"/>
+                </a:solidFill>
+                <a:latin typeface="Courier New"/>
+              </a:rPr>
+              <a:t>pragma</a:t>
+            </a:r>
+            <a:r>
+              <a:rPr lang="fr-FR" sz="1050" b="1" strike="noStrike" spc="-1" dirty="0">
+                <a:solidFill>
+                  <a:srgbClr val="000000"/>
+                </a:solidFill>
+                <a:latin typeface="Courier New"/>
+              </a:rPr>
+              <a:t> </a:t>
+            </a:r>
+            <a:r>
+              <a:rPr lang="fr-FR" sz="1050" b="1" strike="noStrike" spc="-1" dirty="0" err="1">
+                <a:solidFill>
+                  <a:srgbClr val="000000"/>
+                </a:solidFill>
+                <a:latin typeface="Courier New"/>
+              </a:rPr>
+              <a:t>omp</a:t>
+            </a:r>
+            <a:r>
+              <a:rPr lang="fr-FR" sz="1050" b="1" strike="noStrike" spc="-1" dirty="0">
+                <a:solidFill>
+                  <a:srgbClr val="000000"/>
+                </a:solidFill>
+                <a:latin typeface="Courier New"/>
+              </a:rPr>
+              <a:t> </a:t>
+            </a:r>
+            <a:r>
+              <a:rPr lang="fr-FR" sz="1050" b="1" strike="noStrike" spc="-1" dirty="0" err="1">
+                <a:solidFill>
+                  <a:srgbClr val="000000"/>
+                </a:solidFill>
+                <a:latin typeface="Courier New"/>
+              </a:rPr>
+              <a:t>parallel</a:t>
+            </a:r>
+            <a:endParaRPr lang="fr-FR" sz="1050" b="1" strike="noStrike" spc="-1" dirty="0">
+              <a:solidFill>
+                <a:srgbClr val="000000"/>
+              </a:solidFill>
+              <a:latin typeface="Arial"/>
+            </a:endParaRPr>
+          </a:p>
+          <a:p>
+            <a:pPr>
+              <a:lnSpc>
+                <a:spcPct val="100000"/>
+              </a:lnSpc>
+            </a:pPr>
+            <a:r>
+              <a:rPr lang="fr-FR" sz="1050" b="1" strike="noStrike" spc="-1" dirty="0">
+                <a:solidFill>
+                  <a:srgbClr val="000000"/>
+                </a:solidFill>
+                <a:latin typeface="Courier New"/>
+              </a:rPr>
+              <a:t>    </a:t>
+            </a:r>
+            <a:r>
+              <a:rPr lang="fr-FR" sz="1050" b="1" strike="noStrike" spc="-1" dirty="0" smtClean="0">
+                <a:solidFill>
+                  <a:srgbClr val="000000"/>
+                </a:solidFill>
+                <a:latin typeface="Courier New"/>
+              </a:rPr>
+              <a:t>{</a:t>
+            </a:r>
+            <a:endParaRPr lang="fr-FR" sz="1050" b="1" strike="noStrike" spc="-1" dirty="0">
+              <a:solidFill>
+                <a:srgbClr val="000000"/>
+              </a:solidFill>
+              <a:latin typeface="Arial"/>
+            </a:endParaRPr>
+          </a:p>
+          <a:p>
+            <a:pPr>
+              <a:lnSpc>
+                <a:spcPct val="100000"/>
+              </a:lnSpc>
+            </a:pPr>
+            <a:r>
+              <a:rPr lang="fr-FR" sz="1050" b="1" strike="noStrike" spc="-1" dirty="0" smtClean="0">
+                <a:solidFill>
+                  <a:srgbClr val="000000"/>
+                </a:solidFill>
+                <a:latin typeface="Courier New"/>
+              </a:rPr>
+              <a:t>	</a:t>
+            </a:r>
+            <a:r>
+              <a:rPr lang="fr-FR" sz="1050" b="1" spc="-1" dirty="0">
+                <a:solidFill>
+                  <a:srgbClr val="000000"/>
+                </a:solidFill>
+                <a:latin typeface="Arial"/>
+              </a:rPr>
+              <a:t>// Les threads vivent leur vie</a:t>
+            </a:r>
+          </a:p>
+          <a:p>
+            <a:pPr>
+              <a:lnSpc>
+                <a:spcPct val="100000"/>
+              </a:lnSpc>
+            </a:pPr>
+            <a:r>
+              <a:rPr lang="fr-FR" sz="1050" b="1" strike="noStrike" spc="-1" dirty="0" smtClean="0">
+                <a:solidFill>
+                  <a:srgbClr val="000000"/>
+                </a:solidFill>
+                <a:latin typeface="Courier New"/>
+              </a:rPr>
+              <a:t>	</a:t>
+            </a:r>
+            <a:r>
+              <a:rPr lang="fr-FR" sz="1050" b="1" strike="noStrike" spc="-1" dirty="0" err="1" smtClean="0">
+                <a:solidFill>
+                  <a:srgbClr val="000000"/>
+                </a:solidFill>
+                <a:latin typeface="Courier New"/>
+              </a:rPr>
+              <a:t>doStuff</a:t>
+            </a:r>
+            <a:r>
+              <a:rPr lang="fr-FR" sz="1050" b="1" strike="noStrike" spc="-1" dirty="0" smtClean="0">
+                <a:solidFill>
+                  <a:srgbClr val="000000"/>
+                </a:solidFill>
+                <a:latin typeface="Courier New"/>
+              </a:rPr>
+              <a:t>();</a:t>
+            </a:r>
+          </a:p>
+          <a:p>
+            <a:pPr>
+              <a:lnSpc>
+                <a:spcPct val="100000"/>
+              </a:lnSpc>
+            </a:pPr>
+            <a:endParaRPr lang="fr-FR" sz="1050" b="1" strike="noStrike" spc="-1" dirty="0" smtClean="0">
+              <a:solidFill>
+                <a:srgbClr val="000000"/>
+              </a:solidFill>
+              <a:latin typeface="Arial"/>
+            </a:endParaRPr>
+          </a:p>
+          <a:p>
+            <a:pPr>
+              <a:lnSpc>
+                <a:spcPct val="100000"/>
+              </a:lnSpc>
+            </a:pPr>
+            <a:r>
+              <a:rPr lang="fr-FR" sz="1050" b="1" strike="noStrike" spc="-1" dirty="0" smtClean="0">
+                <a:solidFill>
+                  <a:srgbClr val="000000"/>
+                </a:solidFill>
+                <a:latin typeface="Arial"/>
+              </a:rPr>
+              <a:t>	// Tous les threads s’attendent</a:t>
+            </a:r>
+            <a:endParaRPr lang="fr-FR" sz="1050" b="1" strike="noStrike" spc="-1" dirty="0">
+              <a:solidFill>
+                <a:srgbClr val="000000"/>
+              </a:solidFill>
+              <a:latin typeface="Arial"/>
+            </a:endParaRPr>
+          </a:p>
+          <a:p>
+            <a:pPr lvl="1"/>
+            <a:r>
+              <a:rPr lang="fr-FR" sz="1050" b="1" spc="-1" dirty="0" smtClean="0">
+                <a:solidFill>
+                  <a:srgbClr val="000000"/>
+                </a:solidFill>
+                <a:latin typeface="Courier New"/>
+              </a:rPr>
+              <a:t>#</a:t>
+            </a:r>
+            <a:r>
+              <a:rPr lang="fr-FR" sz="1050" b="1" spc="-1" dirty="0" err="1" smtClean="0">
+                <a:solidFill>
+                  <a:srgbClr val="000000"/>
+                </a:solidFill>
+                <a:latin typeface="Courier New"/>
+              </a:rPr>
+              <a:t>pragma</a:t>
+            </a:r>
+            <a:r>
+              <a:rPr lang="fr-FR" sz="1050" b="1" spc="-1" dirty="0" smtClean="0">
+                <a:solidFill>
+                  <a:srgbClr val="000000"/>
+                </a:solidFill>
+                <a:latin typeface="Courier New"/>
+              </a:rPr>
+              <a:t> </a:t>
+            </a:r>
+            <a:r>
+              <a:rPr lang="fr-FR" sz="1050" b="1" spc="-1" dirty="0" err="1" smtClean="0">
+                <a:solidFill>
+                  <a:srgbClr val="000000"/>
+                </a:solidFill>
+                <a:latin typeface="Courier New"/>
+              </a:rPr>
+              <a:t>omp</a:t>
+            </a:r>
+            <a:r>
+              <a:rPr lang="fr-FR" sz="1050" b="1" spc="-1" dirty="0" smtClean="0">
+                <a:solidFill>
+                  <a:srgbClr val="000000"/>
+                </a:solidFill>
+                <a:latin typeface="Courier New"/>
+              </a:rPr>
+              <a:t> </a:t>
+            </a:r>
+            <a:r>
+              <a:rPr lang="fr-FR" sz="1050" b="1" spc="-1" dirty="0" err="1" smtClean="0">
+                <a:solidFill>
+                  <a:srgbClr val="000000"/>
+                </a:solidFill>
+                <a:latin typeface="Courier New"/>
+              </a:rPr>
+              <a:t>barrier</a:t>
+            </a:r>
+            <a:endParaRPr lang="fr-FR" sz="1050" b="1" spc="-1" dirty="0" smtClean="0">
+              <a:solidFill>
+                <a:srgbClr val="000000"/>
+              </a:solidFill>
+              <a:latin typeface="Courier New"/>
+            </a:endParaRPr>
+          </a:p>
+          <a:p>
+            <a:pPr lvl="1"/>
+            <a:endParaRPr lang="fr-FR" sz="1050" b="1" spc="-1" dirty="0" smtClean="0">
+              <a:solidFill>
+                <a:srgbClr val="000000"/>
+              </a:solidFill>
+              <a:latin typeface="Courier New"/>
+            </a:endParaRPr>
+          </a:p>
+          <a:p>
+            <a:pPr lvl="1"/>
+            <a:r>
+              <a:rPr lang="fr-FR" sz="1050" b="1" spc="-1" dirty="0">
+                <a:solidFill>
+                  <a:srgbClr val="000000"/>
+                </a:solidFill>
+                <a:latin typeface="Arial"/>
+              </a:rPr>
+              <a:t>// Chacun reprend </a:t>
+            </a:r>
+            <a:r>
+              <a:rPr lang="fr-FR" sz="1050" b="1" spc="-1" dirty="0" smtClean="0">
+                <a:solidFill>
+                  <a:srgbClr val="000000"/>
+                </a:solidFill>
+                <a:latin typeface="Arial"/>
+              </a:rPr>
+              <a:t>ce qu’il a à fair</a:t>
+            </a:r>
+            <a:r>
+              <a:rPr lang="fr-FR" sz="1050" b="1" spc="-1" dirty="0">
+                <a:solidFill>
+                  <a:srgbClr val="000000"/>
+                </a:solidFill>
+                <a:latin typeface="Arial"/>
+              </a:rPr>
+              <a:t>e</a:t>
+            </a:r>
+          </a:p>
+          <a:p>
+            <a:pPr lvl="1"/>
+            <a:r>
+              <a:rPr lang="fr-FR" sz="1050" b="1" spc="-1" dirty="0" err="1" smtClean="0">
+                <a:solidFill>
+                  <a:srgbClr val="000000"/>
+                </a:solidFill>
+                <a:latin typeface="Courier New"/>
+              </a:rPr>
+              <a:t>doMoreStuff</a:t>
+            </a:r>
+            <a:r>
+              <a:rPr lang="fr-FR" sz="1050" b="1" spc="-1" dirty="0" smtClean="0">
+                <a:solidFill>
+                  <a:srgbClr val="000000"/>
+                </a:solidFill>
+                <a:latin typeface="Courier New"/>
+              </a:rPr>
+              <a:t>();</a:t>
+            </a:r>
+          </a:p>
+          <a:p>
+            <a:pPr lvl="1"/>
+            <a:r>
+              <a:rPr lang="fr-FR" sz="1050" b="1" strike="noStrike" spc="-1" dirty="0" smtClean="0">
+                <a:solidFill>
+                  <a:srgbClr val="000000"/>
+                </a:solidFill>
+                <a:latin typeface="Courier New"/>
+              </a:rPr>
+              <a:t>}</a:t>
+            </a:r>
+            <a:endParaRPr lang="fr-FR" sz="1050" b="1" strike="noStrike" spc="-1" dirty="0">
+              <a:solidFill>
+                <a:srgbClr val="000000"/>
+              </a:solidFill>
+              <a:latin typeface="Arial"/>
+            </a:endParaRPr>
+          </a:p>
+          <a:p>
+            <a:pPr>
+              <a:lnSpc>
+                <a:spcPct val="100000"/>
+              </a:lnSpc>
+            </a:pPr>
+            <a:endParaRPr lang="fr-FR" sz="1050" b="1" strike="noStrike" spc="-1" dirty="0">
+              <a:solidFill>
+                <a:srgbClr val="000000"/>
+              </a:solidFill>
+              <a:latin typeface="Arial"/>
+            </a:endParaRPr>
           </a:p>
         </p:txBody>
       </p:sp>
@@ -19158,7 +19714,7 @@
             </a:r>
             <a:r>
               <a:rPr lang="fr-FR" dirty="0" smtClean="0"/>
-              <a:t> vous obtenez ?</a:t>
+              <a:t> obtenez-vous ?</a:t>
             </a:r>
           </a:p>
           <a:p>
@@ -20411,7 +20967,7 @@
       </p:grpSpPr>
       <p:sp>
         <p:nvSpPr>
-          <p:cNvPr id="8" name="Titre 7"/>
+          <p:cNvPr id="2" name="Titre 1"/>
           <p:cNvSpPr>
             <a:spLocks noGrp="1"/>
           </p:cNvSpPr>
@@ -20426,7 +20982,7 @@
           <a:p>
             <a:r>
               <a:rPr lang="fr-FR" dirty="0" smtClean="0"/>
-              <a:t>À vous !</a:t>
+              <a:t>D’autres directives</a:t>
             </a:r>
             <a:endParaRPr lang="fr-FR" dirty="0"/>
           </a:p>
@@ -20434,7 +20990,7 @@
       </p:sp>
       <p:sp>
         <p:nvSpPr>
-          <p:cNvPr id="9" name="Espace réservé du texte 8"/>
+          <p:cNvPr id="3" name="Espace réservé du texte 2"/>
           <p:cNvSpPr>
             <a:spLocks noGrp="1"/>
           </p:cNvSpPr>
@@ -20449,7 +21005,7 @@
           <a:p>
             <a:r>
               <a:rPr lang="fr-FR" dirty="0" smtClean="0"/>
-              <a:t>Objectif</a:t>
+              <a:t>Directive Critical</a:t>
             </a:r>
             <a:endParaRPr lang="fr-FR" dirty="0"/>
           </a:p>
@@ -20457,7 +21013,7 @@
       </p:sp>
       <p:sp>
         <p:nvSpPr>
-          <p:cNvPr id="10" name="Espace réservé du contenu 9"/>
+          <p:cNvPr id="4" name="Espace réservé du contenu 3"/>
           <p:cNvSpPr>
             <a:spLocks noGrp="1"/>
           </p:cNvSpPr>
@@ -20467,144 +21023,97 @@
         </p:nvSpPr>
         <p:spPr/>
         <p:txBody>
-          <a:bodyPr/>
+          <a:bodyPr>
+            <a:normAutofit/>
+          </a:bodyPr>
           <a:lstStyle/>
           <a:p>
-            <a:r>
-              <a:rPr lang="fr-FR" dirty="0" smtClean="0"/>
-              <a:t>Calculer le produit vectoriel de deux vecteurs </a:t>
-            </a:r>
-          </a:p>
-          <a:p>
-            <a:endParaRPr lang="fr-FR" dirty="0" smtClean="0"/>
-          </a:p>
-          <a:p>
-            <a:pPr marL="0" indent="0">
-              <a:buNone/>
+            <a:pPr marL="342720" indent="-342720">
+              <a:spcBef>
+                <a:spcPts val="448"/>
+              </a:spcBef>
+              <a:buClr>
+                <a:srgbClr val="FF950E"/>
+              </a:buClr>
+              <a:buFont typeface="Wingdings" charset="2"/>
+              <a:buChar char=""/>
             </a:pPr>
-            <a:endParaRPr lang="fr-FR" dirty="0" smtClean="0"/>
-          </a:p>
-          <a:p>
-            <a:r>
-              <a:rPr lang="fr-FR" dirty="0" smtClean="0"/>
-              <a:t>Lancer le projet </a:t>
-            </a:r>
-            <a:r>
-              <a:rPr lang="fr-FR" dirty="0" err="1" smtClean="0">
-                <a:ln w="0"/>
-                <a:solidFill>
-                  <a:schemeClr val="accent1"/>
-                </a:solidFill>
-                <a:effectLst>
-                  <a:outerShdw blurRad="38100" dist="25400" dir="5400000" algn="ctr" rotWithShape="0">
-                    <a:srgbClr val="6E747A">
-                      <a:alpha val="43000"/>
-                    </a:srgbClr>
-                  </a:outerShdw>
-                </a:effectLst>
-              </a:rPr>
-              <a:t>DotProduct_omp</a:t>
-            </a:r>
-            <a:r>
-              <a:rPr lang="fr-FR" dirty="0" smtClean="0">
-                <a:ln w="0"/>
-                <a:solidFill>
-                  <a:schemeClr val="accent1"/>
-                </a:solidFill>
-                <a:effectLst>
-                  <a:outerShdw blurRad="38100" dist="25400" dir="5400000" algn="ctr" rotWithShape="0">
-                    <a:srgbClr val="6E747A">
-                      <a:alpha val="43000"/>
-                    </a:srgbClr>
-                  </a:outerShdw>
-                </a:effectLst>
-              </a:rPr>
-              <a:t>  </a:t>
-            </a:r>
-            <a:r>
-              <a:rPr lang="fr-FR" dirty="0"/>
-              <a:t>et écrire </a:t>
-            </a:r>
-            <a:r>
-              <a:rPr lang="fr-FR" dirty="0" smtClean="0"/>
-              <a:t>les fonction </a:t>
-            </a:r>
-            <a:r>
-              <a:rPr lang="fr-FR" dirty="0" err="1" smtClean="0">
-                <a:ln w="0"/>
-                <a:solidFill>
-                  <a:schemeClr val="accent1"/>
-                </a:solidFill>
-                <a:effectLst>
-                  <a:outerShdw blurRad="38100" dist="25400" dir="5400000" algn="ctr" rotWithShape="0">
-                    <a:srgbClr val="6E747A">
-                      <a:alpha val="43000"/>
-                    </a:srgbClr>
-                  </a:outerShdw>
-                </a:effectLst>
-              </a:rPr>
-              <a:t>dotProductParallelFor</a:t>
-            </a:r>
-            <a:r>
-              <a:rPr lang="fr-FR" dirty="0" smtClean="0">
-                <a:ln w="0"/>
-                <a:solidFill>
-                  <a:schemeClr val="accent1"/>
-                </a:solidFill>
-                <a:effectLst>
-                  <a:outerShdw blurRad="38100" dist="25400" dir="5400000" algn="ctr" rotWithShape="0">
-                    <a:srgbClr val="6E747A">
-                      <a:alpha val="43000"/>
-                    </a:srgbClr>
-                  </a:outerShdw>
-                </a:effectLst>
-              </a:rPr>
-              <a:t> et </a:t>
-            </a:r>
-            <a:r>
-              <a:rPr lang="fr-FR" dirty="0" err="1">
-                <a:ln w="0"/>
-                <a:solidFill>
-                  <a:schemeClr val="accent1"/>
-                </a:solidFill>
-                <a:effectLst>
-                  <a:outerShdw blurRad="38100" dist="25400" dir="5400000" algn="ctr" rotWithShape="0">
-                    <a:srgbClr val="6E747A">
-                      <a:alpha val="43000"/>
-                    </a:srgbClr>
-                  </a:outerShdw>
-                </a:effectLst>
-              </a:rPr>
-              <a:t>dotProductRedux</a:t>
-            </a:r>
-            <a:endParaRPr lang="fr-FR" dirty="0">
-              <a:ln w="0"/>
+            <a:r>
+              <a:rPr lang="fr-FR" sz="1200" spc="-1" dirty="0">
+                <a:solidFill>
+                  <a:srgbClr val="FF950E"/>
+                </a:solidFill>
+                <a:latin typeface="Arial"/>
+              </a:rPr>
+              <a:t>Indique un bloc qui doit être exécuté en section critique (par 1 seul thread)</a:t>
+            </a:r>
+          </a:p>
+          <a:p>
+            <a:pPr marL="741600" lvl="1" indent="-284400">
+              <a:spcBef>
+                <a:spcPts val="448"/>
+              </a:spcBef>
+              <a:buClr>
+                <a:srgbClr val="FF950E"/>
+              </a:buClr>
+              <a:buSzPct val="45000"/>
+              <a:buFont typeface="Wingdings" charset="2"/>
+              <a:buChar char=""/>
+            </a:pPr>
+            <a:r>
+              <a:rPr lang="fr-FR" spc="-1" dirty="0">
+                <a:solidFill>
+                  <a:srgbClr val="0A3071"/>
+                </a:solidFill>
+                <a:latin typeface="Arial Narrow"/>
+              </a:rPr>
+              <a:t>Ce qui ne signifie pas qu’un seul thread doit exécuter le bloc</a:t>
+            </a:r>
+          </a:p>
+          <a:p>
+            <a:pPr marL="342720" indent="-342720">
+              <a:spcBef>
+                <a:spcPts val="448"/>
+              </a:spcBef>
+              <a:buClr>
+                <a:srgbClr val="FF950E"/>
+              </a:buClr>
+              <a:buFont typeface="Wingdings" charset="2"/>
+              <a:buChar char=""/>
+            </a:pPr>
+            <a:r>
+              <a:rPr lang="fr-FR" sz="1200" spc="-1" dirty="0" smtClean="0">
+                <a:solidFill>
+                  <a:srgbClr val="FF950E"/>
+                </a:solidFill>
+                <a:latin typeface="Arial"/>
+              </a:rPr>
+              <a:t>Pas de synchronisation en fin de bloc !</a:t>
+            </a:r>
+            <a:endParaRPr lang="fr-FR" sz="1200" spc="-1" dirty="0">
               <a:solidFill>
-                <a:schemeClr val="accent1"/>
+                <a:srgbClr val="FF950E"/>
               </a:solidFill>
-              <a:effectLst>
-                <a:outerShdw blurRad="38100" dist="25400" dir="5400000" algn="ctr" rotWithShape="0">
-                  <a:srgbClr val="6E747A">
-                    <a:alpha val="43000"/>
-                  </a:srgbClr>
-                </a:outerShdw>
-              </a:effectLst>
+              <a:latin typeface="Arial"/>
             </a:endParaRPr>
           </a:p>
           <a:p>
-            <a:r>
-              <a:rPr lang="fr-FR" dirty="0"/>
-              <a:t>On considère que la dimension des vecteurs est un multiple du nombre de threads</a:t>
-            </a:r>
-          </a:p>
-          <a:p>
-            <a:endParaRPr lang="fr-FR" dirty="0"/>
+            <a:endParaRPr lang="fr-FR" sz="1050" dirty="0"/>
+          </a:p>
+          <a:p>
+            <a:endParaRPr lang="fr-FR" sz="1050" dirty="0" smtClean="0"/>
+          </a:p>
+          <a:p>
+            <a:endParaRPr lang="fr-FR" sz="1050" dirty="0"/>
+          </a:p>
+          <a:p>
+            <a:endParaRPr lang="fr-FR" sz="800" dirty="0" smtClean="0"/>
           </a:p>
         </p:txBody>
       </p:sp>
       <p:sp>
         <p:nvSpPr>
-          <p:cNvPr id="11" name="Espace réservé du texte 10"/>
+          <p:cNvPr id="5" name="Espace réservé du texte 4"/>
           <p:cNvSpPr>
             <a:spLocks noGrp="1"/>
           </p:cNvSpPr>
@@ -20619,7 +21128,7 @@
           <a:p>
             <a:r>
               <a:rPr lang="fr-FR" dirty="0" smtClean="0"/>
-              <a:t>Outils</a:t>
+              <a:t>Directive Atomic</a:t>
             </a:r>
             <a:endParaRPr lang="fr-FR" dirty="0"/>
           </a:p>
@@ -20627,7 +21136,7 @@
       </p:sp>
       <p:sp>
         <p:nvSpPr>
-          <p:cNvPr id="12" name="Espace réservé du contenu 11"/>
+          <p:cNvPr id="6" name="Espace réservé du contenu 5"/>
           <p:cNvSpPr>
             <a:spLocks noGrp="1"/>
           </p:cNvSpPr>
@@ -20637,8 +21146,8 @@
         </p:nvSpPr>
         <p:spPr>
           <a:xfrm>
-            <a:off x="4663281" y="2088665"/>
-            <a:ext cx="4044825" cy="1622276"/>
+            <a:off x="4663281" y="2088664"/>
+            <a:ext cx="4044825" cy="3476597"/>
           </a:xfrm>
         </p:spPr>
         <p:txBody>
@@ -20647,96 +21156,77 @@
           </a:bodyPr>
           <a:lstStyle/>
           <a:p>
-            <a:r>
-              <a:rPr lang="fr-FR" dirty="0" smtClean="0"/>
-              <a:t>#</a:t>
-            </a:r>
-            <a:r>
-              <a:rPr lang="fr-FR" dirty="0" err="1" smtClean="0"/>
-              <a:t>pragma</a:t>
-            </a:r>
-            <a:r>
-              <a:rPr lang="fr-FR" dirty="0" smtClean="0"/>
-              <a:t> </a:t>
-            </a:r>
-            <a:r>
-              <a:rPr lang="fr-FR" dirty="0" err="1" smtClean="0"/>
-              <a:t>omp</a:t>
-            </a:r>
-            <a:r>
-              <a:rPr lang="fr-FR" dirty="0" smtClean="0"/>
-              <a:t> </a:t>
-            </a:r>
-            <a:r>
-              <a:rPr lang="fr-FR" dirty="0" err="1" smtClean="0"/>
-              <a:t>parallel</a:t>
-            </a:r>
-            <a:r>
-              <a:rPr lang="fr-FR" dirty="0" smtClean="0"/>
-              <a:t> for{…}</a:t>
-            </a:r>
-          </a:p>
-          <a:p>
-            <a:r>
-              <a:rPr lang="fr-FR" dirty="0"/>
-              <a:t>#</a:t>
-            </a:r>
-            <a:r>
-              <a:rPr lang="fr-FR" dirty="0" err="1"/>
-              <a:t>pragma</a:t>
-            </a:r>
-            <a:r>
-              <a:rPr lang="fr-FR" dirty="0"/>
-              <a:t> </a:t>
-            </a:r>
-            <a:r>
-              <a:rPr lang="fr-FR" dirty="0" err="1"/>
-              <a:t>omp</a:t>
-            </a:r>
-            <a:r>
-              <a:rPr lang="fr-FR" dirty="0"/>
-              <a:t> </a:t>
-            </a:r>
-            <a:r>
-              <a:rPr lang="fr-FR" dirty="0" err="1"/>
-              <a:t>parallel</a:t>
-            </a:r>
-            <a:r>
-              <a:rPr lang="fr-FR" dirty="0"/>
-              <a:t> for </a:t>
-            </a:r>
-            <a:r>
-              <a:rPr lang="fr-FR" dirty="0" err="1"/>
-              <a:t>reduction</a:t>
-            </a:r>
-            <a:r>
-              <a:rPr lang="fr-FR" dirty="0"/>
-              <a:t>(+:</a:t>
-            </a:r>
-            <a:r>
-              <a:rPr lang="fr-FR" dirty="0" err="1"/>
-              <a:t>res</a:t>
-            </a:r>
-            <a:r>
-              <a:rPr lang="fr-FR" dirty="0"/>
-              <a:t>)</a:t>
-            </a:r>
-            <a:endParaRPr lang="fr-FR" dirty="0" smtClean="0"/>
-          </a:p>
-          <a:p>
-            <a:r>
-              <a:rPr lang="fr-FR" dirty="0" smtClean="0"/>
-              <a:t>Ce qu’on a déjà vu</a:t>
-            </a:r>
-          </a:p>
-          <a:p>
-            <a:endParaRPr lang="fr-FR" dirty="0"/>
+            <a:pPr marL="342720" indent="-342720">
+              <a:spcBef>
+                <a:spcPts val="448"/>
+              </a:spcBef>
+              <a:buClr>
+                <a:srgbClr val="FF950E"/>
+              </a:buClr>
+              <a:buFont typeface="Wingdings" charset="2"/>
+              <a:buChar char=""/>
+            </a:pPr>
+            <a:r>
+              <a:rPr lang="fr-FR" sz="1600" spc="-1" dirty="0">
+                <a:solidFill>
+                  <a:srgbClr val="FF950E"/>
+                </a:solidFill>
+                <a:latin typeface="Arial"/>
+              </a:rPr>
+              <a:t>Indique que l’opération suivante doit être atomique</a:t>
+            </a:r>
+          </a:p>
+          <a:p>
+            <a:pPr marL="741600" lvl="1" indent="-284400">
+              <a:spcBef>
+                <a:spcPts val="448"/>
+              </a:spcBef>
+              <a:buClr>
+                <a:srgbClr val="FF950E"/>
+              </a:buClr>
+              <a:buSzPct val="45000"/>
+              <a:buFont typeface="Wingdings" charset="2"/>
+              <a:buChar char=""/>
+            </a:pPr>
+            <a:r>
+              <a:rPr lang="fr-FR" sz="1600" spc="-1" dirty="0">
+                <a:solidFill>
+                  <a:srgbClr val="0A3071"/>
+                </a:solidFill>
+                <a:latin typeface="Arial Narrow"/>
+              </a:rPr>
+              <a:t>Il doit s’agir d’une opération élémentaire</a:t>
+            </a:r>
+          </a:p>
+          <a:p>
+            <a:pPr marL="342720" indent="-342720">
+              <a:spcBef>
+                <a:spcPts val="448"/>
+              </a:spcBef>
+              <a:buClr>
+                <a:srgbClr val="FF950E"/>
+              </a:buClr>
+              <a:buFont typeface="Wingdings" charset="2"/>
+              <a:buChar char=""/>
+            </a:pPr>
+            <a:r>
+              <a:rPr lang="fr-FR" sz="1600" spc="-1" dirty="0">
+                <a:solidFill>
+                  <a:srgbClr val="FF950E"/>
+                </a:solidFill>
+                <a:latin typeface="Arial"/>
+              </a:rPr>
+              <a:t>Équivaut à utiliser une opération atomique</a:t>
+            </a:r>
+          </a:p>
+          <a:p>
+            <a:endParaRPr lang="fr-FR" sz="1100" dirty="0"/>
           </a:p>
         </p:txBody>
       </p:sp>
       <p:sp>
         <p:nvSpPr>
-          <p:cNvPr id="4" name="Espace réservé du numéro de diapositive 3"/>
+          <p:cNvPr id="7" name="Espace réservé du numéro de diapositive 6"/>
           <p:cNvSpPr>
             <a:spLocks noGrp="1"/>
           </p:cNvSpPr>
@@ -20744,522 +21234,850 @@
             <p:ph type="sldNum" sz="quarter" idx="12"/>
           </p:nvPr>
         </p:nvSpPr>
-        <p:spPr>
-          <a:xfrm>
-            <a:off x="7918724" y="5131613"/>
-            <a:ext cx="789383" cy="304271"/>
-          </a:xfrm>
-        </p:spPr>
+        <p:spPr/>
         <p:txBody>
           <a:bodyPr/>
           <a:lstStyle/>
           <a:p>
             <a:fld id="{D57F1E4F-1CFF-5643-939E-217C01CDF565}" type="slidenum">
-              <a:rPr lang="fr-FR" sz="1600" smtClean="0"/>
+              <a:rPr lang="fr-FR" smtClean="0"/>
               <a:pPr/>
               <a:t>19</a:t>
             </a:fld>
-            <a:endParaRPr lang="fr-FR" sz="1600"/>
+            <a:endParaRPr lang="fr-FR"/>
           </a:p>
         </p:txBody>
       </p:sp>
       <p:sp>
         <p:nvSpPr>
-          <p:cNvPr id="13" name="Espace réservé du texte 10"/>
-          <p:cNvSpPr txBox="1">
-            <a:spLocks/>
-          </p:cNvSpPr>
+          <p:cNvPr id="11" name="CustomShape 5"/>
+          <p:cNvSpPr/>
           <p:nvPr/>
         </p:nvSpPr>
         <p:spPr>
           <a:xfrm>
-            <a:off x="4892801" y="3729561"/>
-            <a:ext cx="3815305" cy="461144"/>
+            <a:off x="5035770" y="4254869"/>
+            <a:ext cx="3787525" cy="997081"/>
+          </a:xfrm>
+          <a:custGeom>
+            <a:avLst/>
+            <a:gdLst/>
+            <a:ahLst/>
+            <a:cxnLst/>
+            <a:rect l="l" t="t" r="r" b="b"/>
+            <a:pathLst>
+              <a:path w="21600" h="21600">
+                <a:moveTo>
+                  <a:pt x="0" y="0"/>
+                </a:moveTo>
+                <a:lnTo>
+                  <a:pt x="21600" y="0"/>
+                </a:lnTo>
+                <a:lnTo>
+                  <a:pt x="21600" y="21600"/>
+                </a:lnTo>
+                <a:lnTo>
+                  <a:pt x="0" y="21600"/>
+                </a:lnTo>
+                <a:lnTo>
+                  <a:pt x="0" y="0"/>
+                </a:lnTo>
+                <a:close/>
+              </a:path>
+            </a:pathLst>
+          </a:custGeom>
+          <a:solidFill>
+            <a:srgbClr val="C0C0C0"/>
+          </a:solidFill>
+          <a:ln w="9360">
+            <a:solidFill>
+              <a:srgbClr val="000000"/>
+            </a:solidFill>
+            <a:round/>
+          </a:ln>
+        </p:spPr>
+        <p:style>
+          <a:lnRef idx="0">
+            <a:scrgbClr r="0" g="0" b="0"/>
+          </a:lnRef>
+          <a:fillRef idx="0">
+            <a:scrgbClr r="0" g="0" b="0"/>
+          </a:fillRef>
+          <a:effectRef idx="0">
+            <a:scrgbClr r="0" g="0" b="0"/>
+          </a:effectRef>
+          <a:fontRef idx="minor"/>
+        </p:style>
+        <p:txBody>
+          <a:bodyPr lIns="90000" tIns="45000" rIns="90000" bIns="45000">
+            <a:noAutofit/>
+          </a:bodyPr>
+          <a:lstStyle/>
+          <a:p>
+            <a:pPr>
+              <a:lnSpc>
+                <a:spcPct val="100000"/>
+              </a:lnSpc>
+            </a:pPr>
+            <a:r>
+              <a:rPr lang="fr-FR" sz="1050" b="1" strike="noStrike" spc="-1" dirty="0" smtClean="0">
+                <a:solidFill>
+                  <a:srgbClr val="000000"/>
+                </a:solidFill>
+                <a:latin typeface="Arial"/>
+              </a:rPr>
+              <a:t>Int count = 0;</a:t>
+            </a:r>
+          </a:p>
+          <a:p>
+            <a:pPr>
+              <a:lnSpc>
+                <a:spcPct val="100000"/>
+              </a:lnSpc>
+            </a:pPr>
+            <a:r>
+              <a:rPr lang="fr-FR" sz="1050" b="1" spc="-1" dirty="0" smtClean="0">
+                <a:solidFill>
+                  <a:srgbClr val="000000"/>
+                </a:solidFill>
+                <a:latin typeface="Arial"/>
+              </a:rPr>
+              <a:t>#</a:t>
+            </a:r>
+            <a:r>
+              <a:rPr lang="fr-FR" sz="1050" b="1" spc="-1" dirty="0" err="1" smtClean="0">
+                <a:solidFill>
+                  <a:srgbClr val="000000"/>
+                </a:solidFill>
+                <a:latin typeface="Arial"/>
+              </a:rPr>
+              <a:t>pragma</a:t>
+            </a:r>
+            <a:r>
+              <a:rPr lang="fr-FR" sz="1050" b="1" spc="-1" dirty="0" smtClean="0">
+                <a:solidFill>
+                  <a:srgbClr val="000000"/>
+                </a:solidFill>
+                <a:latin typeface="Arial"/>
+              </a:rPr>
+              <a:t> </a:t>
+            </a:r>
+            <a:r>
+              <a:rPr lang="fr-FR" sz="1050" b="1" spc="-1" dirty="0" err="1" smtClean="0">
+                <a:solidFill>
+                  <a:srgbClr val="000000"/>
+                </a:solidFill>
+                <a:latin typeface="Arial"/>
+              </a:rPr>
+              <a:t>omp</a:t>
+            </a:r>
+            <a:r>
+              <a:rPr lang="fr-FR" sz="1050" b="1" spc="-1" dirty="0" smtClean="0">
+                <a:solidFill>
+                  <a:srgbClr val="000000"/>
+                </a:solidFill>
+                <a:latin typeface="Arial"/>
+              </a:rPr>
+              <a:t> </a:t>
+            </a:r>
+            <a:r>
+              <a:rPr lang="fr-FR" sz="1050" b="1" spc="-1" dirty="0" err="1" smtClean="0">
+                <a:solidFill>
+                  <a:srgbClr val="000000"/>
+                </a:solidFill>
+                <a:latin typeface="Arial"/>
+              </a:rPr>
+              <a:t>parallel</a:t>
+            </a:r>
+            <a:endParaRPr lang="fr-FR" sz="1050" b="1" spc="-1" dirty="0">
+              <a:solidFill>
+                <a:srgbClr val="000000"/>
+              </a:solidFill>
+              <a:latin typeface="Arial"/>
+            </a:endParaRPr>
+          </a:p>
+          <a:p>
+            <a:pPr>
+              <a:lnSpc>
+                <a:spcPct val="100000"/>
+              </a:lnSpc>
+            </a:pPr>
+            <a:r>
+              <a:rPr lang="fr-FR" sz="1050" b="1" strike="noStrike" spc="-1" dirty="0" smtClean="0">
+                <a:solidFill>
+                  <a:srgbClr val="000000"/>
+                </a:solidFill>
+                <a:latin typeface="Arial"/>
+              </a:rPr>
+              <a:t>{</a:t>
+            </a:r>
+          </a:p>
+          <a:p>
+            <a:pPr>
+              <a:lnSpc>
+                <a:spcPct val="100000"/>
+              </a:lnSpc>
+            </a:pPr>
+            <a:r>
+              <a:rPr lang="fr-FR" sz="1050" b="1" spc="-1" dirty="0" smtClean="0">
+                <a:solidFill>
+                  <a:srgbClr val="000000"/>
+                </a:solidFill>
+                <a:latin typeface="Arial"/>
+              </a:rPr>
+              <a:t>#</a:t>
+            </a:r>
+            <a:r>
+              <a:rPr lang="fr-FR" sz="1050" b="1" spc="-1" dirty="0" err="1" smtClean="0">
+                <a:solidFill>
+                  <a:srgbClr val="000000"/>
+                </a:solidFill>
+                <a:latin typeface="Arial"/>
+              </a:rPr>
+              <a:t>pragma</a:t>
+            </a:r>
+            <a:r>
+              <a:rPr lang="fr-FR" sz="1050" b="1" spc="-1" dirty="0" smtClean="0">
+                <a:solidFill>
+                  <a:srgbClr val="000000"/>
+                </a:solidFill>
+                <a:latin typeface="Arial"/>
+              </a:rPr>
+              <a:t> </a:t>
+            </a:r>
+            <a:r>
+              <a:rPr lang="fr-FR" sz="1050" b="1" spc="-1" dirty="0" err="1" smtClean="0">
+                <a:solidFill>
+                  <a:srgbClr val="000000"/>
+                </a:solidFill>
+                <a:latin typeface="Arial"/>
+              </a:rPr>
+              <a:t>omp</a:t>
+            </a:r>
+            <a:r>
+              <a:rPr lang="fr-FR" sz="1050" b="1" spc="-1" dirty="0" smtClean="0">
+                <a:solidFill>
+                  <a:srgbClr val="000000"/>
+                </a:solidFill>
+                <a:latin typeface="Arial"/>
+              </a:rPr>
+              <a:t> </a:t>
+            </a:r>
+            <a:r>
+              <a:rPr lang="fr-FR" sz="1050" b="1" spc="-1" dirty="0" err="1" smtClean="0">
+                <a:solidFill>
+                  <a:srgbClr val="000000"/>
+                </a:solidFill>
+                <a:latin typeface="Arial"/>
+              </a:rPr>
+              <a:t>atomic</a:t>
+            </a:r>
+            <a:endParaRPr lang="fr-FR" sz="1050" b="1" spc="-1" dirty="0" smtClean="0">
+              <a:solidFill>
+                <a:srgbClr val="000000"/>
+              </a:solidFill>
+              <a:latin typeface="Arial"/>
+            </a:endParaRPr>
+          </a:p>
+          <a:p>
+            <a:pPr>
+              <a:lnSpc>
+                <a:spcPct val="100000"/>
+              </a:lnSpc>
+            </a:pPr>
+            <a:r>
+              <a:rPr lang="fr-FR" sz="1050" b="1" spc="-1" dirty="0">
+                <a:solidFill>
+                  <a:srgbClr val="000000"/>
+                </a:solidFill>
+                <a:latin typeface="Arial"/>
+              </a:rPr>
+              <a:t>	</a:t>
+            </a:r>
+            <a:r>
+              <a:rPr lang="fr-FR" sz="1050" b="1" spc="-1" dirty="0" smtClean="0">
+                <a:solidFill>
+                  <a:srgbClr val="000000"/>
+                </a:solidFill>
+                <a:latin typeface="Arial"/>
+              </a:rPr>
+              <a:t>count++;</a:t>
+            </a:r>
+            <a:endParaRPr lang="fr-FR" sz="1050" b="1" spc="-1" dirty="0">
+              <a:solidFill>
+                <a:srgbClr val="000000"/>
+              </a:solidFill>
+              <a:latin typeface="Arial"/>
+            </a:endParaRPr>
+          </a:p>
+          <a:p>
+            <a:pPr>
+              <a:lnSpc>
+                <a:spcPct val="100000"/>
+              </a:lnSpc>
+            </a:pPr>
+            <a:r>
+              <a:rPr lang="fr-FR" sz="1050" b="1" strike="noStrike" spc="-1" dirty="0" smtClean="0">
+                <a:solidFill>
+                  <a:srgbClr val="000000"/>
+                </a:solidFill>
+                <a:latin typeface="Arial"/>
+              </a:rPr>
+              <a:t>}</a:t>
+            </a:r>
+            <a:endParaRPr lang="fr-FR" sz="1050" b="1" strike="noStrike" spc="-1" dirty="0">
+              <a:solidFill>
+                <a:srgbClr val="000000"/>
+              </a:solidFill>
+              <a:latin typeface="Arial"/>
+            </a:endParaRPr>
+          </a:p>
+        </p:txBody>
+      </p:sp>
+      <p:sp>
+        <p:nvSpPr>
+          <p:cNvPr id="12" name="Rectangle 11"/>
+          <p:cNvSpPr/>
+          <p:nvPr/>
+        </p:nvSpPr>
+        <p:spPr>
+          <a:xfrm>
+            <a:off x="5688931" y="3741569"/>
+            <a:ext cx="2223044" cy="369332"/>
           </a:xfrm>
           <a:prstGeom prst="rect">
             <a:avLst/>
           </a:prstGeom>
         </p:spPr>
         <p:txBody>
-          <a:bodyPr vert="horz" lIns="91440" tIns="45720" rIns="91440" bIns="45720" rtlCol="0" anchor="b">
-            <a:noAutofit/>
+          <a:bodyPr wrap="none">
+            <a:spAutoFit/>
           </a:bodyPr>
-          <a:lstStyle>
-            <a:lvl1pPr marL="0" indent="0" algn="l" defTabSz="342900" rtl="0" eaLnBrk="1" latinLnBrk="0" hangingPunct="1">
-              <a:spcBef>
-                <a:spcPct val="20000"/>
-              </a:spcBef>
-              <a:spcAft>
-                <a:spcPts val="450"/>
-              </a:spcAft>
-              <a:buClr>
-                <a:schemeClr val="accent2"/>
-              </a:buClr>
-              <a:buSzPct val="92000"/>
-              <a:buFont typeface="Wingdings 2" panose="05020102010507070707" pitchFamily="18" charset="2"/>
-              <a:buNone/>
-              <a:defRPr sz="1650" b="0" kern="1200">
-                <a:solidFill>
-                  <a:schemeClr val="accent2"/>
-                </a:solidFill>
-                <a:latin typeface="+mn-lt"/>
-                <a:ea typeface="+mn-ea"/>
-                <a:cs typeface="+mn-cs"/>
-              </a:defRPr>
-            </a:lvl1pPr>
-            <a:lvl2pPr marL="342900" indent="0" algn="l" defTabSz="342900" rtl="0" eaLnBrk="1" latinLnBrk="0" hangingPunct="1">
-              <a:spcBef>
-                <a:spcPct val="20000"/>
-              </a:spcBef>
-              <a:spcAft>
-                <a:spcPts val="450"/>
-              </a:spcAft>
-              <a:buClr>
-                <a:schemeClr val="accent2"/>
-              </a:buClr>
-              <a:buSzPct val="92000"/>
-              <a:buFont typeface="Wingdings 2" panose="05020102010507070707" pitchFamily="18" charset="2"/>
-              <a:buNone/>
-              <a:defRPr sz="1500" b="1" kern="1200">
-                <a:solidFill>
-                  <a:schemeClr val="tx2"/>
-                </a:solidFill>
-                <a:latin typeface="+mn-lt"/>
-                <a:ea typeface="+mn-ea"/>
-                <a:cs typeface="+mn-cs"/>
-              </a:defRPr>
-            </a:lvl2pPr>
-            <a:lvl3pPr marL="685800" indent="0" algn="l" defTabSz="342900" rtl="0" eaLnBrk="1" latinLnBrk="0" hangingPunct="1">
-              <a:spcBef>
-                <a:spcPct val="20000"/>
-              </a:spcBef>
-              <a:spcAft>
-                <a:spcPts val="450"/>
-              </a:spcAft>
-              <a:buClr>
-                <a:schemeClr val="accent2"/>
-              </a:buClr>
-              <a:buSzPct val="92000"/>
-              <a:buFont typeface="Wingdings 2" panose="05020102010507070707" pitchFamily="18" charset="2"/>
-              <a:buNone/>
-              <a:defRPr sz="1350" b="1" kern="1200">
-                <a:solidFill>
-                  <a:schemeClr val="tx2"/>
-                </a:solidFill>
-                <a:latin typeface="+mn-lt"/>
-                <a:ea typeface="+mn-ea"/>
-                <a:cs typeface="+mn-cs"/>
-              </a:defRPr>
-            </a:lvl3pPr>
-            <a:lvl4pPr marL="1028700" indent="0" algn="l" defTabSz="342900" rtl="0" eaLnBrk="1" latinLnBrk="0" hangingPunct="1">
-              <a:spcBef>
-                <a:spcPct val="20000"/>
-              </a:spcBef>
-              <a:spcAft>
-                <a:spcPts val="450"/>
-              </a:spcAft>
-              <a:buClr>
-                <a:schemeClr val="accent2"/>
-              </a:buClr>
-              <a:buSzPct val="92000"/>
-              <a:buFont typeface="Wingdings 2" panose="05020102010507070707" pitchFamily="18" charset="2"/>
-              <a:buNone/>
-              <a:defRPr sz="1200" b="1" kern="1200">
-                <a:solidFill>
-                  <a:schemeClr val="tx2"/>
-                </a:solidFill>
-                <a:latin typeface="+mn-lt"/>
-                <a:ea typeface="+mn-ea"/>
-                <a:cs typeface="+mn-cs"/>
-              </a:defRPr>
-            </a:lvl4pPr>
-            <a:lvl5pPr marL="1371600" indent="0" algn="l" defTabSz="342900" rtl="0" eaLnBrk="1" latinLnBrk="0" hangingPunct="1">
-              <a:spcBef>
-                <a:spcPct val="20000"/>
-              </a:spcBef>
-              <a:spcAft>
-                <a:spcPts val="450"/>
-              </a:spcAft>
-              <a:buClr>
-                <a:schemeClr val="accent2"/>
-              </a:buClr>
-              <a:buSzPct val="92000"/>
-              <a:buFont typeface="Wingdings 2" panose="05020102010507070707" pitchFamily="18" charset="2"/>
-              <a:buNone/>
-              <a:defRPr sz="1200" b="1" kern="1200">
-                <a:solidFill>
-                  <a:schemeClr val="tx2"/>
-                </a:solidFill>
-                <a:latin typeface="+mn-lt"/>
-                <a:ea typeface="+mn-ea"/>
-                <a:cs typeface="+mn-cs"/>
-              </a:defRPr>
-            </a:lvl5pPr>
-            <a:lvl6pPr marL="1714500" indent="0" algn="l" defTabSz="342900" rtl="0" eaLnBrk="1" latinLnBrk="0" hangingPunct="1">
-              <a:spcBef>
-                <a:spcPct val="20000"/>
-              </a:spcBef>
-              <a:spcAft>
-                <a:spcPts val="450"/>
-              </a:spcAft>
-              <a:buClr>
-                <a:schemeClr val="accent2"/>
-              </a:buClr>
-              <a:buSzPct val="92000"/>
-              <a:buFont typeface="Wingdings 2" panose="05020102010507070707" pitchFamily="18" charset="2"/>
-              <a:buNone/>
-              <a:defRPr sz="1200" b="1" kern="1200">
-                <a:solidFill>
-                  <a:schemeClr val="tx2"/>
-                </a:solidFill>
-                <a:latin typeface="+mn-lt"/>
-                <a:ea typeface="+mn-ea"/>
-                <a:cs typeface="+mn-cs"/>
-              </a:defRPr>
-            </a:lvl6pPr>
-            <a:lvl7pPr marL="2057400" indent="0" algn="l" defTabSz="342900" rtl="0" eaLnBrk="1" latinLnBrk="0" hangingPunct="1">
-              <a:spcBef>
-                <a:spcPct val="20000"/>
-              </a:spcBef>
-              <a:spcAft>
-                <a:spcPts val="450"/>
-              </a:spcAft>
-              <a:buClr>
-                <a:schemeClr val="accent2"/>
-              </a:buClr>
-              <a:buSzPct val="92000"/>
-              <a:buFont typeface="Wingdings 2" panose="05020102010507070707" pitchFamily="18" charset="2"/>
-              <a:buNone/>
-              <a:defRPr sz="1200" b="1" kern="1200">
-                <a:solidFill>
-                  <a:schemeClr val="tx2"/>
-                </a:solidFill>
-                <a:latin typeface="+mn-lt"/>
-                <a:ea typeface="+mn-ea"/>
-                <a:cs typeface="+mn-cs"/>
-              </a:defRPr>
-            </a:lvl7pPr>
-            <a:lvl8pPr marL="2400300" indent="0" algn="l" defTabSz="342900" rtl="0" eaLnBrk="1" latinLnBrk="0" hangingPunct="1">
-              <a:spcBef>
-                <a:spcPct val="20000"/>
-              </a:spcBef>
-              <a:spcAft>
-                <a:spcPts val="450"/>
-              </a:spcAft>
-              <a:buClr>
-                <a:schemeClr val="accent2"/>
-              </a:buClr>
-              <a:buSzPct val="92000"/>
-              <a:buFont typeface="Wingdings 2" panose="05020102010507070707" pitchFamily="18" charset="2"/>
-              <a:buNone/>
-              <a:defRPr sz="1200" b="1" kern="1200">
-                <a:solidFill>
-                  <a:schemeClr val="tx2"/>
-                </a:solidFill>
-                <a:latin typeface="+mn-lt"/>
-                <a:ea typeface="+mn-ea"/>
-                <a:cs typeface="+mn-cs"/>
-              </a:defRPr>
-            </a:lvl8pPr>
-            <a:lvl9pPr marL="2743200" indent="0" algn="l" defTabSz="342900" rtl="0" eaLnBrk="1" latinLnBrk="0" hangingPunct="1">
-              <a:spcBef>
-                <a:spcPct val="20000"/>
-              </a:spcBef>
-              <a:spcAft>
-                <a:spcPts val="450"/>
-              </a:spcAft>
-              <a:buClr>
-                <a:schemeClr val="accent2"/>
-              </a:buClr>
-              <a:buSzPct val="92000"/>
-              <a:buFont typeface="Wingdings 2" panose="05020102010507070707" pitchFamily="18" charset="2"/>
-              <a:buNone/>
-              <a:defRPr sz="1200" b="1" kern="1200">
-                <a:solidFill>
-                  <a:schemeClr val="tx2"/>
-                </a:solidFill>
-                <a:latin typeface="+mn-lt"/>
-                <a:ea typeface="+mn-ea"/>
-                <a:cs typeface="+mn-cs"/>
-              </a:defRPr>
-            </a:lvl9pPr>
-          </a:lstStyle>
-          <a:p>
-            <a:r>
-              <a:rPr lang="fr-FR" dirty="0" smtClean="0"/>
-              <a:t>Questions :</a:t>
+          <a:lstStyle/>
+          <a:p>
+            <a:r>
+              <a:rPr lang="fr-FR" dirty="0"/>
+              <a:t>+, -, *, &amp;, |, ^, &amp;&amp; and ||</a:t>
             </a:r>
           </a:p>
         </p:txBody>
       </p:sp>
       <p:sp>
         <p:nvSpPr>
-          <p:cNvPr id="14" name="Espace réservé du contenu 11"/>
-          <p:cNvSpPr txBox="1">
-            <a:spLocks/>
-          </p:cNvSpPr>
+          <p:cNvPr id="13" name="CustomShape 3"/>
+          <p:cNvSpPr/>
           <p:nvPr/>
         </p:nvSpPr>
         <p:spPr>
           <a:xfrm>
-            <a:off x="4663280" y="4209325"/>
-            <a:ext cx="4044825" cy="1226559"/>
+            <a:off x="435894" y="3469125"/>
+            <a:ext cx="4178280" cy="1521975"/>
           </a:xfrm>
-          <a:prstGeom prst="rect">
+          <a:custGeom>
             <a:avLst/>
-          </a:prstGeom>
+            <a:gdLst/>
+            <a:ahLst/>
+            <a:cxnLst/>
+            <a:rect l="l" t="t" r="r" b="b"/>
+            <a:pathLst>
+              <a:path w="21600" h="21600">
+                <a:moveTo>
+                  <a:pt x="0" y="0"/>
+                </a:moveTo>
+                <a:lnTo>
+                  <a:pt x="21600" y="0"/>
+                </a:lnTo>
+                <a:lnTo>
+                  <a:pt x="21600" y="21600"/>
+                </a:lnTo>
+                <a:lnTo>
+                  <a:pt x="0" y="21600"/>
+                </a:lnTo>
+                <a:lnTo>
+                  <a:pt x="0" y="0"/>
+                </a:lnTo>
+                <a:close/>
+              </a:path>
+            </a:pathLst>
+          </a:custGeom>
+          <a:solidFill>
+            <a:srgbClr val="C0C0C0"/>
+          </a:solidFill>
+          <a:ln w="9360">
+            <a:solidFill>
+              <a:srgbClr val="000000"/>
+            </a:solidFill>
+            <a:round/>
+          </a:ln>
         </p:spPr>
+        <p:style>
+          <a:lnRef idx="0">
+            <a:scrgbClr r="0" g="0" b="0"/>
+          </a:lnRef>
+          <a:fillRef idx="0">
+            <a:scrgbClr r="0" g="0" b="0"/>
+          </a:fillRef>
+          <a:effectRef idx="0">
+            <a:scrgbClr r="0" g="0" b="0"/>
+          </a:effectRef>
+          <a:fontRef idx="minor"/>
+        </p:style>
         <p:txBody>
-          <a:bodyPr vert="horz" lIns="91440" tIns="45720" rIns="91440" bIns="45720" rtlCol="0" anchor="t">
-            <a:normAutofit/>
+          <a:bodyPr lIns="90000" tIns="45000" rIns="90000" bIns="45000">
+            <a:noAutofit/>
           </a:bodyPr>
-          <a:lstStyle>
-            <a:lvl1pPr marL="229500" indent="-229500" algn="l" defTabSz="342900" rtl="0" eaLnBrk="1" latinLnBrk="0" hangingPunct="1">
-              <a:spcBef>
-                <a:spcPct val="20000"/>
-              </a:spcBef>
-              <a:spcAft>
-                <a:spcPts val="450"/>
-              </a:spcAft>
-              <a:buClr>
-                <a:schemeClr val="accent2"/>
-              </a:buClr>
-              <a:buSzPct val="92000"/>
-              <a:buFont typeface="Wingdings 2" panose="05020102010507070707" pitchFamily="18" charset="2"/>
-              <a:buChar char=""/>
-              <a:defRPr sz="1350" kern="1200">
-                <a:solidFill>
-                  <a:schemeClr val="tx2"/>
-                </a:solidFill>
-                <a:latin typeface="+mn-lt"/>
-                <a:ea typeface="+mn-ea"/>
-                <a:cs typeface="+mn-cs"/>
-              </a:defRPr>
-            </a:lvl1pPr>
-            <a:lvl2pPr marL="472500" indent="-229500" algn="l" defTabSz="342900" rtl="0" eaLnBrk="1" latinLnBrk="0" hangingPunct="1">
-              <a:spcBef>
-                <a:spcPct val="20000"/>
-              </a:spcBef>
-              <a:spcAft>
-                <a:spcPts val="450"/>
-              </a:spcAft>
-              <a:buClr>
-                <a:schemeClr val="accent2"/>
-              </a:buClr>
-              <a:buSzPct val="92000"/>
-              <a:buFont typeface="Wingdings 2" panose="05020102010507070707" pitchFamily="18" charset="2"/>
-              <a:buChar char=""/>
-              <a:defRPr sz="1200" kern="1200">
-                <a:solidFill>
-                  <a:schemeClr val="tx2"/>
-                </a:solidFill>
-                <a:latin typeface="+mn-lt"/>
-                <a:ea typeface="+mn-ea"/>
-                <a:cs typeface="+mn-cs"/>
-              </a:defRPr>
-            </a:lvl2pPr>
-            <a:lvl3pPr marL="675000" indent="-202500" algn="l" defTabSz="342900" rtl="0" eaLnBrk="1" latinLnBrk="0" hangingPunct="1">
-              <a:spcBef>
-                <a:spcPct val="20000"/>
-              </a:spcBef>
-              <a:spcAft>
-                <a:spcPts val="450"/>
-              </a:spcAft>
-              <a:buClr>
-                <a:schemeClr val="accent2"/>
-              </a:buClr>
-              <a:buSzPct val="92000"/>
-              <a:buFont typeface="Wingdings 2" panose="05020102010507070707" pitchFamily="18" charset="2"/>
-              <a:buChar char=""/>
-              <a:defRPr sz="1050" kern="1200">
-                <a:solidFill>
-                  <a:schemeClr val="tx2"/>
-                </a:solidFill>
-                <a:latin typeface="+mn-lt"/>
-                <a:ea typeface="+mn-ea"/>
-                <a:cs typeface="+mn-cs"/>
-              </a:defRPr>
-            </a:lvl3pPr>
-            <a:lvl4pPr marL="931500" indent="-175500" algn="l" defTabSz="342900" rtl="0" eaLnBrk="1" latinLnBrk="0" hangingPunct="1">
-              <a:spcBef>
-                <a:spcPct val="20000"/>
-              </a:spcBef>
-              <a:spcAft>
-                <a:spcPts val="450"/>
-              </a:spcAft>
-              <a:buClr>
-                <a:schemeClr val="accent2"/>
-              </a:buClr>
-              <a:buSzPct val="92000"/>
-              <a:buFont typeface="Wingdings 2" panose="05020102010507070707" pitchFamily="18" charset="2"/>
-              <a:buChar char=""/>
-              <a:defRPr sz="900" kern="1200">
-                <a:solidFill>
-                  <a:schemeClr val="tx2"/>
-                </a:solidFill>
-                <a:latin typeface="+mn-lt"/>
-                <a:ea typeface="+mn-ea"/>
-                <a:cs typeface="+mn-cs"/>
-              </a:defRPr>
-            </a:lvl4pPr>
-            <a:lvl5pPr marL="1201500" indent="-175500" algn="l" defTabSz="342900" rtl="0" eaLnBrk="1" latinLnBrk="0" hangingPunct="1">
-              <a:spcBef>
-                <a:spcPct val="20000"/>
-              </a:spcBef>
-              <a:spcAft>
-                <a:spcPts val="450"/>
-              </a:spcAft>
-              <a:buClr>
-                <a:schemeClr val="accent2"/>
-              </a:buClr>
-              <a:buSzPct val="92000"/>
-              <a:buFont typeface="Wingdings 2" panose="05020102010507070707" pitchFamily="18" charset="2"/>
-              <a:buChar char=""/>
-              <a:defRPr sz="900" kern="1200">
-                <a:solidFill>
-                  <a:schemeClr val="tx2"/>
-                </a:solidFill>
-                <a:latin typeface="+mn-lt"/>
-                <a:ea typeface="+mn-ea"/>
-                <a:cs typeface="+mn-cs"/>
-              </a:defRPr>
-            </a:lvl5pPr>
-            <a:lvl6pPr marL="1425000" indent="-171450" algn="l" defTabSz="342900" rtl="0" eaLnBrk="1" latinLnBrk="0" hangingPunct="1">
-              <a:spcBef>
-                <a:spcPct val="20000"/>
-              </a:spcBef>
-              <a:spcAft>
-                <a:spcPts val="450"/>
-              </a:spcAft>
-              <a:buClr>
-                <a:schemeClr val="accent2"/>
-              </a:buClr>
-              <a:buSzPct val="92000"/>
-              <a:buFont typeface="Wingdings 2" panose="05020102010507070707" pitchFamily="18" charset="2"/>
-              <a:buChar char=""/>
-              <a:defRPr sz="900" kern="1200">
-                <a:solidFill>
-                  <a:schemeClr val="tx2"/>
-                </a:solidFill>
-                <a:latin typeface="+mn-lt"/>
-                <a:ea typeface="+mn-ea"/>
-                <a:cs typeface="+mn-cs"/>
-              </a:defRPr>
-            </a:lvl6pPr>
-            <a:lvl7pPr marL="1650000" indent="-171450" algn="l" defTabSz="342900" rtl="0" eaLnBrk="1" latinLnBrk="0" hangingPunct="1">
-              <a:spcBef>
-                <a:spcPct val="20000"/>
-              </a:spcBef>
-              <a:spcAft>
-                <a:spcPts val="450"/>
-              </a:spcAft>
-              <a:buClr>
-                <a:schemeClr val="accent2"/>
-              </a:buClr>
-              <a:buSzPct val="92000"/>
-              <a:buFont typeface="Wingdings 2" panose="05020102010507070707" pitchFamily="18" charset="2"/>
-              <a:buChar char=""/>
-              <a:defRPr sz="900" kern="1200">
-                <a:solidFill>
-                  <a:schemeClr val="tx2"/>
-                </a:solidFill>
-                <a:latin typeface="+mn-lt"/>
-                <a:ea typeface="+mn-ea"/>
-                <a:cs typeface="+mn-cs"/>
-              </a:defRPr>
-            </a:lvl7pPr>
-            <a:lvl8pPr marL="1875000" indent="-171450" algn="l" defTabSz="342900" rtl="0" eaLnBrk="1" latinLnBrk="0" hangingPunct="1">
-              <a:spcBef>
-                <a:spcPct val="20000"/>
-              </a:spcBef>
-              <a:spcAft>
-                <a:spcPts val="450"/>
-              </a:spcAft>
-              <a:buClr>
-                <a:schemeClr val="accent2"/>
-              </a:buClr>
-              <a:buSzPct val="92000"/>
-              <a:buFont typeface="Wingdings 2" panose="05020102010507070707" pitchFamily="18" charset="2"/>
-              <a:buChar char=""/>
-              <a:defRPr sz="900" kern="1200">
-                <a:solidFill>
-                  <a:schemeClr val="tx2"/>
-                </a:solidFill>
-                <a:latin typeface="+mn-lt"/>
-                <a:ea typeface="+mn-ea"/>
-                <a:cs typeface="+mn-cs"/>
-              </a:defRPr>
-            </a:lvl8pPr>
-            <a:lvl9pPr marL="2100000" indent="-171450" algn="l" defTabSz="342900" rtl="0" eaLnBrk="1" latinLnBrk="0" hangingPunct="1">
-              <a:spcBef>
-                <a:spcPct val="20000"/>
-              </a:spcBef>
-              <a:spcAft>
-                <a:spcPts val="450"/>
-              </a:spcAft>
-              <a:buClr>
-                <a:schemeClr val="accent2"/>
-              </a:buClr>
-              <a:buSzPct val="92000"/>
-              <a:buFont typeface="Wingdings 2" panose="05020102010507070707" pitchFamily="18" charset="2"/>
-              <a:buChar char=""/>
-              <a:defRPr sz="900" kern="1200">
-                <a:solidFill>
-                  <a:schemeClr val="tx2"/>
-                </a:solidFill>
-                <a:latin typeface="+mn-lt"/>
-                <a:ea typeface="+mn-ea"/>
-                <a:cs typeface="+mn-cs"/>
-              </a:defRPr>
-            </a:lvl9pPr>
-          </a:lstStyle>
-          <a:p>
-            <a:r>
-              <a:rPr lang="fr-FR" dirty="0" smtClean="0"/>
-              <a:t>Comment évolue le </a:t>
-            </a:r>
-            <a:r>
-              <a:rPr lang="fr-FR" dirty="0" err="1" smtClean="0"/>
-              <a:t>speedup</a:t>
-            </a:r>
-            <a:r>
-              <a:rPr lang="fr-FR" dirty="0" smtClean="0"/>
-              <a:t> en fonction du nombre de threads ?</a:t>
-            </a:r>
-          </a:p>
-          <a:p>
-            <a:endParaRPr lang="fr-FR" dirty="0"/>
+          <a:lstStyle/>
+          <a:p>
+            <a:pPr>
+              <a:lnSpc>
+                <a:spcPct val="100000"/>
+              </a:lnSpc>
+            </a:pPr>
+            <a:r>
+              <a:rPr lang="fr-FR" sz="1000" b="1" strike="noStrike" spc="-1" dirty="0">
+                <a:solidFill>
+                  <a:srgbClr val="000000"/>
+                </a:solidFill>
+                <a:latin typeface="Courier New"/>
+              </a:rPr>
+              <a:t>#</a:t>
+            </a:r>
+            <a:r>
+              <a:rPr lang="fr-FR" sz="1000" b="1" strike="noStrike" spc="-1" dirty="0" err="1">
+                <a:solidFill>
+                  <a:srgbClr val="000000"/>
+                </a:solidFill>
+                <a:latin typeface="Courier New"/>
+              </a:rPr>
+              <a:t>pragma</a:t>
+            </a:r>
+            <a:r>
+              <a:rPr lang="fr-FR" sz="1000" b="1" strike="noStrike" spc="-1" dirty="0">
+                <a:solidFill>
+                  <a:srgbClr val="000000"/>
+                </a:solidFill>
+                <a:latin typeface="Courier New"/>
+              </a:rPr>
+              <a:t> </a:t>
+            </a:r>
+            <a:r>
+              <a:rPr lang="fr-FR" sz="1000" b="1" strike="noStrike" spc="-1" dirty="0" err="1">
+                <a:solidFill>
+                  <a:srgbClr val="000000"/>
+                </a:solidFill>
+                <a:latin typeface="Courier New"/>
+              </a:rPr>
+              <a:t>omp</a:t>
+            </a:r>
+            <a:r>
+              <a:rPr lang="fr-FR" sz="1000" b="1" strike="noStrike" spc="-1" dirty="0">
+                <a:solidFill>
+                  <a:srgbClr val="000000"/>
+                </a:solidFill>
+                <a:latin typeface="Courier New"/>
+              </a:rPr>
+              <a:t> </a:t>
+            </a:r>
+            <a:r>
+              <a:rPr lang="fr-FR" sz="1000" b="1" strike="noStrike" spc="-1" dirty="0" err="1">
+                <a:solidFill>
+                  <a:srgbClr val="000000"/>
+                </a:solidFill>
+                <a:latin typeface="Courier New"/>
+              </a:rPr>
+              <a:t>parallel</a:t>
+            </a:r>
+            <a:endParaRPr lang="fr-FR" sz="1000" b="0" strike="noStrike" spc="-1" dirty="0">
+              <a:solidFill>
+                <a:srgbClr val="000000"/>
+              </a:solidFill>
+              <a:latin typeface="Arial"/>
+            </a:endParaRPr>
+          </a:p>
+          <a:p>
+            <a:pPr>
+              <a:lnSpc>
+                <a:spcPct val="100000"/>
+              </a:lnSpc>
+            </a:pPr>
+            <a:r>
+              <a:rPr lang="fr-FR" sz="1000" b="1" strike="noStrike" spc="-1" dirty="0">
+                <a:solidFill>
+                  <a:srgbClr val="000000"/>
+                </a:solidFill>
+                <a:latin typeface="Courier New"/>
+              </a:rPr>
+              <a:t>    </a:t>
+            </a:r>
+            <a:r>
+              <a:rPr lang="fr-FR" sz="1000" b="1" strike="noStrike" spc="-1" dirty="0" smtClean="0">
+                <a:solidFill>
+                  <a:srgbClr val="000000"/>
+                </a:solidFill>
+                <a:latin typeface="Courier New"/>
+              </a:rPr>
+              <a:t>{</a:t>
+            </a:r>
+          </a:p>
+          <a:p>
+            <a:pPr>
+              <a:lnSpc>
+                <a:spcPct val="100000"/>
+              </a:lnSpc>
+            </a:pPr>
+            <a:r>
+              <a:rPr lang="fr-FR" sz="1000" b="1" spc="-1" dirty="0">
+                <a:solidFill>
+                  <a:srgbClr val="000000"/>
+                </a:solidFill>
+                <a:latin typeface="Courier New"/>
+              </a:rPr>
+              <a:t>	</a:t>
+            </a:r>
+            <a:r>
+              <a:rPr lang="fr-FR" sz="1000" b="1" spc="-1" dirty="0" err="1">
+                <a:solidFill>
+                  <a:srgbClr val="000000"/>
+                </a:solidFill>
+                <a:latin typeface="Courier New"/>
+              </a:rPr>
+              <a:t>p</a:t>
+            </a:r>
+            <a:r>
+              <a:rPr lang="fr-FR" sz="1000" b="1" spc="-1" dirty="0" err="1" smtClean="0">
+                <a:solidFill>
+                  <a:srgbClr val="000000"/>
+                </a:solidFill>
+                <a:latin typeface="Courier New"/>
+              </a:rPr>
+              <a:t>arallelStuff</a:t>
+            </a:r>
+            <a:r>
+              <a:rPr lang="fr-FR" sz="1000" b="1" spc="-1" dirty="0" smtClean="0">
+                <a:solidFill>
+                  <a:srgbClr val="000000"/>
+                </a:solidFill>
+                <a:latin typeface="Courier New"/>
+              </a:rPr>
+              <a:t>();</a:t>
+            </a:r>
+          </a:p>
+          <a:p>
+            <a:pPr>
+              <a:lnSpc>
+                <a:spcPct val="100000"/>
+              </a:lnSpc>
+            </a:pPr>
+            <a:r>
+              <a:rPr lang="fr-FR" sz="1000" b="1" strike="noStrike" spc="-1" dirty="0" smtClean="0">
+                <a:solidFill>
+                  <a:srgbClr val="000000"/>
+                </a:solidFill>
+                <a:latin typeface="Courier New"/>
+              </a:rPr>
+              <a:t>// zone d’exécution thread par thread</a:t>
+            </a:r>
+            <a:endParaRPr lang="fr-FR" sz="1000" b="0" strike="noStrike" spc="-1" dirty="0">
+              <a:solidFill>
+                <a:srgbClr val="000000"/>
+              </a:solidFill>
+              <a:latin typeface="Arial"/>
+            </a:endParaRPr>
+          </a:p>
+          <a:p>
+            <a:pPr>
+              <a:lnSpc>
+                <a:spcPct val="100000"/>
+              </a:lnSpc>
+            </a:pPr>
+            <a:r>
+              <a:rPr lang="fr-FR" sz="1000" b="1" strike="noStrike" spc="-1" dirty="0">
+                <a:solidFill>
+                  <a:srgbClr val="000000"/>
+                </a:solidFill>
+                <a:latin typeface="Courier New"/>
+              </a:rPr>
+              <a:t>#</a:t>
+            </a:r>
+            <a:r>
+              <a:rPr lang="fr-FR" sz="1000" b="1" strike="noStrike" spc="-1" dirty="0" err="1">
+                <a:solidFill>
+                  <a:srgbClr val="000000"/>
+                </a:solidFill>
+                <a:latin typeface="Courier New"/>
+              </a:rPr>
+              <a:t>pragma</a:t>
+            </a:r>
+            <a:r>
+              <a:rPr lang="fr-FR" sz="1000" b="1" strike="noStrike" spc="-1" dirty="0">
+                <a:solidFill>
+                  <a:srgbClr val="000000"/>
+                </a:solidFill>
+                <a:latin typeface="Courier New"/>
+              </a:rPr>
+              <a:t> </a:t>
+            </a:r>
+            <a:r>
+              <a:rPr lang="fr-FR" sz="1000" b="1" strike="noStrike" spc="-1" dirty="0" err="1">
+                <a:solidFill>
+                  <a:srgbClr val="000000"/>
+                </a:solidFill>
+                <a:latin typeface="Courier New"/>
+              </a:rPr>
+              <a:t>omp</a:t>
+            </a:r>
+            <a:r>
+              <a:rPr lang="fr-FR" sz="1000" b="1" strike="noStrike" spc="-1" dirty="0">
+                <a:solidFill>
+                  <a:srgbClr val="000000"/>
+                </a:solidFill>
+                <a:latin typeface="Courier New"/>
+              </a:rPr>
+              <a:t> </a:t>
+            </a:r>
+            <a:r>
+              <a:rPr lang="fr-FR" sz="1000" b="1" strike="noStrike" spc="-1" dirty="0" err="1">
+                <a:solidFill>
+                  <a:srgbClr val="000000"/>
+                </a:solidFill>
+                <a:latin typeface="Courier New"/>
+              </a:rPr>
+              <a:t>critical</a:t>
+            </a:r>
+            <a:endParaRPr lang="fr-FR" sz="1000" b="0" strike="noStrike" spc="-1" dirty="0">
+              <a:solidFill>
+                <a:srgbClr val="000000"/>
+              </a:solidFill>
+              <a:latin typeface="Arial"/>
+            </a:endParaRPr>
+          </a:p>
+          <a:p>
+            <a:pPr>
+              <a:lnSpc>
+                <a:spcPct val="100000"/>
+              </a:lnSpc>
+            </a:pPr>
+            <a:r>
+              <a:rPr lang="fr-FR" sz="1000" b="1" strike="noStrike" spc="-1" dirty="0">
+                <a:solidFill>
+                  <a:srgbClr val="000000"/>
+                </a:solidFill>
+                <a:latin typeface="Courier New"/>
+              </a:rPr>
+              <a:t>        </a:t>
+            </a:r>
+            <a:r>
+              <a:rPr lang="fr-FR" sz="1000" b="1" strike="noStrike" spc="-1" dirty="0" err="1">
+                <a:solidFill>
+                  <a:srgbClr val="000000"/>
+                </a:solidFill>
+                <a:latin typeface="Courier New"/>
+              </a:rPr>
+              <a:t>printf</a:t>
+            </a:r>
+            <a:r>
+              <a:rPr lang="fr-FR" sz="1000" b="1" strike="noStrike" spc="-1" dirty="0">
+                <a:solidFill>
+                  <a:srgbClr val="000000"/>
+                </a:solidFill>
+                <a:latin typeface="Courier New"/>
+              </a:rPr>
+              <a:t>("</a:t>
+            </a:r>
+            <a:r>
+              <a:rPr lang="fr-FR" sz="1000" b="1" strike="noStrike" spc="-1" dirty="0" err="1">
+                <a:solidFill>
+                  <a:srgbClr val="000000"/>
+                </a:solidFill>
+                <a:latin typeface="Courier New"/>
+              </a:rPr>
+              <a:t>What</a:t>
+            </a:r>
+            <a:r>
+              <a:rPr lang="fr-FR" sz="1000" b="1" strike="noStrike" spc="-1" dirty="0">
+                <a:solidFill>
+                  <a:srgbClr val="000000"/>
+                </a:solidFill>
+                <a:latin typeface="Courier New"/>
+              </a:rPr>
+              <a:t> a </a:t>
+            </a:r>
+            <a:r>
+              <a:rPr lang="fr-FR" sz="1000" b="1" strike="noStrike" spc="-1" dirty="0" err="1">
+                <a:solidFill>
+                  <a:srgbClr val="000000"/>
+                </a:solidFill>
+                <a:latin typeface="Courier New"/>
+              </a:rPr>
+              <a:t>lovely</a:t>
+            </a:r>
+            <a:r>
+              <a:rPr lang="fr-FR" sz="1000" b="1" strike="noStrike" spc="-1" dirty="0">
+                <a:solidFill>
+                  <a:srgbClr val="000000"/>
+                </a:solidFill>
+                <a:latin typeface="Courier New"/>
+              </a:rPr>
+              <a:t> </a:t>
+            </a:r>
+            <a:r>
+              <a:rPr lang="fr-FR" sz="1000" b="1" strike="noStrike" spc="-1" dirty="0" err="1">
+                <a:solidFill>
+                  <a:srgbClr val="000000"/>
+                </a:solidFill>
+                <a:latin typeface="Courier New"/>
+              </a:rPr>
+              <a:t>day</a:t>
+            </a:r>
+            <a:r>
+              <a:rPr lang="fr-FR" sz="1000" b="1" strike="noStrike" spc="-1" dirty="0">
+                <a:solidFill>
+                  <a:srgbClr val="000000"/>
+                </a:solidFill>
+                <a:latin typeface="Courier New"/>
+              </a:rPr>
+              <a:t> </a:t>
+            </a:r>
+            <a:r>
+              <a:rPr lang="fr-FR" sz="1000" b="1" strike="noStrike" spc="-1" dirty="0" err="1">
+                <a:solidFill>
+                  <a:srgbClr val="000000"/>
+                </a:solidFill>
+                <a:latin typeface="Courier New"/>
+              </a:rPr>
+              <a:t>from</a:t>
+            </a:r>
+            <a:r>
+              <a:rPr lang="fr-FR" sz="1000" b="1" strike="noStrike" spc="-1" dirty="0">
+                <a:solidFill>
+                  <a:srgbClr val="000000"/>
+                </a:solidFill>
+                <a:latin typeface="Courier New"/>
+              </a:rPr>
+              <a:t> thread %d\n",</a:t>
+            </a:r>
+            <a:endParaRPr lang="fr-FR" sz="1000" b="0" strike="noStrike" spc="-1" dirty="0">
+              <a:solidFill>
+                <a:srgbClr val="000000"/>
+              </a:solidFill>
+              <a:latin typeface="Arial"/>
+            </a:endParaRPr>
+          </a:p>
+          <a:p>
+            <a:pPr>
+              <a:lnSpc>
+                <a:spcPct val="100000"/>
+              </a:lnSpc>
+            </a:pPr>
+            <a:r>
+              <a:rPr lang="fr-FR" sz="1000" b="1" strike="noStrike" spc="-1" dirty="0">
+                <a:solidFill>
+                  <a:srgbClr val="000000"/>
+                </a:solidFill>
+                <a:latin typeface="Courier New"/>
+              </a:rPr>
+              <a:t>               </a:t>
+            </a:r>
+            <a:r>
+              <a:rPr lang="fr-FR" sz="1000" b="1" strike="noStrike" spc="-1" dirty="0" err="1">
+                <a:solidFill>
+                  <a:srgbClr val="000000"/>
+                </a:solidFill>
+                <a:latin typeface="Courier New"/>
+              </a:rPr>
+              <a:t>omp_get_thread_num</a:t>
+            </a:r>
+            <a:r>
+              <a:rPr lang="fr-FR" sz="1000" b="1" strike="noStrike" spc="-1" dirty="0" smtClean="0">
+                <a:solidFill>
+                  <a:srgbClr val="000000"/>
+                </a:solidFill>
+                <a:latin typeface="Courier New"/>
+              </a:rPr>
+              <a:t>());</a:t>
+            </a:r>
+          </a:p>
+          <a:p>
+            <a:pPr>
+              <a:lnSpc>
+                <a:spcPct val="100000"/>
+              </a:lnSpc>
+            </a:pPr>
+            <a:r>
+              <a:rPr lang="fr-FR" sz="1000" b="1" spc="-1" dirty="0">
+                <a:solidFill>
+                  <a:srgbClr val="000000"/>
+                </a:solidFill>
+                <a:latin typeface="Courier New"/>
+              </a:rPr>
+              <a:t>	</a:t>
+            </a:r>
+            <a:r>
+              <a:rPr lang="fr-FR" sz="1000" b="1" spc="-1" dirty="0" err="1" smtClean="0">
+                <a:solidFill>
+                  <a:srgbClr val="000000"/>
+                </a:solidFill>
+                <a:latin typeface="Courier New"/>
+              </a:rPr>
+              <a:t>moreParallelStuff</a:t>
+            </a:r>
+            <a:r>
+              <a:rPr lang="fr-FR" sz="1000" b="1" spc="-1" dirty="0" smtClean="0">
+                <a:solidFill>
+                  <a:srgbClr val="000000"/>
+                </a:solidFill>
+                <a:latin typeface="Courier New"/>
+              </a:rPr>
+              <a:t>();</a:t>
+            </a:r>
+            <a:endParaRPr lang="fr-FR" sz="1000" b="0" strike="noStrike" spc="-1" dirty="0">
+              <a:solidFill>
+                <a:srgbClr val="000000"/>
+              </a:solidFill>
+              <a:latin typeface="Arial"/>
+            </a:endParaRPr>
+          </a:p>
+          <a:p>
+            <a:pPr>
+              <a:lnSpc>
+                <a:spcPct val="100000"/>
+              </a:lnSpc>
+            </a:pPr>
+            <a:r>
+              <a:rPr lang="fr-FR" sz="1000" b="1" strike="noStrike" spc="-1" dirty="0" smtClean="0">
+                <a:solidFill>
+                  <a:srgbClr val="000000"/>
+                </a:solidFill>
+                <a:latin typeface="Courier New"/>
+              </a:rPr>
+              <a:t>}</a:t>
+            </a:r>
+            <a:endParaRPr lang="fr-FR" sz="1000" b="0" strike="noStrike" spc="-1" dirty="0">
+              <a:solidFill>
+                <a:srgbClr val="000000"/>
+              </a:solidFill>
+              <a:latin typeface="Arial"/>
+            </a:endParaRPr>
+          </a:p>
+          <a:p>
+            <a:pPr>
+              <a:lnSpc>
+                <a:spcPct val="100000"/>
+              </a:lnSpc>
+            </a:pPr>
+            <a:endParaRPr lang="fr-FR" sz="1000" b="0" strike="noStrike" spc="-1" dirty="0">
+              <a:solidFill>
+                <a:srgbClr val="000000"/>
+              </a:solidFill>
+              <a:latin typeface="Arial"/>
+            </a:endParaRPr>
           </a:p>
         </p:txBody>
       </p:sp>
-      <p:pic>
-        <p:nvPicPr>
-          <p:cNvPr id="2" name="Image 1"/>
-          <p:cNvPicPr>
-            <a:picLocks noChangeAspect="1"/>
-          </p:cNvPicPr>
-          <p:nvPr/>
-        </p:nvPicPr>
-        <p:blipFill>
-          <a:blip r:embed="rId2"/>
-          <a:stretch>
-            <a:fillRect/>
-          </a:stretch>
-        </p:blipFill>
-        <p:spPr>
-          <a:xfrm>
-            <a:off x="996679" y="2457450"/>
-            <a:ext cx="3152775" cy="571500"/>
-          </a:xfrm>
-          <a:prstGeom prst="rect">
-            <a:avLst/>
-          </a:prstGeom>
-        </p:spPr>
-      </p:pic>
     </p:spTree>
     <p:extLst>
       <p:ext uri="{BB962C8B-B14F-4D97-AF65-F5344CB8AC3E}">
-        <p14:creationId xmlns:p14="http://schemas.microsoft.com/office/powerpoint/2010/main" val="3360011875"/>
+        <p14:creationId xmlns:p14="http://schemas.microsoft.com/office/powerpoint/2010/main" val="4073060370"/>
       </p:ext>
     </p:extLst>
   </p:cSld>
@@ -21269,7 +22087,75 @@
   <p:timing>
     <p:tnLst>
       <p:par>
-        <p:cTn id="1" dur="indefinite" restart="never" nodeType="tmRoot"/>
+        <p:cTn id="1" dur="indefinite" restart="never" nodeType="tmRoot">
+          <p:childTnLst>
+            <p:seq concurrent="1" nextAc="seek">
+              <p:cTn id="2" dur="indefinite" nodeType="mainSeq">
+                <p:childTnLst>
+                  <p:par>
+                    <p:cTn id="3" fill="hold">
+                      <p:stCondLst>
+                        <p:cond delay="indefinite"/>
+                      </p:stCondLst>
+                      <p:childTnLst>
+                        <p:par>
+                          <p:cTn id="4" fill="hold">
+                            <p:stCondLst>
+                              <p:cond delay="0"/>
+                            </p:stCondLst>
+                            <p:childTnLst>
+                              <p:par>
+                                <p:cTn id="5" presetID="1" presetClass="entr" fill="hold" nodeType="clickEffect">
+                                  <p:stCondLst>
+                                    <p:cond delay="0"/>
+                                  </p:stCondLst>
+                                  <p:childTnLst>
+                                    <p:set>
+                                      <p:cBhvr>
+                                        <p:cTn id="6" dur="1" fill="hold">
+                                          <p:stCondLst>
+                                            <p:cond delay="0"/>
+                                          </p:stCondLst>
+                                        </p:cTn>
+                                        <p:tgtEl>
+                                          <p:spTgt spid="13"/>
+                                        </p:tgtEl>
+                                        <p:attrNameLst>
+                                          <p:attrName>style.visibility</p:attrName>
+                                        </p:attrNameLst>
+                                      </p:cBhvr>
+                                      <p:to>
+                                        <p:strVal val="visible"/>
+                                      </p:to>
+                                    </p:set>
+                                  </p:childTnLst>
+                                </p:cTn>
+                              </p:par>
+                            </p:childTnLst>
+                          </p:cTn>
+                        </p:par>
+                      </p:childTnLst>
+                    </p:cTn>
+                  </p:par>
+                </p:childTnLst>
+              </p:cTn>
+              <p:prevCondLst>
+                <p:cond evt="onPrev" delay="0">
+                  <p:tgtEl>
+                    <p:sldTgt/>
+                  </p:tgtEl>
+                </p:cond>
+              </p:prevCondLst>
+              <p:nextCondLst>
+                <p:cond evt="onNext" delay="0">
+                  <p:tgtEl>
+                    <p:sldTgt/>
+                  </p:tgtEl>
+                </p:cond>
+              </p:nextCondLst>
+            </p:seq>
+          </p:childTnLst>
+        </p:cTn>
       </p:par>
     </p:tnLst>
   </p:timing>
@@ -21517,51 +22403,29 @@
             <p:ph sz="half" idx="2"/>
           </p:nvPr>
         </p:nvSpPr>
-        <p:spPr>
-          <a:xfrm>
-            <a:off x="435895" y="2088664"/>
-            <a:ext cx="4044825" cy="3347220"/>
-          </a:xfrm>
-        </p:spPr>
+        <p:spPr/>
         <p:txBody>
-          <a:bodyPr>
-            <a:normAutofit lnSpcReduction="10000"/>
-          </a:bodyPr>
+          <a:bodyPr/>
           <a:lstStyle/>
           <a:p>
             <a:r>
               <a:rPr lang="fr-FR" dirty="0" smtClean="0"/>
-              <a:t>Générer une image fractale sur plusieurs threads à l’aide de la formule :</a:t>
-            </a:r>
-          </a:p>
-          <a:p>
-            <a:endParaRPr lang="fr-FR" dirty="0"/>
+              <a:t>Calculer le produit vectoriel de deux vecteurs </a:t>
+            </a:r>
           </a:p>
           <a:p>
             <a:endParaRPr lang="fr-FR" dirty="0" smtClean="0"/>
           </a:p>
           <a:p>
+            <a:pPr marL="0" indent="0">
+              <a:buNone/>
+            </a:pPr>
             <a:endParaRPr lang="fr-FR" dirty="0" smtClean="0"/>
           </a:p>
           <a:p>
-            <a:endParaRPr lang="fr-FR" dirty="0"/>
-          </a:p>
-          <a:p>
-            <a:endParaRPr lang="fr-FR" dirty="0" smtClean="0"/>
-          </a:p>
-          <a:p>
-            <a:endParaRPr lang="fr-FR" dirty="0"/>
-          </a:p>
-          <a:p>
-            <a:endParaRPr lang="fr-FR" dirty="0" smtClean="0"/>
-          </a:p>
-          <a:p>
-            <a:endParaRPr lang="fr-FR" dirty="0"/>
-          </a:p>
-          <a:p>
             <a:r>
               <a:rPr lang="fr-FR" dirty="0" smtClean="0"/>
-              <a:t>Modifier la fonction </a:t>
+              <a:t>Lancer le projet </a:t>
             </a:r>
             <a:r>
               <a:rPr lang="fr-FR" dirty="0" err="1" smtClean="0">
@@ -21577,7 +22441,7 @@
                   </a:outerShdw>
                 </a:effectLst>
               </a:rPr>
-              <a:t>matOpeOpenMP</a:t>
+              <a:t>DotProduct_omp</a:t>
             </a:r>
             <a:r>
               <a:rPr lang="fr-FR" dirty="0" smtClean="0">
@@ -21593,10 +22457,18 @@
                   </a:outerShdw>
                 </a:effectLst>
               </a:rPr>
-              <a:t>()</a:t>
-            </a:r>
-            <a:r>
-              <a:rPr lang="fr-FR" i="1" dirty="0" smtClean="0">
+              <a:t>  </a:t>
+            </a:r>
+            <a:r>
+              <a:rPr lang="fr-FR" dirty="0"/>
+              <a:t>et écrire </a:t>
+            </a:r>
+            <a:r>
+              <a:rPr lang="fr-FR" dirty="0" smtClean="0"/>
+              <a:t>les fonction </a:t>
+            </a:r>
+            <a:r>
+              <a:rPr lang="fr-FR" dirty="0" err="1" smtClean="0">
                 <a:ln w="0"/>
                 <a:solidFill>
                   <a:schemeClr val="accent1"/>
@@ -21609,14 +22481,10 @@
                   </a:outerShdw>
                 </a:effectLst>
               </a:rPr>
-              <a:t> </a:t>
-            </a:r>
-            <a:r>
-              <a:rPr lang="fr-FR" dirty="0" smtClean="0"/>
-              <a:t>du projet </a:t>
-            </a:r>
-            <a:r>
-              <a:rPr lang="fr-FR" dirty="0" err="1" smtClean="0">
+              <a:t>dotProductParallelFor</a:t>
+            </a:r>
+            <a:r>
+              <a:rPr lang="fr-FR" dirty="0" smtClean="0">
                 <a:ln w="0"/>
                 <a:solidFill>
                   <a:schemeClr val="accent1"/>
@@ -21629,9 +22497,43 @@
                   </a:outerShdw>
                 </a:effectLst>
               </a:rPr>
-              <a:t>Mandel_omp</a:t>
-            </a:r>
-            <a:endParaRPr lang="fr-FR" dirty="0" smtClean="0"/>
+              <a:t> et </a:t>
+            </a:r>
+            <a:r>
+              <a:rPr lang="fr-FR" dirty="0" err="1">
+                <a:ln w="0"/>
+                <a:solidFill>
+                  <a:schemeClr val="accent1"/>
+                </a:solidFill>
+                <a:effectLst>
+                  <a:outerShdw blurRad="38100" dist="25400" dir="5400000" algn="ctr" rotWithShape="0">
+                    <a:srgbClr val="6E747A">
+                      <a:alpha val="43000"/>
+                    </a:srgbClr>
+                  </a:outerShdw>
+                </a:effectLst>
+              </a:rPr>
+              <a:t>dotProductRedux</a:t>
+            </a:r>
+            <a:endParaRPr lang="fr-FR" dirty="0">
+              <a:ln w="0"/>
+              <a:solidFill>
+                <a:schemeClr val="accent1"/>
+              </a:solidFill>
+              <a:effectLst>
+                <a:outerShdw blurRad="38100" dist="25400" dir="5400000" algn="ctr" rotWithShape="0">
+                  <a:srgbClr val="6E747A">
+                    <a:alpha val="43000"/>
+                  </a:srgbClr>
+                </a:outerShdw>
+              </a:effectLst>
+            </a:endParaRPr>
+          </a:p>
+          <a:p>
+            <a:r>
+              <a:rPr lang="fr-FR" dirty="0"/>
+              <a:t>On considère que la dimension des vecteurs est un multiple du nombre de threads</a:t>
+            </a:r>
           </a:p>
           <a:p>
             <a:endParaRPr lang="fr-FR" dirty="0"/>
@@ -21671,12 +22573,99 @@
             <p:ph sz="quarter" idx="4"/>
           </p:nvPr>
         </p:nvSpPr>
-        <p:spPr/>
+        <p:spPr>
+          <a:xfrm>
+            <a:off x="4663281" y="2088665"/>
+            <a:ext cx="4044825" cy="1622276"/>
+          </a:xfrm>
+        </p:spPr>
         <p:txBody>
-          <a:bodyPr/>
+          <a:bodyPr>
+            <a:normAutofit/>
+          </a:bodyPr>
           <a:lstStyle/>
           <a:p>
-            <a:endParaRPr lang="fr-FR" dirty="0"/>
+            <a:r>
+              <a:rPr lang="fr-FR" dirty="0" smtClean="0"/>
+              <a:t>#</a:t>
+            </a:r>
+            <a:r>
+              <a:rPr lang="fr-FR" dirty="0" err="1" smtClean="0"/>
+              <a:t>pragma</a:t>
+            </a:r>
+            <a:r>
+              <a:rPr lang="fr-FR" dirty="0" smtClean="0"/>
+              <a:t> </a:t>
+            </a:r>
+            <a:r>
+              <a:rPr lang="fr-FR" dirty="0" err="1" smtClean="0"/>
+              <a:t>omp</a:t>
+            </a:r>
+            <a:r>
+              <a:rPr lang="fr-FR" dirty="0" smtClean="0"/>
+              <a:t> </a:t>
+            </a:r>
+            <a:r>
+              <a:rPr lang="fr-FR" dirty="0" err="1" smtClean="0"/>
+              <a:t>parallel</a:t>
+            </a:r>
+            <a:r>
+              <a:rPr lang="fr-FR" dirty="0" smtClean="0"/>
+              <a:t> for{…}</a:t>
+            </a:r>
+          </a:p>
+          <a:p>
+            <a:r>
+              <a:rPr lang="fr-FR" dirty="0"/>
+              <a:t>#</a:t>
+            </a:r>
+            <a:r>
+              <a:rPr lang="fr-FR" dirty="0" err="1"/>
+              <a:t>pragma</a:t>
+            </a:r>
+            <a:r>
+              <a:rPr lang="fr-FR" dirty="0"/>
+              <a:t> </a:t>
+            </a:r>
+            <a:r>
+              <a:rPr lang="fr-FR" dirty="0" err="1"/>
+              <a:t>omp</a:t>
+            </a:r>
+            <a:r>
+              <a:rPr lang="fr-FR" dirty="0"/>
+              <a:t> </a:t>
+            </a:r>
+            <a:r>
+              <a:rPr lang="fr-FR" dirty="0" err="1"/>
+              <a:t>parallel</a:t>
+            </a:r>
+            <a:r>
+              <a:rPr lang="fr-FR" dirty="0"/>
+              <a:t> for </a:t>
+            </a:r>
+            <a:r>
+              <a:rPr lang="fr-FR" dirty="0" err="1"/>
+              <a:t>reduction</a:t>
+            </a:r>
+            <a:r>
+              <a:rPr lang="fr-FR" dirty="0"/>
+              <a:t>(+:</a:t>
+            </a:r>
+            <a:r>
+              <a:rPr lang="fr-FR" dirty="0" err="1"/>
+              <a:t>res</a:t>
+            </a:r>
+            <a:r>
+              <a:rPr lang="fr-FR" dirty="0"/>
+              <a:t>)</a:t>
+            </a:r>
+            <a:endParaRPr lang="fr-FR" dirty="0" smtClean="0"/>
+          </a:p>
+          <a:p>
+            <a:r>
+              <a:rPr lang="fr-FR" dirty="0" smtClean="0"/>
+              <a:t>Ce qu’on a déjà vu</a:t>
+            </a:r>
           </a:p>
           <a:p>
             <a:endParaRPr lang="fr-FR" dirty="0"/>
@@ -21707,6 +22696,1093 @@
               <a:rPr lang="fr-FR" sz="1600" smtClean="0"/>
               <a:pPr/>
               <a:t>20</a:t>
+            </a:fld>
+            <a:endParaRPr lang="fr-FR" sz="1600"/>
+          </a:p>
+        </p:txBody>
+      </p:sp>
+      <p:sp>
+        <p:nvSpPr>
+          <p:cNvPr id="13" name="Espace réservé du texte 10"/>
+          <p:cNvSpPr txBox="1">
+            <a:spLocks/>
+          </p:cNvSpPr>
+          <p:nvPr/>
+        </p:nvSpPr>
+        <p:spPr>
+          <a:xfrm>
+            <a:off x="4892801" y="3729561"/>
+            <a:ext cx="3815305" cy="461144"/>
+          </a:xfrm>
+          <a:prstGeom prst="rect">
+            <a:avLst/>
+          </a:prstGeom>
+        </p:spPr>
+        <p:txBody>
+          <a:bodyPr vert="horz" lIns="91440" tIns="45720" rIns="91440" bIns="45720" rtlCol="0" anchor="b">
+            <a:noAutofit/>
+          </a:bodyPr>
+          <a:lstStyle>
+            <a:lvl1pPr marL="0" indent="0" algn="l" defTabSz="342900" rtl="0" eaLnBrk="1" latinLnBrk="0" hangingPunct="1">
+              <a:spcBef>
+                <a:spcPct val="20000"/>
+              </a:spcBef>
+              <a:spcAft>
+                <a:spcPts val="450"/>
+              </a:spcAft>
+              <a:buClr>
+                <a:schemeClr val="accent2"/>
+              </a:buClr>
+              <a:buSzPct val="92000"/>
+              <a:buFont typeface="Wingdings 2" panose="05020102010507070707" pitchFamily="18" charset="2"/>
+              <a:buNone/>
+              <a:defRPr sz="1650" b="0" kern="1200">
+                <a:solidFill>
+                  <a:schemeClr val="accent2"/>
+                </a:solidFill>
+                <a:latin typeface="+mn-lt"/>
+                <a:ea typeface="+mn-ea"/>
+                <a:cs typeface="+mn-cs"/>
+              </a:defRPr>
+            </a:lvl1pPr>
+            <a:lvl2pPr marL="342900" indent="0" algn="l" defTabSz="342900" rtl="0" eaLnBrk="1" latinLnBrk="0" hangingPunct="1">
+              <a:spcBef>
+                <a:spcPct val="20000"/>
+              </a:spcBef>
+              <a:spcAft>
+                <a:spcPts val="450"/>
+              </a:spcAft>
+              <a:buClr>
+                <a:schemeClr val="accent2"/>
+              </a:buClr>
+              <a:buSzPct val="92000"/>
+              <a:buFont typeface="Wingdings 2" panose="05020102010507070707" pitchFamily="18" charset="2"/>
+              <a:buNone/>
+              <a:defRPr sz="1500" b="1" kern="1200">
+                <a:solidFill>
+                  <a:schemeClr val="tx2"/>
+                </a:solidFill>
+                <a:latin typeface="+mn-lt"/>
+                <a:ea typeface="+mn-ea"/>
+                <a:cs typeface="+mn-cs"/>
+              </a:defRPr>
+            </a:lvl2pPr>
+            <a:lvl3pPr marL="685800" indent="0" algn="l" defTabSz="342900" rtl="0" eaLnBrk="1" latinLnBrk="0" hangingPunct="1">
+              <a:spcBef>
+                <a:spcPct val="20000"/>
+              </a:spcBef>
+              <a:spcAft>
+                <a:spcPts val="450"/>
+              </a:spcAft>
+              <a:buClr>
+                <a:schemeClr val="accent2"/>
+              </a:buClr>
+              <a:buSzPct val="92000"/>
+              <a:buFont typeface="Wingdings 2" panose="05020102010507070707" pitchFamily="18" charset="2"/>
+              <a:buNone/>
+              <a:defRPr sz="1350" b="1" kern="1200">
+                <a:solidFill>
+                  <a:schemeClr val="tx2"/>
+                </a:solidFill>
+                <a:latin typeface="+mn-lt"/>
+                <a:ea typeface="+mn-ea"/>
+                <a:cs typeface="+mn-cs"/>
+              </a:defRPr>
+            </a:lvl3pPr>
+            <a:lvl4pPr marL="1028700" indent="0" algn="l" defTabSz="342900" rtl="0" eaLnBrk="1" latinLnBrk="0" hangingPunct="1">
+              <a:spcBef>
+                <a:spcPct val="20000"/>
+              </a:spcBef>
+              <a:spcAft>
+                <a:spcPts val="450"/>
+              </a:spcAft>
+              <a:buClr>
+                <a:schemeClr val="accent2"/>
+              </a:buClr>
+              <a:buSzPct val="92000"/>
+              <a:buFont typeface="Wingdings 2" panose="05020102010507070707" pitchFamily="18" charset="2"/>
+              <a:buNone/>
+              <a:defRPr sz="1200" b="1" kern="1200">
+                <a:solidFill>
+                  <a:schemeClr val="tx2"/>
+                </a:solidFill>
+                <a:latin typeface="+mn-lt"/>
+                <a:ea typeface="+mn-ea"/>
+                <a:cs typeface="+mn-cs"/>
+              </a:defRPr>
+            </a:lvl4pPr>
+            <a:lvl5pPr marL="1371600" indent="0" algn="l" defTabSz="342900" rtl="0" eaLnBrk="1" latinLnBrk="0" hangingPunct="1">
+              <a:spcBef>
+                <a:spcPct val="20000"/>
+              </a:spcBef>
+              <a:spcAft>
+                <a:spcPts val="450"/>
+              </a:spcAft>
+              <a:buClr>
+                <a:schemeClr val="accent2"/>
+              </a:buClr>
+              <a:buSzPct val="92000"/>
+              <a:buFont typeface="Wingdings 2" panose="05020102010507070707" pitchFamily="18" charset="2"/>
+              <a:buNone/>
+              <a:defRPr sz="1200" b="1" kern="1200">
+                <a:solidFill>
+                  <a:schemeClr val="tx2"/>
+                </a:solidFill>
+                <a:latin typeface="+mn-lt"/>
+                <a:ea typeface="+mn-ea"/>
+                <a:cs typeface="+mn-cs"/>
+              </a:defRPr>
+            </a:lvl5pPr>
+            <a:lvl6pPr marL="1714500" indent="0" algn="l" defTabSz="342900" rtl="0" eaLnBrk="1" latinLnBrk="0" hangingPunct="1">
+              <a:spcBef>
+                <a:spcPct val="20000"/>
+              </a:spcBef>
+              <a:spcAft>
+                <a:spcPts val="450"/>
+              </a:spcAft>
+              <a:buClr>
+                <a:schemeClr val="accent2"/>
+              </a:buClr>
+              <a:buSzPct val="92000"/>
+              <a:buFont typeface="Wingdings 2" panose="05020102010507070707" pitchFamily="18" charset="2"/>
+              <a:buNone/>
+              <a:defRPr sz="1200" b="1" kern="1200">
+                <a:solidFill>
+                  <a:schemeClr val="tx2"/>
+                </a:solidFill>
+                <a:latin typeface="+mn-lt"/>
+                <a:ea typeface="+mn-ea"/>
+                <a:cs typeface="+mn-cs"/>
+              </a:defRPr>
+            </a:lvl6pPr>
+            <a:lvl7pPr marL="2057400" indent="0" algn="l" defTabSz="342900" rtl="0" eaLnBrk="1" latinLnBrk="0" hangingPunct="1">
+              <a:spcBef>
+                <a:spcPct val="20000"/>
+              </a:spcBef>
+              <a:spcAft>
+                <a:spcPts val="450"/>
+              </a:spcAft>
+              <a:buClr>
+                <a:schemeClr val="accent2"/>
+              </a:buClr>
+              <a:buSzPct val="92000"/>
+              <a:buFont typeface="Wingdings 2" panose="05020102010507070707" pitchFamily="18" charset="2"/>
+              <a:buNone/>
+              <a:defRPr sz="1200" b="1" kern="1200">
+                <a:solidFill>
+                  <a:schemeClr val="tx2"/>
+                </a:solidFill>
+                <a:latin typeface="+mn-lt"/>
+                <a:ea typeface="+mn-ea"/>
+                <a:cs typeface="+mn-cs"/>
+              </a:defRPr>
+            </a:lvl7pPr>
+            <a:lvl8pPr marL="2400300" indent="0" algn="l" defTabSz="342900" rtl="0" eaLnBrk="1" latinLnBrk="0" hangingPunct="1">
+              <a:spcBef>
+                <a:spcPct val="20000"/>
+              </a:spcBef>
+              <a:spcAft>
+                <a:spcPts val="450"/>
+              </a:spcAft>
+              <a:buClr>
+                <a:schemeClr val="accent2"/>
+              </a:buClr>
+              <a:buSzPct val="92000"/>
+              <a:buFont typeface="Wingdings 2" panose="05020102010507070707" pitchFamily="18" charset="2"/>
+              <a:buNone/>
+              <a:defRPr sz="1200" b="1" kern="1200">
+                <a:solidFill>
+                  <a:schemeClr val="tx2"/>
+                </a:solidFill>
+                <a:latin typeface="+mn-lt"/>
+                <a:ea typeface="+mn-ea"/>
+                <a:cs typeface="+mn-cs"/>
+              </a:defRPr>
+            </a:lvl8pPr>
+            <a:lvl9pPr marL="2743200" indent="0" algn="l" defTabSz="342900" rtl="0" eaLnBrk="1" latinLnBrk="0" hangingPunct="1">
+              <a:spcBef>
+                <a:spcPct val="20000"/>
+              </a:spcBef>
+              <a:spcAft>
+                <a:spcPts val="450"/>
+              </a:spcAft>
+              <a:buClr>
+                <a:schemeClr val="accent2"/>
+              </a:buClr>
+              <a:buSzPct val="92000"/>
+              <a:buFont typeface="Wingdings 2" panose="05020102010507070707" pitchFamily="18" charset="2"/>
+              <a:buNone/>
+              <a:defRPr sz="1200" b="1" kern="1200">
+                <a:solidFill>
+                  <a:schemeClr val="tx2"/>
+                </a:solidFill>
+                <a:latin typeface="+mn-lt"/>
+                <a:ea typeface="+mn-ea"/>
+                <a:cs typeface="+mn-cs"/>
+              </a:defRPr>
+            </a:lvl9pPr>
+          </a:lstStyle>
+          <a:p>
+            <a:r>
+              <a:rPr lang="fr-FR" dirty="0" smtClean="0"/>
+              <a:t>Questions :</a:t>
+            </a:r>
+          </a:p>
+        </p:txBody>
+      </p:sp>
+      <p:sp>
+        <p:nvSpPr>
+          <p:cNvPr id="14" name="Espace réservé du contenu 11"/>
+          <p:cNvSpPr txBox="1">
+            <a:spLocks/>
+          </p:cNvSpPr>
+          <p:nvPr/>
+        </p:nvSpPr>
+        <p:spPr>
+          <a:xfrm>
+            <a:off x="4663280" y="4209325"/>
+            <a:ext cx="4044825" cy="1226559"/>
+          </a:xfrm>
+          <a:prstGeom prst="rect">
+            <a:avLst/>
+          </a:prstGeom>
+        </p:spPr>
+        <p:txBody>
+          <a:bodyPr vert="horz" lIns="91440" tIns="45720" rIns="91440" bIns="45720" rtlCol="0" anchor="t">
+            <a:normAutofit/>
+          </a:bodyPr>
+          <a:lstStyle>
+            <a:lvl1pPr marL="229500" indent="-229500" algn="l" defTabSz="342900" rtl="0" eaLnBrk="1" latinLnBrk="0" hangingPunct="1">
+              <a:spcBef>
+                <a:spcPct val="20000"/>
+              </a:spcBef>
+              <a:spcAft>
+                <a:spcPts val="450"/>
+              </a:spcAft>
+              <a:buClr>
+                <a:schemeClr val="accent2"/>
+              </a:buClr>
+              <a:buSzPct val="92000"/>
+              <a:buFont typeface="Wingdings 2" panose="05020102010507070707" pitchFamily="18" charset="2"/>
+              <a:buChar char=""/>
+              <a:defRPr sz="1350" kern="1200">
+                <a:solidFill>
+                  <a:schemeClr val="tx2"/>
+                </a:solidFill>
+                <a:latin typeface="+mn-lt"/>
+                <a:ea typeface="+mn-ea"/>
+                <a:cs typeface="+mn-cs"/>
+              </a:defRPr>
+            </a:lvl1pPr>
+            <a:lvl2pPr marL="472500" indent="-229500" algn="l" defTabSz="342900" rtl="0" eaLnBrk="1" latinLnBrk="0" hangingPunct="1">
+              <a:spcBef>
+                <a:spcPct val="20000"/>
+              </a:spcBef>
+              <a:spcAft>
+                <a:spcPts val="450"/>
+              </a:spcAft>
+              <a:buClr>
+                <a:schemeClr val="accent2"/>
+              </a:buClr>
+              <a:buSzPct val="92000"/>
+              <a:buFont typeface="Wingdings 2" panose="05020102010507070707" pitchFamily="18" charset="2"/>
+              <a:buChar char=""/>
+              <a:defRPr sz="1200" kern="1200">
+                <a:solidFill>
+                  <a:schemeClr val="tx2"/>
+                </a:solidFill>
+                <a:latin typeface="+mn-lt"/>
+                <a:ea typeface="+mn-ea"/>
+                <a:cs typeface="+mn-cs"/>
+              </a:defRPr>
+            </a:lvl2pPr>
+            <a:lvl3pPr marL="675000" indent="-202500" algn="l" defTabSz="342900" rtl="0" eaLnBrk="1" latinLnBrk="0" hangingPunct="1">
+              <a:spcBef>
+                <a:spcPct val="20000"/>
+              </a:spcBef>
+              <a:spcAft>
+                <a:spcPts val="450"/>
+              </a:spcAft>
+              <a:buClr>
+                <a:schemeClr val="accent2"/>
+              </a:buClr>
+              <a:buSzPct val="92000"/>
+              <a:buFont typeface="Wingdings 2" panose="05020102010507070707" pitchFamily="18" charset="2"/>
+              <a:buChar char=""/>
+              <a:defRPr sz="1050" kern="1200">
+                <a:solidFill>
+                  <a:schemeClr val="tx2"/>
+                </a:solidFill>
+                <a:latin typeface="+mn-lt"/>
+                <a:ea typeface="+mn-ea"/>
+                <a:cs typeface="+mn-cs"/>
+              </a:defRPr>
+            </a:lvl3pPr>
+            <a:lvl4pPr marL="931500" indent="-175500" algn="l" defTabSz="342900" rtl="0" eaLnBrk="1" latinLnBrk="0" hangingPunct="1">
+              <a:spcBef>
+                <a:spcPct val="20000"/>
+              </a:spcBef>
+              <a:spcAft>
+                <a:spcPts val="450"/>
+              </a:spcAft>
+              <a:buClr>
+                <a:schemeClr val="accent2"/>
+              </a:buClr>
+              <a:buSzPct val="92000"/>
+              <a:buFont typeface="Wingdings 2" panose="05020102010507070707" pitchFamily="18" charset="2"/>
+              <a:buChar char=""/>
+              <a:defRPr sz="900" kern="1200">
+                <a:solidFill>
+                  <a:schemeClr val="tx2"/>
+                </a:solidFill>
+                <a:latin typeface="+mn-lt"/>
+                <a:ea typeface="+mn-ea"/>
+                <a:cs typeface="+mn-cs"/>
+              </a:defRPr>
+            </a:lvl4pPr>
+            <a:lvl5pPr marL="1201500" indent="-175500" algn="l" defTabSz="342900" rtl="0" eaLnBrk="1" latinLnBrk="0" hangingPunct="1">
+              <a:spcBef>
+                <a:spcPct val="20000"/>
+              </a:spcBef>
+              <a:spcAft>
+                <a:spcPts val="450"/>
+              </a:spcAft>
+              <a:buClr>
+                <a:schemeClr val="accent2"/>
+              </a:buClr>
+              <a:buSzPct val="92000"/>
+              <a:buFont typeface="Wingdings 2" panose="05020102010507070707" pitchFamily="18" charset="2"/>
+              <a:buChar char=""/>
+              <a:defRPr sz="900" kern="1200">
+                <a:solidFill>
+                  <a:schemeClr val="tx2"/>
+                </a:solidFill>
+                <a:latin typeface="+mn-lt"/>
+                <a:ea typeface="+mn-ea"/>
+                <a:cs typeface="+mn-cs"/>
+              </a:defRPr>
+            </a:lvl5pPr>
+            <a:lvl6pPr marL="1425000" indent="-171450" algn="l" defTabSz="342900" rtl="0" eaLnBrk="1" latinLnBrk="0" hangingPunct="1">
+              <a:spcBef>
+                <a:spcPct val="20000"/>
+              </a:spcBef>
+              <a:spcAft>
+                <a:spcPts val="450"/>
+              </a:spcAft>
+              <a:buClr>
+                <a:schemeClr val="accent2"/>
+              </a:buClr>
+              <a:buSzPct val="92000"/>
+              <a:buFont typeface="Wingdings 2" panose="05020102010507070707" pitchFamily="18" charset="2"/>
+              <a:buChar char=""/>
+              <a:defRPr sz="900" kern="1200">
+                <a:solidFill>
+                  <a:schemeClr val="tx2"/>
+                </a:solidFill>
+                <a:latin typeface="+mn-lt"/>
+                <a:ea typeface="+mn-ea"/>
+                <a:cs typeface="+mn-cs"/>
+              </a:defRPr>
+            </a:lvl6pPr>
+            <a:lvl7pPr marL="1650000" indent="-171450" algn="l" defTabSz="342900" rtl="0" eaLnBrk="1" latinLnBrk="0" hangingPunct="1">
+              <a:spcBef>
+                <a:spcPct val="20000"/>
+              </a:spcBef>
+              <a:spcAft>
+                <a:spcPts val="450"/>
+              </a:spcAft>
+              <a:buClr>
+                <a:schemeClr val="accent2"/>
+              </a:buClr>
+              <a:buSzPct val="92000"/>
+              <a:buFont typeface="Wingdings 2" panose="05020102010507070707" pitchFamily="18" charset="2"/>
+              <a:buChar char=""/>
+              <a:defRPr sz="900" kern="1200">
+                <a:solidFill>
+                  <a:schemeClr val="tx2"/>
+                </a:solidFill>
+                <a:latin typeface="+mn-lt"/>
+                <a:ea typeface="+mn-ea"/>
+                <a:cs typeface="+mn-cs"/>
+              </a:defRPr>
+            </a:lvl7pPr>
+            <a:lvl8pPr marL="1875000" indent="-171450" algn="l" defTabSz="342900" rtl="0" eaLnBrk="1" latinLnBrk="0" hangingPunct="1">
+              <a:spcBef>
+                <a:spcPct val="20000"/>
+              </a:spcBef>
+              <a:spcAft>
+                <a:spcPts val="450"/>
+              </a:spcAft>
+              <a:buClr>
+                <a:schemeClr val="accent2"/>
+              </a:buClr>
+              <a:buSzPct val="92000"/>
+              <a:buFont typeface="Wingdings 2" panose="05020102010507070707" pitchFamily="18" charset="2"/>
+              <a:buChar char=""/>
+              <a:defRPr sz="900" kern="1200">
+                <a:solidFill>
+                  <a:schemeClr val="tx2"/>
+                </a:solidFill>
+                <a:latin typeface="+mn-lt"/>
+                <a:ea typeface="+mn-ea"/>
+                <a:cs typeface="+mn-cs"/>
+              </a:defRPr>
+            </a:lvl8pPr>
+            <a:lvl9pPr marL="2100000" indent="-171450" algn="l" defTabSz="342900" rtl="0" eaLnBrk="1" latinLnBrk="0" hangingPunct="1">
+              <a:spcBef>
+                <a:spcPct val="20000"/>
+              </a:spcBef>
+              <a:spcAft>
+                <a:spcPts val="450"/>
+              </a:spcAft>
+              <a:buClr>
+                <a:schemeClr val="accent2"/>
+              </a:buClr>
+              <a:buSzPct val="92000"/>
+              <a:buFont typeface="Wingdings 2" panose="05020102010507070707" pitchFamily="18" charset="2"/>
+              <a:buChar char=""/>
+              <a:defRPr sz="900" kern="1200">
+                <a:solidFill>
+                  <a:schemeClr val="tx2"/>
+                </a:solidFill>
+                <a:latin typeface="+mn-lt"/>
+                <a:ea typeface="+mn-ea"/>
+                <a:cs typeface="+mn-cs"/>
+              </a:defRPr>
+            </a:lvl9pPr>
+          </a:lstStyle>
+          <a:p>
+            <a:r>
+              <a:rPr lang="fr-FR" dirty="0" smtClean="0"/>
+              <a:t>Comment évolue le </a:t>
+            </a:r>
+            <a:r>
+              <a:rPr lang="fr-FR" dirty="0" err="1" smtClean="0"/>
+              <a:t>speedup</a:t>
+            </a:r>
+            <a:r>
+              <a:rPr lang="fr-FR" dirty="0" smtClean="0"/>
+              <a:t> en fonction du nombre de threads ?</a:t>
+            </a:r>
+          </a:p>
+          <a:p>
+            <a:endParaRPr lang="fr-FR" dirty="0"/>
+          </a:p>
+        </p:txBody>
+      </p:sp>
+      <p:pic>
+        <p:nvPicPr>
+          <p:cNvPr id="2" name="Image 1"/>
+          <p:cNvPicPr>
+            <a:picLocks noChangeAspect="1"/>
+          </p:cNvPicPr>
+          <p:nvPr/>
+        </p:nvPicPr>
+        <p:blipFill>
+          <a:blip r:embed="rId3"/>
+          <a:stretch>
+            <a:fillRect/>
+          </a:stretch>
+        </p:blipFill>
+        <p:spPr>
+          <a:xfrm>
+            <a:off x="996679" y="2457450"/>
+            <a:ext cx="3152775" cy="571500"/>
+          </a:xfrm>
+          <a:prstGeom prst="rect">
+            <a:avLst/>
+          </a:prstGeom>
+        </p:spPr>
+      </p:pic>
+    </p:spTree>
+    <p:extLst>
+      <p:ext uri="{BB962C8B-B14F-4D97-AF65-F5344CB8AC3E}">
+        <p14:creationId xmlns:p14="http://schemas.microsoft.com/office/powerpoint/2010/main" val="3360011875"/>
+      </p:ext>
+    </p:extLst>
+  </p:cSld>
+  <p:clrMapOvr>
+    <a:masterClrMapping/>
+  </p:clrMapOvr>
+  <p:timing>
+    <p:tnLst>
+      <p:par>
+        <p:cTn id="1" dur="indefinite" restart="never" nodeType="tmRoot"/>
+      </p:par>
+    </p:tnLst>
+  </p:timing>
+</p:sld>
+</file>
+
+<file path=ppt/slides/slide21.xml><?xml version="1.0" encoding="utf-8"?>
+<p:sld xmlns:a="http://schemas.openxmlformats.org/drawingml/2006/main" xmlns:r="http://schemas.openxmlformats.org/officeDocument/2006/relationships" xmlns:p="http://schemas.openxmlformats.org/presentationml/2006/main">
+  <p:cSld>
+    <p:spTree>
+      <p:nvGrpSpPr>
+        <p:cNvPr id="1" name=""/>
+        <p:cNvGrpSpPr/>
+        <p:nvPr/>
+      </p:nvGrpSpPr>
+      <p:grpSpPr>
+        <a:xfrm>
+          <a:off x="0" y="0"/>
+          <a:ext cx="0" cy="0"/>
+          <a:chOff x="0" y="0"/>
+          <a:chExt cx="0" cy="0"/>
+        </a:xfrm>
+      </p:grpSpPr>
+      <p:sp>
+        <p:nvSpPr>
+          <p:cNvPr id="2" name="Titre 1"/>
+          <p:cNvSpPr>
+            <a:spLocks noGrp="1"/>
+          </p:cNvSpPr>
+          <p:nvPr>
+            <p:ph type="title"/>
+          </p:nvPr>
+        </p:nvSpPr>
+        <p:spPr/>
+        <p:txBody>
+          <a:bodyPr/>
+          <a:lstStyle/>
+          <a:p>
+            <a:r>
+              <a:rPr lang="fr-FR" dirty="0" smtClean="0"/>
+              <a:t>Il vous reste un peu de place ?</a:t>
+            </a:r>
+            <a:endParaRPr lang="fr-FR" dirty="0"/>
+          </a:p>
+        </p:txBody>
+      </p:sp>
+      <p:sp>
+        <p:nvSpPr>
+          <p:cNvPr id="4" name="Espace réservé du numéro de diapositive 3"/>
+          <p:cNvSpPr>
+            <a:spLocks noGrp="1"/>
+          </p:cNvSpPr>
+          <p:nvPr>
+            <p:ph type="sldNum" sz="quarter" idx="12"/>
+          </p:nvPr>
+        </p:nvSpPr>
+        <p:spPr/>
+        <p:txBody>
+          <a:bodyPr/>
+          <a:lstStyle/>
+          <a:p>
+            <a:fld id="{D57F1E4F-1CFF-5643-939E-217C01CDF565}" type="slidenum">
+              <a:rPr lang="fr-FR" smtClean="0"/>
+              <a:pPr/>
+              <a:t>21</a:t>
+            </a:fld>
+            <a:endParaRPr lang="fr-FR" dirty="0"/>
+          </a:p>
+        </p:txBody>
+      </p:sp>
+      <p:sp>
+        <p:nvSpPr>
+          <p:cNvPr id="3" name="Espace réservé du texte 2"/>
+          <p:cNvSpPr>
+            <a:spLocks noGrp="1"/>
+          </p:cNvSpPr>
+          <p:nvPr>
+            <p:ph type="body" sz="quarter" idx="3"/>
+          </p:nvPr>
+        </p:nvSpPr>
+        <p:spPr/>
+        <p:txBody>
+          <a:bodyPr/>
+          <a:lstStyle/>
+          <a:p>
+            <a:r>
+              <a:rPr lang="fr-FR" dirty="0" smtClean="0"/>
+              <a:t>Autres </a:t>
+            </a:r>
+            <a:r>
+              <a:rPr lang="fr-FR" dirty="0" err="1" smtClean="0"/>
+              <a:t>pragma</a:t>
+            </a:r>
+            <a:endParaRPr lang="fr-FR" dirty="0"/>
+          </a:p>
+        </p:txBody>
+      </p:sp>
+      <p:sp>
+        <p:nvSpPr>
+          <p:cNvPr id="5" name="Espace réservé du contenu 4"/>
+          <p:cNvSpPr>
+            <a:spLocks noGrp="1"/>
+          </p:cNvSpPr>
+          <p:nvPr>
+            <p:ph sz="quarter" idx="4"/>
+          </p:nvPr>
+        </p:nvSpPr>
+        <p:spPr/>
+        <p:txBody>
+          <a:bodyPr/>
+          <a:lstStyle/>
+          <a:p>
+            <a:r>
+              <a:rPr lang="fr-FR" dirty="0" smtClean="0"/>
+              <a:t>#</a:t>
+            </a:r>
+            <a:r>
+              <a:rPr lang="fr-FR" dirty="0" err="1" smtClean="0"/>
+              <a:t>pragma</a:t>
+            </a:r>
+            <a:r>
+              <a:rPr lang="fr-FR" dirty="0" smtClean="0"/>
+              <a:t> </a:t>
+            </a:r>
+            <a:r>
+              <a:rPr lang="fr-FR" dirty="0" err="1" smtClean="0"/>
+              <a:t>omp</a:t>
+            </a:r>
+            <a:r>
+              <a:rPr lang="fr-FR" dirty="0" smtClean="0"/>
+              <a:t> flush(&lt;var&gt;)</a:t>
+            </a:r>
+            <a:br>
+              <a:rPr lang="fr-FR" dirty="0" smtClean="0"/>
+            </a:br>
+            <a:r>
+              <a:rPr lang="fr-FR" dirty="0" smtClean="0"/>
+              <a:t>permet de synchroniser des données entre les threads (threads qui travaillent dans des sections différentes mais sur les mêmes données par exemple)</a:t>
+            </a:r>
+          </a:p>
+          <a:p>
+            <a:r>
+              <a:rPr lang="fr-FR" dirty="0" smtClean="0"/>
+              <a:t>#</a:t>
+            </a:r>
+            <a:r>
+              <a:rPr lang="fr-FR" dirty="0" err="1" smtClean="0"/>
+              <a:t>pragma</a:t>
+            </a:r>
+            <a:r>
+              <a:rPr lang="fr-FR" dirty="0" smtClean="0"/>
+              <a:t> </a:t>
+            </a:r>
+            <a:r>
+              <a:rPr lang="fr-FR" dirty="0" err="1" smtClean="0"/>
+              <a:t>omp</a:t>
+            </a:r>
+            <a:r>
+              <a:rPr lang="fr-FR" dirty="0" smtClean="0"/>
+              <a:t> master</a:t>
+            </a:r>
+            <a:br>
+              <a:rPr lang="fr-FR" dirty="0" smtClean="0"/>
+            </a:br>
+            <a:r>
+              <a:rPr lang="fr-FR" dirty="0" smtClean="0"/>
+              <a:t>Idem single sauf que c’est le master qui fait obligatoirement le boulot et qu’il n’y a pas de barrière implicite à la fin</a:t>
+            </a:r>
+          </a:p>
+        </p:txBody>
+      </p:sp>
+      <p:sp>
+        <p:nvSpPr>
+          <p:cNvPr id="6" name="Espace réservé du texte 5"/>
+          <p:cNvSpPr>
+            <a:spLocks noGrp="1"/>
+          </p:cNvSpPr>
+          <p:nvPr>
+            <p:ph type="body" idx="1"/>
+          </p:nvPr>
+        </p:nvSpPr>
+        <p:spPr/>
+        <p:txBody>
+          <a:bodyPr/>
+          <a:lstStyle/>
+          <a:p>
+            <a:r>
+              <a:rPr lang="fr-FR" dirty="0" smtClean="0"/>
+              <a:t>Clauses de propriété</a:t>
+            </a:r>
+            <a:endParaRPr lang="fr-FR" dirty="0"/>
+          </a:p>
+        </p:txBody>
+      </p:sp>
+      <p:sp>
+        <p:nvSpPr>
+          <p:cNvPr id="9" name="Espace réservé du contenu 8"/>
+          <p:cNvSpPr>
+            <a:spLocks noGrp="1"/>
+          </p:cNvSpPr>
+          <p:nvPr>
+            <p:ph sz="half" idx="2"/>
+          </p:nvPr>
+        </p:nvSpPr>
+        <p:spPr/>
+        <p:txBody>
+          <a:bodyPr/>
+          <a:lstStyle/>
+          <a:p>
+            <a:pPr marL="0" indent="0">
+              <a:buNone/>
+            </a:pPr>
+            <a:r>
+              <a:rPr lang="fr-FR" dirty="0" smtClean="0"/>
+              <a:t>Spécifie le type de propriété pour une variable</a:t>
+            </a:r>
+          </a:p>
+          <a:p>
+            <a:r>
+              <a:rPr lang="fr-FR" dirty="0" err="1" smtClean="0"/>
+              <a:t>Private</a:t>
+            </a:r>
+            <a:r>
+              <a:rPr lang="fr-FR" dirty="0" smtClean="0"/>
+              <a:t> </a:t>
+            </a:r>
+            <a:r>
+              <a:rPr lang="fr-FR" dirty="0" smtClean="0"/>
+              <a:t>: </a:t>
+            </a:r>
+            <a:r>
+              <a:rPr lang="fr-FR" dirty="0" smtClean="0"/>
+              <a:t>Chaque thread possède sa propre variable, non initialisée.</a:t>
+            </a:r>
+          </a:p>
+          <a:p>
+            <a:r>
+              <a:rPr lang="fr-FR" dirty="0" err="1" smtClean="0"/>
+              <a:t>Firstprivate</a:t>
+            </a:r>
+            <a:r>
+              <a:rPr lang="fr-FR" dirty="0" smtClean="0"/>
+              <a:t> : Chaque thread possède sa propre variable, initialisée avec la valeur de la variable avant le bloc parallèle</a:t>
+            </a:r>
+          </a:p>
+          <a:p>
+            <a:r>
+              <a:rPr lang="fr-FR" dirty="0" err="1" smtClean="0"/>
+              <a:t>LastPrivate</a:t>
+            </a:r>
+            <a:r>
+              <a:rPr lang="fr-FR" dirty="0" smtClean="0"/>
+              <a:t> : Chaque thread possède sa propre variable, non initialisée. En sortie, la variable « globale » aura la valeur affectée par le dernier thread qui l’a modifiée</a:t>
+            </a:r>
+          </a:p>
+          <a:p>
+            <a:r>
+              <a:rPr lang="fr-FR" dirty="0" err="1" smtClean="0"/>
+              <a:t>Shared</a:t>
+            </a:r>
+            <a:r>
+              <a:rPr lang="fr-FR" dirty="0" smtClean="0"/>
+              <a:t> </a:t>
+            </a:r>
+            <a:r>
+              <a:rPr lang="fr-FR" dirty="0" smtClean="0"/>
+              <a:t>(default) : </a:t>
+            </a:r>
+            <a:r>
+              <a:rPr lang="fr-FR" dirty="0" smtClean="0"/>
+              <a:t>La variable est partagée entre les </a:t>
+            </a:r>
+            <a:r>
+              <a:rPr lang="fr-FR" dirty="0" smtClean="0"/>
+              <a:t>threads. /!\ pas de </a:t>
+            </a:r>
+            <a:r>
+              <a:rPr lang="fr-FR" dirty="0" err="1"/>
+              <a:t>m</a:t>
+            </a:r>
+            <a:r>
+              <a:rPr lang="fr-FR" dirty="0" err="1" smtClean="0"/>
+              <a:t>utex</a:t>
+            </a:r>
+            <a:r>
+              <a:rPr lang="fr-FR" dirty="0" smtClean="0"/>
+              <a:t> en écriture ! </a:t>
+            </a:r>
+            <a:endParaRPr lang="fr-FR" dirty="0"/>
+          </a:p>
+        </p:txBody>
+      </p:sp>
+    </p:spTree>
+    <p:extLst>
+      <p:ext uri="{BB962C8B-B14F-4D97-AF65-F5344CB8AC3E}">
+        <p14:creationId xmlns:p14="http://schemas.microsoft.com/office/powerpoint/2010/main" val="3161530298"/>
+      </p:ext>
+    </p:extLst>
+  </p:cSld>
+  <p:clrMapOvr>
+    <a:masterClrMapping/>
+  </p:clrMapOvr>
+  <p:timing>
+    <p:tnLst>
+      <p:par>
+        <p:cTn id="1" dur="indefinite" restart="never" nodeType="tmRoot"/>
+      </p:par>
+    </p:tnLst>
+  </p:timing>
+</p:sld>
+</file>
+
+<file path=ppt/slides/slide22.xml><?xml version="1.0" encoding="utf-8"?>
+<p:sld xmlns:a="http://schemas.openxmlformats.org/drawingml/2006/main" xmlns:r="http://schemas.openxmlformats.org/officeDocument/2006/relationships" xmlns:p="http://schemas.openxmlformats.org/presentationml/2006/main">
+  <p:cSld>
+    <p:spTree>
+      <p:nvGrpSpPr>
+        <p:cNvPr id="1" name=""/>
+        <p:cNvGrpSpPr/>
+        <p:nvPr/>
+      </p:nvGrpSpPr>
+      <p:grpSpPr>
+        <a:xfrm>
+          <a:off x="0" y="0"/>
+          <a:ext cx="0" cy="0"/>
+          <a:chOff x="0" y="0"/>
+          <a:chExt cx="0" cy="0"/>
+        </a:xfrm>
+      </p:grpSpPr>
+      <p:sp>
+        <p:nvSpPr>
+          <p:cNvPr id="8" name="Titre 7"/>
+          <p:cNvSpPr>
+            <a:spLocks noGrp="1"/>
+          </p:cNvSpPr>
+          <p:nvPr>
+            <p:ph type="title"/>
+          </p:nvPr>
+        </p:nvSpPr>
+        <p:spPr/>
+        <p:txBody>
+          <a:bodyPr/>
+          <a:lstStyle/>
+          <a:p>
+            <a:r>
+              <a:rPr lang="fr-FR" dirty="0" smtClean="0"/>
+              <a:t>À vous !</a:t>
+            </a:r>
+            <a:endParaRPr lang="fr-FR" dirty="0"/>
+          </a:p>
+        </p:txBody>
+      </p:sp>
+      <p:sp>
+        <p:nvSpPr>
+          <p:cNvPr id="9" name="Espace réservé du texte 8"/>
+          <p:cNvSpPr>
+            <a:spLocks noGrp="1"/>
+          </p:cNvSpPr>
+          <p:nvPr>
+            <p:ph type="body" idx="1"/>
+          </p:nvPr>
+        </p:nvSpPr>
+        <p:spPr/>
+        <p:txBody>
+          <a:bodyPr/>
+          <a:lstStyle/>
+          <a:p>
+            <a:r>
+              <a:rPr lang="fr-FR" dirty="0" smtClean="0"/>
+              <a:t>Objectif</a:t>
+            </a:r>
+            <a:endParaRPr lang="fr-FR" dirty="0"/>
+          </a:p>
+        </p:txBody>
+      </p:sp>
+      <p:sp>
+        <p:nvSpPr>
+          <p:cNvPr id="10" name="Espace réservé du contenu 9"/>
+          <p:cNvSpPr>
+            <a:spLocks noGrp="1"/>
+          </p:cNvSpPr>
+          <p:nvPr>
+            <p:ph sz="half" idx="2"/>
+          </p:nvPr>
+        </p:nvSpPr>
+        <p:spPr>
+          <a:xfrm>
+            <a:off x="435895" y="2088664"/>
+            <a:ext cx="4044825" cy="3347220"/>
+          </a:xfrm>
+        </p:spPr>
+        <p:txBody>
+          <a:bodyPr>
+            <a:normAutofit lnSpcReduction="10000"/>
+          </a:bodyPr>
+          <a:lstStyle/>
+          <a:p>
+            <a:r>
+              <a:rPr lang="fr-FR" dirty="0" smtClean="0"/>
+              <a:t>Générer une image fractale sur plusieurs threads à l’aide de la formule :</a:t>
+            </a:r>
+          </a:p>
+          <a:p>
+            <a:endParaRPr lang="fr-FR" dirty="0"/>
+          </a:p>
+          <a:p>
+            <a:endParaRPr lang="fr-FR" dirty="0" smtClean="0"/>
+          </a:p>
+          <a:p>
+            <a:endParaRPr lang="fr-FR" dirty="0" smtClean="0"/>
+          </a:p>
+          <a:p>
+            <a:endParaRPr lang="fr-FR" dirty="0"/>
+          </a:p>
+          <a:p>
+            <a:endParaRPr lang="fr-FR" dirty="0" smtClean="0"/>
+          </a:p>
+          <a:p>
+            <a:endParaRPr lang="fr-FR" dirty="0"/>
+          </a:p>
+          <a:p>
+            <a:endParaRPr lang="fr-FR" dirty="0" smtClean="0"/>
+          </a:p>
+          <a:p>
+            <a:endParaRPr lang="fr-FR" dirty="0"/>
+          </a:p>
+          <a:p>
+            <a:r>
+              <a:rPr lang="fr-FR" dirty="0" smtClean="0"/>
+              <a:t>Modifier la fonction </a:t>
+            </a:r>
+            <a:r>
+              <a:rPr lang="fr-FR" dirty="0" err="1" smtClean="0">
+                <a:ln w="0"/>
+                <a:solidFill>
+                  <a:schemeClr val="accent1"/>
+                </a:solidFill>
+                <a:effectLst>
+                  <a:outerShdw blurRad="38100" dist="25400" dir="5400000" algn="ctr" rotWithShape="0">
+                    <a:srgbClr val="6E747A">
+                      <a:alpha val="43000"/>
+                    </a:srgbClr>
+                  </a:outerShdw>
+                </a:effectLst>
+              </a:rPr>
+              <a:t>matOpeOpenMP</a:t>
+            </a:r>
+            <a:r>
+              <a:rPr lang="fr-FR" dirty="0" smtClean="0">
+                <a:ln w="0"/>
+                <a:solidFill>
+                  <a:schemeClr val="accent1"/>
+                </a:solidFill>
+                <a:effectLst>
+                  <a:outerShdw blurRad="38100" dist="25400" dir="5400000" algn="ctr" rotWithShape="0">
+                    <a:srgbClr val="6E747A">
+                      <a:alpha val="43000"/>
+                    </a:srgbClr>
+                  </a:outerShdw>
+                </a:effectLst>
+              </a:rPr>
+              <a:t>()</a:t>
+            </a:r>
+            <a:r>
+              <a:rPr lang="fr-FR" i="1" dirty="0" smtClean="0">
+                <a:ln w="0"/>
+                <a:solidFill>
+                  <a:schemeClr val="accent1"/>
+                </a:solidFill>
+                <a:effectLst>
+                  <a:outerShdw blurRad="38100" dist="25400" dir="5400000" algn="ctr" rotWithShape="0">
+                    <a:srgbClr val="6E747A">
+                      <a:alpha val="43000"/>
+                    </a:srgbClr>
+                  </a:outerShdw>
+                </a:effectLst>
+              </a:rPr>
+              <a:t> </a:t>
+            </a:r>
+            <a:r>
+              <a:rPr lang="fr-FR" dirty="0" smtClean="0"/>
+              <a:t>du projet </a:t>
+            </a:r>
+            <a:r>
+              <a:rPr lang="fr-FR" dirty="0" err="1" smtClean="0">
+                <a:ln w="0"/>
+                <a:solidFill>
+                  <a:schemeClr val="accent1"/>
+                </a:solidFill>
+                <a:effectLst>
+                  <a:outerShdw blurRad="38100" dist="25400" dir="5400000" algn="ctr" rotWithShape="0">
+                    <a:srgbClr val="6E747A">
+                      <a:alpha val="43000"/>
+                    </a:srgbClr>
+                  </a:outerShdw>
+                </a:effectLst>
+              </a:rPr>
+              <a:t>Mandel_omp</a:t>
+            </a:r>
+            <a:endParaRPr lang="fr-FR" dirty="0" smtClean="0"/>
+          </a:p>
+          <a:p>
+            <a:endParaRPr lang="fr-FR" dirty="0"/>
+          </a:p>
+        </p:txBody>
+      </p:sp>
+      <p:sp>
+        <p:nvSpPr>
+          <p:cNvPr id="11" name="Espace réservé du texte 10"/>
+          <p:cNvSpPr>
+            <a:spLocks noGrp="1"/>
+          </p:cNvSpPr>
+          <p:nvPr>
+            <p:ph type="body" sz="quarter" idx="3"/>
+          </p:nvPr>
+        </p:nvSpPr>
+        <p:spPr/>
+        <p:txBody>
+          <a:bodyPr/>
+          <a:lstStyle/>
+          <a:p>
+            <a:r>
+              <a:rPr lang="fr-FR" dirty="0" smtClean="0"/>
+              <a:t>Outils</a:t>
+            </a:r>
+            <a:endParaRPr lang="fr-FR" dirty="0"/>
+          </a:p>
+        </p:txBody>
+      </p:sp>
+      <p:sp>
+        <p:nvSpPr>
+          <p:cNvPr id="12" name="Espace réservé du contenu 11"/>
+          <p:cNvSpPr>
+            <a:spLocks noGrp="1"/>
+          </p:cNvSpPr>
+          <p:nvPr>
+            <p:ph sz="quarter" idx="4"/>
+          </p:nvPr>
+        </p:nvSpPr>
+        <p:spPr/>
+        <p:txBody>
+          <a:bodyPr/>
+          <a:lstStyle/>
+          <a:p>
+            <a:endParaRPr lang="fr-FR" dirty="0"/>
+          </a:p>
+          <a:p>
+            <a:endParaRPr lang="fr-FR" dirty="0"/>
+          </a:p>
+        </p:txBody>
+      </p:sp>
+      <p:sp>
+        <p:nvSpPr>
+          <p:cNvPr id="4" name="Espace réservé du numéro de diapositive 3"/>
+          <p:cNvSpPr>
+            <a:spLocks noGrp="1"/>
+          </p:cNvSpPr>
+          <p:nvPr>
+            <p:ph type="sldNum" sz="quarter" idx="12"/>
+          </p:nvPr>
+        </p:nvSpPr>
+        <p:spPr>
+          <a:xfrm>
+            <a:off x="7918724" y="5131613"/>
+            <a:ext cx="789383" cy="304271"/>
+          </a:xfrm>
+        </p:spPr>
+        <p:txBody>
+          <a:bodyPr/>
+          <a:lstStyle/>
+          <a:p>
+            <a:fld id="{D57F1E4F-1CFF-5643-939E-217C01CDF565}" type="slidenum">
+              <a:rPr lang="fr-FR" sz="1600" smtClean="0"/>
+              <a:pPr/>
+              <a:t>22</a:t>
             </a:fld>
             <a:endParaRPr lang="fr-FR" sz="1600"/>
           </a:p>
@@ -22006,7 +24082,7 @@
 </p:sld>
 </file>
 
-<file path=ppt/slides/slide21.xml><?xml version="1.0" encoding="utf-8"?>
+<file path=ppt/slides/slide23.xml><?xml version="1.0" encoding="utf-8"?>
 <p:sld xmlns:a="http://schemas.openxmlformats.org/drawingml/2006/main" xmlns:r="http://schemas.openxmlformats.org/officeDocument/2006/relationships" xmlns:p="http://schemas.openxmlformats.org/presentationml/2006/main">
   <p:cSld>
     <p:spTree>
@@ -22061,7 +24137,11 @@
           <a:bodyPr/>
           <a:lstStyle/>
           <a:p>
-            <a:endParaRPr lang="fr-FR"/>
+            <a:r>
+              <a:rPr lang="fr-FR" dirty="0" smtClean="0"/>
+              <a:t>Tuto</a:t>
+            </a:r>
+            <a:endParaRPr lang="fr-FR" dirty="0"/>
           </a:p>
         </p:txBody>
       </p:sp>
@@ -22081,10 +24161,16 @@
           <a:lstStyle/>
           <a:p>
             <a:r>
+              <a:rPr lang="fr-FR" dirty="0" smtClean="0">
+                <a:hlinkClick r:id="rId2"/>
+              </a:rPr>
+              <a:t>http</a:t>
+            </a:r>
+            <a:r>
               <a:rPr lang="fr-FR" dirty="0">
                 <a:hlinkClick r:id="rId2"/>
               </a:rPr>
-              <a:t>http://jakascorner.com/blog</a:t>
+              <a:t>://jakascorner.com/blog</a:t>
             </a:r>
             <a:r>
               <a:rPr lang="fr-FR" dirty="0" smtClean="0">
@@ -22111,6 +24197,47 @@
               <a:rPr lang="fr-FR" dirty="0" smtClean="0"/>
               <a:t> très bien fait et bien illustré</a:t>
             </a:r>
+          </a:p>
+          <a:p>
+            <a:r>
+              <a:rPr lang="fr-FR" dirty="0">
+                <a:hlinkClick r:id="rId3"/>
+              </a:rPr>
+              <a:t>https://</a:t>
+            </a:r>
+            <a:r>
+              <a:rPr lang="fr-FR" dirty="0" smtClean="0">
+                <a:hlinkClick r:id="rId3"/>
+              </a:rPr>
+              <a:t>docs.microsoft.com/fr-fr/cpp/parallel/openmp/reference/openmp-library-reference?view=msvc-160</a:t>
+            </a:r>
+            <a:r>
+              <a:rPr lang="fr-FR" dirty="0"/>
+              <a:t/>
+            </a:r>
+            <a:br>
+              <a:rPr lang="fr-FR" dirty="0"/>
+            </a:br>
+            <a:r>
+              <a:rPr lang="fr-FR" dirty="0" smtClean="0"/>
+              <a:t>Doc Microsoft pour </a:t>
+            </a:r>
+            <a:r>
+              <a:rPr lang="fr-FR" dirty="0" err="1" smtClean="0"/>
+              <a:t>OpenMP</a:t>
+            </a:r>
+            <a:r>
+              <a:rPr lang="fr-FR" dirty="0" smtClean="0"/>
+              <a:t> jusqu’à la version 2.0 avec des exemples pour chaque clause/directive</a:t>
+            </a:r>
+            <a:r>
+              <a:rPr lang="fr-FR" dirty="0"/>
+              <a:t/>
+            </a:r>
+            <a:br>
+              <a:rPr lang="fr-FR" dirty="0"/>
+            </a:br>
+            <a:endParaRPr lang="fr-FR" dirty="0" smtClean="0"/>
           </a:p>
         </p:txBody>
       </p:sp>
@@ -22129,7 +24256,11 @@
           <a:bodyPr/>
           <a:lstStyle/>
           <a:p>
-            <a:endParaRPr lang="fr-FR"/>
+            <a:r>
+              <a:rPr lang="fr-FR" dirty="0" smtClean="0"/>
+              <a:t>Documentation</a:t>
+            </a:r>
+            <a:endParaRPr lang="fr-FR" dirty="0"/>
           </a:p>
         </p:txBody>
       </p:sp>
@@ -22148,7 +24279,43 @@
           <a:bodyPr/>
           <a:lstStyle/>
           <a:p>
-            <a:endParaRPr lang="fr-FR"/>
+            <a:r>
+              <a:rPr lang="fr-FR" dirty="0" smtClean="0">
+                <a:hlinkClick r:id="rId4"/>
+              </a:rPr>
+              <a:t>https</a:t>
+            </a:r>
+            <a:r>
+              <a:rPr lang="fr-FR" dirty="0">
+                <a:hlinkClick r:id="rId4"/>
+              </a:rPr>
+              <a:t>://www.openmp.org//</a:t>
+            </a:r>
+            <a:r>
+              <a:rPr lang="fr-FR" dirty="0" smtClean="0">
+                <a:hlinkClick r:id="rId4"/>
+              </a:rPr>
+              <a:t>wp-content/uploads/openmp-4.5.pdf</a:t>
+            </a:r>
+            <a:r>
+              <a:rPr lang="fr-FR" dirty="0" smtClean="0"/>
+              <a:t/>
+            </a:r>
+            <a:br>
+              <a:rPr lang="fr-FR" dirty="0" smtClean="0"/>
+            </a:br>
+            <a:r>
+              <a:rPr lang="fr-FR" dirty="0"/>
+              <a:t>Spécifications </a:t>
+            </a:r>
+            <a:r>
+              <a:rPr lang="fr-FR" dirty="0" smtClean="0"/>
+              <a:t>complètes de référence</a:t>
+            </a:r>
+            <a:endParaRPr lang="fr-FR" dirty="0"/>
+          </a:p>
+          <a:p>
+            <a:endParaRPr lang="fr-FR" dirty="0"/>
           </a:p>
         </p:txBody>
       </p:sp>
@@ -22170,7 +24337,7 @@
             <a:fld id="{D57F1E4F-1CFF-5643-939E-217C01CDF565}" type="slidenum">
               <a:rPr lang="fr-FR" smtClean="0"/>
               <a:pPr/>
-              <a:t>21</a:t>
+              <a:t>23</a:t>
             </a:fld>
             <a:endParaRPr lang="fr-FR"/>
           </a:p>
@@ -22186,10 +24353,17 @@
   <p:clrMapOvr>
     <a:masterClrMapping/>
   </p:clrMapOvr>
+  <p:timing>
+    <p:tnLst>
+      <p:par>
+        <p:cTn id="1" dur="indefinite" restart="never" nodeType="tmRoot"/>
+      </p:par>
+    </p:tnLst>
+  </p:timing>
 </p:sld>
 </file>
 
-<file path=ppt/slides/slide22.xml><?xml version="1.0" encoding="utf-8"?>
+<file path=ppt/slides/slide24.xml><?xml version="1.0" encoding="utf-8"?>
 <p:sld xmlns:a="http://schemas.openxmlformats.org/drawingml/2006/main" xmlns:r="http://schemas.openxmlformats.org/officeDocument/2006/relationships" xmlns:p="http://schemas.openxmlformats.org/presentationml/2006/main">
   <p:cSld>
     <p:spTree>
@@ -22241,7 +24415,23 @@
                   <a:schemeClr val="bg1"/>
                 </a:solidFill>
               </a:rPr>
-              <a:t>Ça se corse</a:t>
+              <a:t>Un mot sur la « </a:t>
+            </a:r>
+            <a:r>
+              <a:rPr lang="fr-FR" sz="3150" dirty="0" err="1" smtClean="0">
+                <a:solidFill>
+                  <a:schemeClr val="bg1"/>
+                </a:solidFill>
+              </a:rPr>
+              <a:t>parallel</a:t>
+            </a:r>
+            <a:r>
+              <a:rPr lang="fr-FR" sz="3150" dirty="0" smtClean="0">
+                <a:solidFill>
+                  <a:schemeClr val="bg1"/>
+                </a:solidFill>
+              </a:rPr>
+              <a:t> STL »</a:t>
             </a:r>
             <a:endParaRPr lang="fr-FR" sz="3150" dirty="0">
               <a:solidFill>
@@ -22331,221 +24521,7 @@
             <a:fld id="{D57F1E4F-1CFF-5643-939E-217C01CDF565}" type="slidenum">
               <a:rPr lang="fr-FR" noProof="0" smtClean="0"/>
               <a:pPr rtl="0"/>
-              <a:t>22</a:t>
-            </a:fld>
-            <a:endParaRPr lang="fr-FR" noProof="0"/>
-          </a:p>
-        </p:txBody>
-      </p:sp>
-      <p:pic>
-        <p:nvPicPr>
-          <p:cNvPr id="4" name="Image 3"/>
-          <p:cNvPicPr>
-            <a:picLocks noChangeAspect="1"/>
-          </p:cNvPicPr>
-          <p:nvPr/>
-        </p:nvPicPr>
-        <p:blipFill>
-          <a:blip r:embed="rId3">
-            <a:extLst>
-              <a:ext uri="{28A0092B-C50C-407E-A947-70E740481C1C}">
-                <a14:useLocalDpi xmlns:a14="http://schemas.microsoft.com/office/drawing/2010/main" val="0"/>
-              </a:ext>
-            </a:extLst>
-          </a:blip>
-          <a:stretch>
-            <a:fillRect/>
-          </a:stretch>
-        </p:blipFill>
-        <p:spPr>
-          <a:xfrm>
-            <a:off x="3680317" y="1161787"/>
-            <a:ext cx="3629025" cy="952500"/>
-          </a:xfrm>
-          <a:prstGeom prst="rect">
-            <a:avLst/>
-          </a:prstGeom>
-        </p:spPr>
-      </p:pic>
-    </p:spTree>
-    <p:extLst>
-      <p:ext uri="{BB962C8B-B14F-4D97-AF65-F5344CB8AC3E}">
-        <p14:creationId xmlns:p14="http://schemas.microsoft.com/office/powerpoint/2010/main" val="1894436392"/>
-      </p:ext>
-    </p:extLst>
-  </p:cSld>
-  <p:clrMapOvr>
-    <a:masterClrMapping/>
-  </p:clrMapOvr>
-  <p:timing>
-    <p:tnLst>
-      <p:par>
-        <p:cTn id="1" dur="indefinite" restart="never" nodeType="tmRoot"/>
-      </p:par>
-    </p:tnLst>
-  </p:timing>
-</p:sld>
-</file>
-
-<file path=ppt/slides/slide23.xml><?xml version="1.0" encoding="utf-8"?>
-<p:sld xmlns:a="http://schemas.openxmlformats.org/drawingml/2006/main" xmlns:r="http://schemas.openxmlformats.org/officeDocument/2006/relationships" xmlns:p="http://schemas.openxmlformats.org/presentationml/2006/main">
-  <p:cSld>
-    <p:spTree>
-      <p:nvGrpSpPr>
-        <p:cNvPr id="1" name=""/>
-        <p:cNvGrpSpPr/>
-        <p:nvPr/>
-      </p:nvGrpSpPr>
-      <p:grpSpPr>
-        <a:xfrm>
-          <a:off x="0" y="0"/>
-          <a:ext cx="0" cy="0"/>
-          <a:chOff x="0" y="0"/>
-          <a:chExt cx="0" cy="0"/>
-        </a:xfrm>
-      </p:grpSpPr>
-      <p:sp>
-        <p:nvSpPr>
-          <p:cNvPr id="2" name="Titre 1">
-            <a:extLst>
-              <a:ext uri="{FF2B5EF4-FFF2-40B4-BE49-F238E27FC236}">
-                <a16:creationId xmlns:a16="http://schemas.microsoft.com/office/drawing/2014/main" id="{C02C5318-1A1E-49D0-B2E2-A4B0FA9E8A40}"/>
-              </a:ext>
-            </a:extLst>
-          </p:cNvPr>
-          <p:cNvSpPr>
-            <a:spLocks noGrp="1"/>
-          </p:cNvSpPr>
-          <p:nvPr>
-            <p:ph type="ctrTitle"/>
-          </p:nvPr>
-        </p:nvSpPr>
-        <p:spPr>
-          <a:xfrm>
-            <a:off x="330791" y="4545068"/>
-            <a:ext cx="8245162" cy="671433"/>
-          </a:xfrm>
-        </p:spPr>
-        <p:txBody>
-          <a:bodyPr rtlCol="0">
-            <a:noAutofit/>
-          </a:bodyPr>
-          <a:lstStyle/>
-          <a:p>
-            <a:pPr algn="r" rtl="0"/>
-            <a:r>
-              <a:rPr lang="fr-FR" sz="3150" dirty="0" smtClean="0">
-                <a:solidFill>
-                  <a:schemeClr val="bg1"/>
-                </a:solidFill>
-              </a:rPr>
-              <a:t>Un mot sur la « </a:t>
-            </a:r>
-            <a:r>
-              <a:rPr lang="fr-FR" sz="3150" dirty="0" err="1" smtClean="0">
-                <a:solidFill>
-                  <a:schemeClr val="bg1"/>
-                </a:solidFill>
-              </a:rPr>
-              <a:t>parallel</a:t>
-            </a:r>
-            <a:r>
-              <a:rPr lang="fr-FR" sz="3150" dirty="0" smtClean="0">
-                <a:solidFill>
-                  <a:schemeClr val="bg1"/>
-                </a:solidFill>
-              </a:rPr>
-              <a:t> STL »</a:t>
-            </a:r>
-            <a:endParaRPr lang="fr-FR" sz="3150" dirty="0">
-              <a:solidFill>
-                <a:schemeClr val="bg1"/>
-              </a:solidFill>
-            </a:endParaRPr>
-          </a:p>
-        </p:txBody>
-      </p:sp>
-      <p:sp>
-        <p:nvSpPr>
-          <p:cNvPr id="6" name="ZoneTexte 5"/>
-          <p:cNvSpPr txBox="1"/>
-          <p:nvPr/>
-        </p:nvSpPr>
-        <p:spPr>
-          <a:xfrm>
-            <a:off x="330791" y="588580"/>
-            <a:ext cx="3757733" cy="1862048"/>
-          </a:xfrm>
-          <a:prstGeom prst="rect">
-            <a:avLst/>
-          </a:prstGeom>
-          <a:noFill/>
-        </p:spPr>
-        <p:txBody>
-          <a:bodyPr wrap="square" rtlCol="0">
-            <a:spAutoFit/>
-          </a:bodyPr>
-          <a:lstStyle/>
-          <a:p>
-            <a:r>
-              <a:rPr lang="fr-FR" sz="11500" b="1" spc="50" dirty="0" smtClean="0">
-                <a:ln w="9525" cmpd="sng">
-                  <a:solidFill>
-                    <a:schemeClr val="accent1"/>
-                  </a:solidFill>
-                  <a:prstDash val="solid"/>
-                </a:ln>
-                <a:solidFill>
-                  <a:srgbClr val="70AD47">
-                    <a:tint val="1000"/>
-                  </a:srgbClr>
-                </a:solidFill>
-                <a:effectLst>
-                  <a:glow rad="38100">
-                    <a:schemeClr val="accent1">
-                      <a:alpha val="40000"/>
-                    </a:schemeClr>
-                  </a:glow>
-                </a:effectLst>
-              </a:rPr>
-              <a:t>04</a:t>
-            </a:r>
-            <a:endParaRPr lang="fr-FR" sz="11500" dirty="0">
-              <a:ln w="0"/>
-              <a:solidFill>
-                <a:schemeClr val="accent1"/>
-              </a:solidFill>
-              <a:effectLst>
-                <a:outerShdw blurRad="38100" dist="25400" dir="5400000" algn="ctr" rotWithShape="0">
-                  <a:srgbClr val="6E747A">
-                    <a:alpha val="43000"/>
-                  </a:srgbClr>
-                </a:outerShdw>
-              </a:effectLst>
-            </a:endParaRPr>
-          </a:p>
-        </p:txBody>
-      </p:sp>
-      <p:sp>
-        <p:nvSpPr>
-          <p:cNvPr id="3" name="Espace réservé du numéro de diapositive 2"/>
-          <p:cNvSpPr>
-            <a:spLocks noGrp="1"/>
-          </p:cNvSpPr>
-          <p:nvPr>
-            <p:ph type="sldNum" sz="quarter" idx="12"/>
-          </p:nvPr>
-        </p:nvSpPr>
-        <p:spPr/>
-        <p:txBody>
-          <a:bodyPr/>
-          <a:lstStyle/>
-          <a:p>
-            <a:pPr rtl="0"/>
-            <a:fld id="{D57F1E4F-1CFF-5643-939E-217C01CDF565}" type="slidenum">
-              <a:rPr lang="fr-FR" noProof="0" smtClean="0"/>
-              <a:pPr rtl="0"/>
-              <a:t>23</a:t>
+              <a:t>24</a:t>
             </a:fld>
             <a:endParaRPr lang="fr-FR" noProof="0"/>
           </a:p>
@@ -22571,7 +24547,7 @@
 </p:sld>
 </file>
 
-<file path=ppt/slides/slide24.xml><?xml version="1.0" encoding="utf-8"?>
+<file path=ppt/slides/slide25.xml><?xml version="1.0" encoding="utf-8"?>
 <p:sld xmlns:a="http://schemas.openxmlformats.org/drawingml/2006/main" xmlns:r="http://schemas.openxmlformats.org/officeDocument/2006/relationships" xmlns:p="http://schemas.openxmlformats.org/presentationml/2006/main">
   <p:cSld>
     <p:spTree>
@@ -22637,7 +24613,7 @@
             <a:fld id="{D57F1E4F-1CFF-5643-939E-217C01CDF565}" type="slidenum">
               <a:rPr lang="fr-FR" smtClean="0"/>
               <a:pPr/>
-              <a:t>24</a:t>
+              <a:t>25</a:t>
             </a:fld>
             <a:endParaRPr lang="fr-FR" dirty="0"/>
           </a:p>
@@ -23177,336 +25153,6 @@
 </p:sld>
 </file>
 
-<file path=ppt/slides/slide25.xml><?xml version="1.0" encoding="utf-8"?>
-<p:sld xmlns:a="http://schemas.openxmlformats.org/drawingml/2006/main" xmlns:r="http://schemas.openxmlformats.org/officeDocument/2006/relationships" xmlns:p="http://schemas.openxmlformats.org/presentationml/2006/main">
-  <p:cSld>
-    <p:spTree>
-      <p:nvGrpSpPr>
-        <p:cNvPr id="1" name=""/>
-        <p:cNvGrpSpPr/>
-        <p:nvPr/>
-      </p:nvGrpSpPr>
-      <p:grpSpPr>
-        <a:xfrm>
-          <a:off x="0" y="0"/>
-          <a:ext cx="0" cy="0"/>
-          <a:chOff x="0" y="0"/>
-          <a:chExt cx="0" cy="0"/>
-        </a:xfrm>
-      </p:grpSpPr>
-      <p:sp>
-        <p:nvSpPr>
-          <p:cNvPr id="2" name="Titre 1"/>
-          <p:cNvSpPr>
-            <a:spLocks noGrp="1"/>
-          </p:cNvSpPr>
-          <p:nvPr>
-            <p:ph type="title"/>
-          </p:nvPr>
-        </p:nvSpPr>
-        <p:spPr/>
-        <p:txBody>
-          <a:bodyPr/>
-          <a:lstStyle/>
-          <a:p>
-            <a:r>
-              <a:rPr lang="fr-FR" dirty="0" smtClean="0"/>
-              <a:t>Limitations…</a:t>
-            </a:r>
-            <a:endParaRPr lang="fr-FR" dirty="0"/>
-          </a:p>
-        </p:txBody>
-      </p:sp>
-      <p:sp>
-        <p:nvSpPr>
-          <p:cNvPr id="3" name="Espace réservé du contenu 2"/>
-          <p:cNvSpPr>
-            <a:spLocks noGrp="1"/>
-          </p:cNvSpPr>
-          <p:nvPr>
-            <p:ph idx="1"/>
-          </p:nvPr>
-        </p:nvSpPr>
-        <p:spPr/>
-        <p:txBody>
-          <a:bodyPr/>
-          <a:lstStyle/>
-          <a:p>
-            <a:r>
-              <a:rPr lang="fr-FR" dirty="0" smtClean="0"/>
-              <a:t>Certains algorithmes ne sont pas implémentés en version parallèle par les compilateurs.</a:t>
-            </a:r>
-          </a:p>
-          <a:p>
-            <a:r>
-              <a:rPr lang="fr-FR" dirty="0" smtClean="0"/>
-              <a:t>Chez Microsoft, des implémentation parallèle plus lentes que les versions séquentielles ont été retirées :</a:t>
-            </a:r>
-            <a:br>
-              <a:rPr lang="fr-FR" dirty="0" smtClean="0"/>
-            </a:br>
-            <a:r>
-              <a:rPr lang="en-US" dirty="0"/>
-              <a:t>(</a:t>
-            </a:r>
-            <a:r>
-              <a:rPr lang="en-US" dirty="0" smtClean="0"/>
-              <a:t>copy</a:t>
-            </a:r>
-            <a:r>
-              <a:rPr lang="en-US" dirty="0"/>
-              <a:t>, </a:t>
-            </a:r>
-            <a:r>
-              <a:rPr lang="en-US" dirty="0" err="1"/>
-              <a:t>copy_n</a:t>
-            </a:r>
-            <a:r>
-              <a:rPr lang="en-US" dirty="0"/>
-              <a:t>, fill, </a:t>
-            </a:r>
-            <a:r>
-              <a:rPr lang="en-US" dirty="0" err="1"/>
-              <a:t>fill_n</a:t>
-            </a:r>
-            <a:r>
-              <a:rPr lang="en-US" dirty="0"/>
-              <a:t>, move, reverse, </a:t>
-            </a:r>
-            <a:r>
-              <a:rPr lang="en-US" dirty="0" err="1"/>
-              <a:t>reverse_copy</a:t>
-            </a:r>
-            <a:r>
-              <a:rPr lang="en-US" dirty="0"/>
-              <a:t>, rotate, </a:t>
-            </a:r>
-            <a:r>
-              <a:rPr lang="en-US" dirty="0" err="1"/>
-              <a:t>rotate_copy</a:t>
-            </a:r>
-            <a:r>
-              <a:rPr lang="en-US" dirty="0"/>
-              <a:t>, </a:t>
-            </a:r>
-            <a:r>
-              <a:rPr lang="en-US" dirty="0" err="1" smtClean="0"/>
-              <a:t>swap_ranges</a:t>
-            </a:r>
-            <a:r>
-              <a:rPr lang="en-US" dirty="0" smtClean="0"/>
-              <a:t>)</a:t>
-            </a:r>
-            <a:br>
-              <a:rPr lang="en-US" dirty="0" smtClean="0"/>
-            </a:br>
-            <a:endParaRPr lang="en-US" dirty="0" smtClean="0"/>
-          </a:p>
-          <a:p>
-            <a:endParaRPr lang="en-US" dirty="0" smtClean="0"/>
-          </a:p>
-          <a:p>
-            <a:endParaRPr lang="en-US" dirty="0"/>
-          </a:p>
-          <a:p>
-            <a:endParaRPr lang="en-US" dirty="0" smtClean="0"/>
-          </a:p>
-          <a:p>
-            <a:endParaRPr lang="en-US" dirty="0"/>
-          </a:p>
-          <a:p>
-            <a:r>
-              <a:rPr lang="en-US" dirty="0" smtClean="0"/>
-              <a:t>Ce </a:t>
-            </a:r>
-            <a:r>
-              <a:rPr lang="en-US" dirty="0" err="1" smtClean="0"/>
-              <a:t>n’est</a:t>
-            </a:r>
-            <a:r>
-              <a:rPr lang="en-US" dirty="0" smtClean="0"/>
-              <a:t> pas </a:t>
-            </a:r>
-            <a:r>
-              <a:rPr lang="en-US" dirty="0" err="1" smtClean="0"/>
-              <a:t>uniquement</a:t>
-            </a:r>
-            <a:r>
-              <a:rPr lang="en-US" dirty="0" smtClean="0"/>
-              <a:t> de </a:t>
-            </a:r>
-            <a:r>
-              <a:rPr lang="en-US" dirty="0" err="1" smtClean="0"/>
-              <a:t>leur</a:t>
-            </a:r>
-            <a:r>
-              <a:rPr lang="en-US" dirty="0" smtClean="0"/>
-              <a:t> </a:t>
-            </a:r>
-            <a:r>
-              <a:rPr lang="en-US" dirty="0" err="1" smtClean="0"/>
-              <a:t>faute</a:t>
-            </a:r>
-            <a:r>
-              <a:rPr lang="en-US" dirty="0" smtClean="0"/>
-              <a:t>, les </a:t>
-            </a:r>
-            <a:r>
-              <a:rPr lang="en-US" dirty="0" err="1" smtClean="0"/>
-              <a:t>algo</a:t>
-            </a:r>
-            <a:r>
-              <a:rPr lang="en-US" dirty="0" smtClean="0"/>
-              <a:t> de la </a:t>
-            </a:r>
-            <a:r>
-              <a:rPr lang="en-US" dirty="0" err="1" smtClean="0"/>
-              <a:t>std</a:t>
-            </a:r>
-            <a:r>
-              <a:rPr lang="en-US" dirty="0" smtClean="0"/>
-              <a:t> </a:t>
-            </a:r>
-            <a:r>
-              <a:rPr lang="en-US" dirty="0" err="1" smtClean="0"/>
-              <a:t>sont</a:t>
-            </a:r>
-            <a:r>
-              <a:rPr lang="en-US" dirty="0" smtClean="0"/>
-              <a:t> </a:t>
-            </a:r>
-            <a:r>
-              <a:rPr lang="en-US" dirty="0" err="1" smtClean="0"/>
-              <a:t>difficilement</a:t>
-            </a:r>
-            <a:r>
-              <a:rPr lang="en-US" dirty="0" smtClean="0"/>
-              <a:t> </a:t>
-            </a:r>
-            <a:r>
-              <a:rPr lang="en-US" dirty="0" err="1" smtClean="0"/>
-              <a:t>optimisables</a:t>
-            </a:r>
-            <a:r>
-              <a:rPr lang="en-US" dirty="0"/>
-              <a:t> </a:t>
-            </a:r>
-            <a:r>
-              <a:rPr lang="en-US" dirty="0" smtClean="0"/>
-              <a:t>car </a:t>
-            </a:r>
-            <a:r>
-              <a:rPr lang="en-US" dirty="0" err="1" smtClean="0"/>
-              <a:t>limités</a:t>
-            </a:r>
-            <a:r>
-              <a:rPr lang="en-US" dirty="0" smtClean="0"/>
-              <a:t> par la </a:t>
-            </a:r>
-            <a:r>
-              <a:rPr lang="en-US" dirty="0" err="1" smtClean="0"/>
-              <a:t>bandes</a:t>
-            </a:r>
-            <a:r>
-              <a:rPr lang="en-US" dirty="0" smtClean="0"/>
-              <a:t> </a:t>
-            </a:r>
-            <a:r>
-              <a:rPr lang="en-US" dirty="0" err="1" smtClean="0"/>
-              <a:t>passantes</a:t>
-            </a:r>
-            <a:r>
-              <a:rPr lang="en-US" dirty="0" smtClean="0"/>
-              <a:t> entre les </a:t>
-            </a:r>
-            <a:r>
-              <a:rPr lang="en-US" dirty="0" err="1" smtClean="0"/>
-              <a:t>différentes</a:t>
-            </a:r>
-            <a:r>
-              <a:rPr lang="en-US" dirty="0" smtClean="0"/>
-              <a:t> </a:t>
-            </a:r>
-            <a:r>
-              <a:rPr lang="en-US" dirty="0" err="1" smtClean="0"/>
-              <a:t>mémoires</a:t>
-            </a:r>
-            <a:r>
-              <a:rPr lang="en-US" dirty="0" smtClean="0"/>
-              <a:t>…</a:t>
-            </a:r>
-            <a:endParaRPr lang="fr-FR" dirty="0" smtClean="0"/>
-          </a:p>
-        </p:txBody>
-      </p:sp>
-      <p:sp>
-        <p:nvSpPr>
-          <p:cNvPr id="4" name="Espace réservé du numéro de diapositive 3"/>
-          <p:cNvSpPr>
-            <a:spLocks noGrp="1"/>
-          </p:cNvSpPr>
-          <p:nvPr>
-            <p:ph type="sldNum" sz="quarter" idx="12"/>
-          </p:nvPr>
-        </p:nvSpPr>
-        <p:spPr/>
-        <p:txBody>
-          <a:bodyPr/>
-          <a:lstStyle/>
-          <a:p>
-            <a:fld id="{D57F1E4F-1CFF-5643-939E-217C01CDF565}" type="slidenum">
-              <a:rPr lang="fr-FR" smtClean="0"/>
-              <a:pPr/>
-              <a:t>25</a:t>
-            </a:fld>
-            <a:endParaRPr lang="fr-FR" dirty="0"/>
-          </a:p>
-        </p:txBody>
-      </p:sp>
-      <p:pic>
-        <p:nvPicPr>
-          <p:cNvPr id="5" name="Image 4"/>
-          <p:cNvPicPr>
-            <a:picLocks noChangeAspect="1"/>
-          </p:cNvPicPr>
-          <p:nvPr/>
-        </p:nvPicPr>
-        <p:blipFill>
-          <a:blip r:embed="rId2"/>
-          <a:stretch>
-            <a:fillRect/>
-          </a:stretch>
-        </p:blipFill>
-        <p:spPr>
-          <a:xfrm>
-            <a:off x="1421130" y="2862548"/>
-            <a:ext cx="6073140" cy="1143543"/>
-          </a:xfrm>
-          <a:prstGeom prst="rect">
-            <a:avLst/>
-          </a:prstGeom>
-        </p:spPr>
-      </p:pic>
-    </p:spTree>
-    <p:extLst>
-      <p:ext uri="{BB962C8B-B14F-4D97-AF65-F5344CB8AC3E}">
-        <p14:creationId xmlns:p14="http://schemas.microsoft.com/office/powerpoint/2010/main" val="3026136424"/>
-      </p:ext>
-    </p:extLst>
-  </p:cSld>
-  <p:clrMapOvr>
-    <a:masterClrMapping/>
-  </p:clrMapOvr>
-  <p:timing>
-    <p:tnLst>
-      <p:par>
-        <p:cTn id="1" dur="indefinite" restart="never" nodeType="tmRoot"/>
-      </p:par>
-    </p:tnLst>
-  </p:timing>
-</p:sld>
-</file>
-
 <file path=ppt/slides/slide26.xml><?xml version="1.0" encoding="utf-8"?>
 <p:sld xmlns:a="http://schemas.openxmlformats.org/drawingml/2006/main" xmlns:r="http://schemas.openxmlformats.org/officeDocument/2006/relationships" xmlns:p="http://schemas.openxmlformats.org/presentationml/2006/main">
   <p:cSld>
@@ -23541,15 +25187,7 @@
           <a:p>
             <a:r>
               <a:rPr lang="fr-FR" dirty="0" smtClean="0"/>
-              <a:t>Conclusion sur la « </a:t>
-            </a:r>
-            <a:r>
-              <a:rPr lang="fr-FR" dirty="0" err="1" smtClean="0"/>
-              <a:t>Parallel</a:t>
-            </a:r>
-            <a:r>
-              <a:rPr lang="fr-FR" dirty="0" smtClean="0"/>
-              <a:t> STL »</a:t>
+              <a:t>Limitations…</a:t>
             </a:r>
             <a:endParaRPr lang="fr-FR" dirty="0"/>
           </a:p>
@@ -23567,44 +25205,217 @@
         </p:nvSpPr>
         <p:spPr/>
         <p:txBody>
-          <a:bodyPr>
-            <a:normAutofit/>
-          </a:bodyPr>
+          <a:bodyPr/>
           <a:lstStyle/>
           <a:p>
             <a:r>
-              <a:rPr lang="fr-FR" sz="1800" dirty="0" smtClean="0"/>
-              <a:t>À utiliser lorsque :</a:t>
-            </a:r>
-          </a:p>
-          <a:p>
-            <a:pPr lvl="1"/>
-            <a:r>
-              <a:rPr lang="fr-FR" sz="1800" dirty="0" smtClean="0"/>
-              <a:t>on </a:t>
-            </a:r>
-            <a:r>
-              <a:rPr lang="fr-FR" sz="1800" dirty="0"/>
-              <a:t>travaille sur d</a:t>
-            </a:r>
-            <a:r>
-              <a:rPr lang="fr-FR" sz="1800" dirty="0" smtClean="0"/>
-              <a:t>es données de (très) grande dimensions</a:t>
-            </a:r>
-          </a:p>
-          <a:p>
-            <a:pPr lvl="1"/>
-            <a:r>
-              <a:rPr lang="fr-FR" sz="1800" dirty="0" smtClean="0"/>
-              <a:t>Les calculs sont conséquents par rapport aux transferts mémoire</a:t>
-            </a:r>
-          </a:p>
-          <a:p>
-            <a:pPr lvl="1"/>
-            <a:r>
-              <a:rPr lang="fr-FR" sz="1800" dirty="0" smtClean="0"/>
-              <a:t>On a pas le temps et on veut juste faire en sorte que ça aille (un peu) plus vite</a:t>
-            </a:r>
+              <a:rPr lang="fr-FR" dirty="0" smtClean="0"/>
+              <a:t>Certains algorithmes ne sont pas implémentés en version parallèle par les compilateurs.</a:t>
+            </a:r>
+          </a:p>
+          <a:p>
+            <a:r>
+              <a:rPr lang="fr-FR" dirty="0" smtClean="0"/>
+              <a:t>Chez Microsoft, des implémentation parallèle plus lentes que les versions séquentielles ont été retirées :</a:t>
+            </a:r>
+            <a:br>
+              <a:rPr lang="fr-FR" dirty="0" smtClean="0"/>
+            </a:br>
+            <a:r>
+              <a:rPr lang="en-US" dirty="0"/>
+              <a:t>(</a:t>
+            </a:r>
+            <a:r>
+              <a:rPr lang="en-US" dirty="0" smtClean="0"/>
+              <a:t>copy</a:t>
+            </a:r>
+            <a:r>
+              <a:rPr lang="en-US" dirty="0"/>
+              <a:t>, </a:t>
+            </a:r>
+            <a:r>
+              <a:rPr lang="en-US" dirty="0" err="1"/>
+              <a:t>copy_n</a:t>
+            </a:r>
+            <a:r>
+              <a:rPr lang="en-US" dirty="0"/>
+              <a:t>, fill, </a:t>
+            </a:r>
+            <a:r>
+              <a:rPr lang="en-US" dirty="0" err="1"/>
+              <a:t>fill_n</a:t>
+            </a:r>
+            <a:r>
+              <a:rPr lang="en-US" dirty="0"/>
+              <a:t>, move, reverse, </a:t>
+            </a:r>
+            <a:r>
+              <a:rPr lang="en-US" dirty="0" err="1"/>
+              <a:t>reverse_copy</a:t>
+            </a:r>
+            <a:r>
+              <a:rPr lang="en-US" dirty="0"/>
+              <a:t>, rotate, </a:t>
+            </a:r>
+            <a:r>
+              <a:rPr lang="en-US" dirty="0" err="1"/>
+              <a:t>rotate_copy</a:t>
+            </a:r>
+            <a:r>
+              <a:rPr lang="en-US" dirty="0"/>
+              <a:t>, </a:t>
+            </a:r>
+            <a:r>
+              <a:rPr lang="en-US" dirty="0" err="1" smtClean="0"/>
+              <a:t>swap_ranges</a:t>
+            </a:r>
+            <a:r>
+              <a:rPr lang="en-US" dirty="0" smtClean="0"/>
+              <a:t>)</a:t>
+            </a:r>
+            <a:br>
+              <a:rPr lang="en-US" dirty="0" smtClean="0"/>
+            </a:br>
+            <a:endParaRPr lang="en-US" dirty="0" smtClean="0"/>
+          </a:p>
+          <a:p>
+            <a:endParaRPr lang="en-US" dirty="0" smtClean="0"/>
+          </a:p>
+          <a:p>
+            <a:endParaRPr lang="en-US" dirty="0"/>
+          </a:p>
+          <a:p>
+            <a:endParaRPr lang="en-US" dirty="0" smtClean="0"/>
+          </a:p>
+          <a:p>
+            <a:endParaRPr lang="en-US" dirty="0"/>
+          </a:p>
+          <a:p>
+            <a:r>
+              <a:rPr lang="en-US" dirty="0" smtClean="0"/>
+              <a:t>Ce </a:t>
+            </a:r>
+            <a:r>
+              <a:rPr lang="en-US" dirty="0" err="1" smtClean="0"/>
+              <a:t>n’est</a:t>
+            </a:r>
+            <a:r>
+              <a:rPr lang="en-US" dirty="0" smtClean="0"/>
+              <a:t> pas </a:t>
+            </a:r>
+            <a:r>
+              <a:rPr lang="en-US" dirty="0" err="1" smtClean="0"/>
+              <a:t>uniquement</a:t>
+            </a:r>
+            <a:r>
+              <a:rPr lang="en-US" dirty="0" smtClean="0"/>
+              <a:t> de </a:t>
+            </a:r>
+            <a:r>
+              <a:rPr lang="en-US" dirty="0" err="1" smtClean="0"/>
+              <a:t>leur</a:t>
+            </a:r>
+            <a:r>
+              <a:rPr lang="en-US" dirty="0" smtClean="0"/>
+              <a:t> </a:t>
+            </a:r>
+            <a:r>
+              <a:rPr lang="en-US" dirty="0" err="1" smtClean="0"/>
+              <a:t>faute</a:t>
+            </a:r>
+            <a:r>
+              <a:rPr lang="en-US" dirty="0" smtClean="0"/>
+              <a:t>, les </a:t>
+            </a:r>
+            <a:r>
+              <a:rPr lang="en-US" dirty="0" err="1" smtClean="0"/>
+              <a:t>algo</a:t>
+            </a:r>
+            <a:r>
+              <a:rPr lang="en-US" dirty="0" smtClean="0"/>
+              <a:t> de la </a:t>
+            </a:r>
+            <a:r>
+              <a:rPr lang="en-US" dirty="0" err="1" smtClean="0"/>
+              <a:t>std</a:t>
+            </a:r>
+            <a:r>
+              <a:rPr lang="en-US" dirty="0" smtClean="0"/>
+              <a:t> </a:t>
+            </a:r>
+            <a:r>
+              <a:rPr lang="en-US" dirty="0" err="1" smtClean="0"/>
+              <a:t>sont</a:t>
+            </a:r>
+            <a:r>
+              <a:rPr lang="en-US" dirty="0" smtClean="0"/>
+              <a:t> </a:t>
+            </a:r>
+            <a:r>
+              <a:rPr lang="en-US" dirty="0" err="1" smtClean="0"/>
+              <a:t>difficilement</a:t>
+            </a:r>
+            <a:r>
+              <a:rPr lang="en-US" dirty="0" smtClean="0"/>
+              <a:t> </a:t>
+            </a:r>
+            <a:r>
+              <a:rPr lang="en-US" dirty="0" err="1" smtClean="0"/>
+              <a:t>optimisables</a:t>
+            </a:r>
+            <a:r>
+              <a:rPr lang="en-US" dirty="0"/>
+              <a:t> </a:t>
+            </a:r>
+            <a:r>
+              <a:rPr lang="en-US" dirty="0" smtClean="0"/>
+              <a:t>car </a:t>
+            </a:r>
+            <a:r>
+              <a:rPr lang="en-US" dirty="0" err="1" smtClean="0"/>
+              <a:t>limités</a:t>
+            </a:r>
+            <a:r>
+              <a:rPr lang="en-US" dirty="0" smtClean="0"/>
+              <a:t> par la </a:t>
+            </a:r>
+            <a:r>
+              <a:rPr lang="en-US" b="1" dirty="0" err="1" smtClean="0"/>
+              <a:t>bandes</a:t>
+            </a:r>
+            <a:r>
+              <a:rPr lang="en-US" b="1" dirty="0" smtClean="0"/>
+              <a:t> </a:t>
+            </a:r>
+            <a:r>
+              <a:rPr lang="en-US" b="1" dirty="0" err="1" smtClean="0"/>
+              <a:t>passantes</a:t>
+            </a:r>
+            <a:r>
+              <a:rPr lang="en-US" b="1" dirty="0" smtClean="0"/>
+              <a:t> </a:t>
+            </a:r>
+            <a:r>
+              <a:rPr lang="en-US" dirty="0" smtClean="0"/>
+              <a:t>entre les </a:t>
+            </a:r>
+            <a:r>
+              <a:rPr lang="en-US" dirty="0" err="1" smtClean="0"/>
+              <a:t>différentes</a:t>
+            </a:r>
+            <a:r>
+              <a:rPr lang="en-US" dirty="0" smtClean="0"/>
+              <a:t> </a:t>
+            </a:r>
+            <a:r>
+              <a:rPr lang="en-US" dirty="0" err="1" smtClean="0"/>
+              <a:t>mémoires</a:t>
+            </a:r>
+            <a:r>
+              <a:rPr lang="en-US" dirty="0" smtClean="0"/>
+              <a:t>…</a:t>
+            </a:r>
+            <a:endParaRPr lang="fr-FR" dirty="0" smtClean="0"/>
           </a:p>
         </p:txBody>
       </p:sp>
@@ -23632,10 +25443,34 @@
           </a:p>
         </p:txBody>
       </p:sp>
+      <p:pic>
+        <p:nvPicPr>
+          <p:cNvPr id="5" name="Image 4"/>
+          <p:cNvPicPr>
+            <a:picLocks noChangeAspect="1"/>
+          </p:cNvPicPr>
+          <p:nvPr/>
+        </p:nvPicPr>
+        <p:blipFill>
+          <a:blip r:embed="rId2"/>
+          <a:stretch>
+            <a:fillRect/>
+          </a:stretch>
+        </p:blipFill>
+        <p:spPr>
+          <a:xfrm>
+            <a:off x="1421130" y="2862548"/>
+            <a:ext cx="6073140" cy="1143543"/>
+          </a:xfrm>
+          <a:prstGeom prst="rect">
+            <a:avLst/>
+          </a:prstGeom>
+        </p:spPr>
+      </p:pic>
     </p:spTree>
     <p:extLst>
       <p:ext uri="{BB962C8B-B14F-4D97-AF65-F5344CB8AC3E}">
-        <p14:creationId xmlns:p14="http://schemas.microsoft.com/office/powerpoint/2010/main" val="3502047743"/>
+        <p14:creationId xmlns:p14="http://schemas.microsoft.com/office/powerpoint/2010/main" val="3026136424"/>
       </p:ext>
     </p:extLst>
   </p:cSld>
@@ -23686,7 +25521,15 @@
           <a:p>
             <a:r>
               <a:rPr lang="fr-FR" dirty="0" smtClean="0"/>
-              <a:t>Ressources</a:t>
+              <a:t>Conclusion sur la « </a:t>
+            </a:r>
+            <a:r>
+              <a:rPr lang="fr-FR" dirty="0" err="1" smtClean="0"/>
+              <a:t>Parallel</a:t>
+            </a:r>
+            <a:r>
+              <a:rPr lang="fr-FR" dirty="0" smtClean="0"/>
+              <a:t> STL »</a:t>
             </a:r>
             <a:endParaRPr lang="fr-FR" dirty="0"/>
           </a:p>
@@ -23694,20 +25537,15 @@
       </p:sp>
       <p:sp>
         <p:nvSpPr>
-          <p:cNvPr id="7" name="Espace réservé du contenu 6"/>
+          <p:cNvPr id="3" name="Espace réservé du contenu 2"/>
           <p:cNvSpPr>
             <a:spLocks noGrp="1"/>
           </p:cNvSpPr>
           <p:nvPr>
-            <p:ph type="body" idx="1"/>
+            <p:ph idx="1"/>
           </p:nvPr>
         </p:nvSpPr>
-        <p:spPr>
-          <a:xfrm>
-            <a:off x="665414" y="1489197"/>
-            <a:ext cx="3815306" cy="446671"/>
-          </a:xfrm>
-        </p:spPr>
+        <p:spPr/>
         <p:txBody>
           <a:bodyPr>
             <a:normAutofit/>
@@ -23715,94 +25553,42 @@
           <a:lstStyle/>
           <a:p>
             <a:r>
-              <a:rPr lang="fr-FR" dirty="0" smtClean="0"/>
-              <a:t>Documentation</a:t>
-            </a:r>
-            <a:endParaRPr lang="fr-FR" dirty="0"/>
-          </a:p>
-        </p:txBody>
-      </p:sp>
-      <p:sp>
-        <p:nvSpPr>
-          <p:cNvPr id="8" name="Espace réservé du contenu 7"/>
-          <p:cNvSpPr>
-            <a:spLocks noGrp="1"/>
-          </p:cNvSpPr>
-          <p:nvPr>
-            <p:ph sz="half" idx="2"/>
-          </p:nvPr>
-        </p:nvSpPr>
-        <p:spPr/>
-        <p:txBody>
-          <a:bodyPr/>
-          <a:lstStyle/>
-          <a:p>
-            <a:r>
-              <a:rPr lang="fr-FR" dirty="0" smtClean="0"/>
-              <a:t>Spécifications complètes : </a:t>
-            </a:r>
-            <a:r>
-              <a:rPr lang="fr-FR" dirty="0" smtClean="0">
-                <a:hlinkClick r:id="rId2"/>
-              </a:rPr>
-              <a:t>https</a:t>
-            </a:r>
-            <a:r>
-              <a:rPr lang="fr-FR" dirty="0">
-                <a:hlinkClick r:id="rId2"/>
-              </a:rPr>
-              <a:t>://www.openmp.org//</a:t>
-            </a:r>
-            <a:r>
-              <a:rPr lang="fr-FR" dirty="0" smtClean="0">
-                <a:hlinkClick r:id="rId2"/>
-              </a:rPr>
-              <a:t>wp-content/uploads/openmp-4.5.pdf</a:t>
-            </a:r>
-            <a:endParaRPr lang="fr-FR" dirty="0" smtClean="0"/>
-          </a:p>
-          <a:p>
-            <a:r>
-              <a:rPr lang="fr-FR" dirty="0" smtClean="0"/>
-              <a:t>Doc </a:t>
-            </a:r>
-            <a:r>
-              <a:rPr lang="fr-FR" dirty="0"/>
-              <a:t>M</a:t>
-            </a:r>
-            <a:r>
-              <a:rPr lang="fr-FR" dirty="0" smtClean="0"/>
-              <a:t>icrosoft avec des exemples :</a:t>
-            </a:r>
-            <a:r>
-              <a:rPr lang="fr-FR" dirty="0"/>
-              <a:t/>
-            </a:r>
-            <a:br>
-              <a:rPr lang="fr-FR" dirty="0"/>
-            </a:br>
-            <a:r>
-              <a:rPr lang="fr-FR" dirty="0" smtClean="0">
-                <a:hlinkClick r:id="rId3"/>
-              </a:rPr>
-              <a:t>https</a:t>
-            </a:r>
-            <a:r>
-              <a:rPr lang="fr-FR" dirty="0">
-                <a:hlinkClick r:id="rId3"/>
-              </a:rPr>
-              <a:t>://</a:t>
-            </a:r>
-            <a:r>
-              <a:rPr lang="fr-FR" dirty="0" smtClean="0">
-                <a:hlinkClick r:id="rId3"/>
-              </a:rPr>
-              <a:t>docs.microsoft.com/fr-fr/cpp/parallel/openmp/reference/openmp-directives</a:t>
-            </a:r>
-            <a:endParaRPr lang="fr-FR" dirty="0" smtClean="0"/>
-          </a:p>
-          <a:p>
-            <a:endParaRPr lang="fr-FR" dirty="0"/>
+              <a:rPr lang="fr-FR" sz="1800" dirty="0" smtClean="0"/>
+              <a:t>À utiliser lorsque :</a:t>
+            </a:r>
+          </a:p>
+          <a:p>
+            <a:pPr lvl="1"/>
+            <a:r>
+              <a:rPr lang="fr-FR" sz="1800" dirty="0"/>
+              <a:t>O</a:t>
+            </a:r>
+            <a:r>
+              <a:rPr lang="fr-FR" sz="1800" dirty="0" smtClean="0"/>
+              <a:t>n </a:t>
+            </a:r>
+            <a:r>
+              <a:rPr lang="fr-FR" sz="1800" dirty="0"/>
+              <a:t>travaille sur d</a:t>
+            </a:r>
+            <a:r>
+              <a:rPr lang="fr-FR" sz="1800" dirty="0" smtClean="0"/>
+              <a:t>es données de (très) grande dimension</a:t>
+            </a:r>
+          </a:p>
+          <a:p>
+            <a:pPr lvl="1"/>
+            <a:r>
+              <a:rPr lang="fr-FR" sz="1800" dirty="0" smtClean="0"/>
+              <a:t>Les calculs sont conséquents par rapport aux transferts mémoire</a:t>
+            </a:r>
+          </a:p>
+          <a:p>
+            <a:pPr lvl="1"/>
+            <a:r>
+              <a:rPr lang="fr-FR" sz="1800" dirty="0" smtClean="0"/>
+              <a:t>On n’a pas le temps et on veut juste faire en sorte que ça aille (un peu) plus vite</a:t>
+            </a:r>
           </a:p>
         </p:txBody>
       </p:sp>
@@ -23830,14 +25616,240 @@
           </a:p>
         </p:txBody>
       </p:sp>
+    </p:spTree>
+    <p:extLst>
+      <p:ext uri="{BB962C8B-B14F-4D97-AF65-F5344CB8AC3E}">
+        <p14:creationId xmlns:p14="http://schemas.microsoft.com/office/powerpoint/2010/main" val="3502047743"/>
+      </p:ext>
+    </p:extLst>
+  </p:cSld>
+  <p:clrMapOvr>
+    <a:masterClrMapping/>
+  </p:clrMapOvr>
+  <p:timing>
+    <p:tnLst>
+      <p:par>
+        <p:cTn id="1" dur="indefinite" restart="never" nodeType="tmRoot"/>
+      </p:par>
+    </p:tnLst>
+  </p:timing>
+</p:sld>
+</file>
+
+<file path=ppt/slides/slide28.xml><?xml version="1.0" encoding="utf-8"?>
+<p:sld xmlns:a="http://schemas.openxmlformats.org/drawingml/2006/main" xmlns:r="http://schemas.openxmlformats.org/officeDocument/2006/relationships" xmlns:p="http://schemas.openxmlformats.org/presentationml/2006/main">
+  <p:cSld>
+    <p:spTree>
+      <p:nvGrpSpPr>
+        <p:cNvPr id="1" name=""/>
+        <p:cNvGrpSpPr/>
+        <p:nvPr/>
+      </p:nvGrpSpPr>
+      <p:grpSpPr>
+        <a:xfrm>
+          <a:off x="0" y="0"/>
+          <a:ext cx="0" cy="0"/>
+          <a:chOff x="0" y="0"/>
+          <a:chExt cx="0" cy="0"/>
+        </a:xfrm>
+      </p:grpSpPr>
+      <p:pic>
+        <p:nvPicPr>
+          <p:cNvPr id="7" name="Image 6" descr="Connexions numériques">
+            <a:extLst>
+              <a:ext uri="{FF2B5EF4-FFF2-40B4-BE49-F238E27FC236}">
+                <a16:creationId xmlns:a16="http://schemas.microsoft.com/office/drawing/2014/main" id="{3840F91C-EDD0-4D4E-A4AB-E6C77856C88C}"/>
+              </a:ext>
+            </a:extLst>
+          </p:cNvPr>
+          <p:cNvPicPr>
+            <a:picLocks noChangeAspect="1"/>
+          </p:cNvPicPr>
+          <p:nvPr/>
+        </p:nvPicPr>
+        <p:blipFill rotWithShape="1">
+          <a:blip r:embed="rId3" cstate="screen">
+            <a:extLst>
+              <a:ext uri="{28A0092B-C50C-407E-A947-70E740481C1C}">
+                <a14:useLocalDpi xmlns:a14="http://schemas.microsoft.com/office/drawing/2010/main"/>
+              </a:ext>
+            </a:extLst>
+          </a:blip>
+          <a:srcRect l="13265" t="9091" r="3502" b="-1"/>
+          <a:stretch/>
+        </p:blipFill>
+        <p:spPr>
+          <a:xfrm>
+            <a:off x="15" y="0"/>
+            <a:ext cx="9143985" cy="5714999"/>
+          </a:xfrm>
+          <a:prstGeom prst="rect">
+            <a:avLst/>
+          </a:prstGeom>
+        </p:spPr>
+      </p:pic>
       <p:sp>
         <p:nvSpPr>
-          <p:cNvPr id="3" name="Espace réservé du texte 2"/>
+          <p:cNvPr id="4" name="Rectangle 3"/>
+          <p:cNvSpPr/>
+          <p:nvPr/>
+        </p:nvSpPr>
+        <p:spPr>
+          <a:xfrm>
+            <a:off x="435893" y="3583152"/>
+            <a:ext cx="8392798" cy="1166649"/>
+          </a:xfrm>
+          <a:prstGeom prst="rect">
+            <a:avLst/>
+          </a:prstGeom>
+        </p:spPr>
+        <p:style>
+          <a:lnRef idx="2">
+            <a:schemeClr val="accent1">
+              <a:shade val="50000"/>
+            </a:schemeClr>
+          </a:lnRef>
+          <a:fillRef idx="1">
+            <a:schemeClr val="accent1"/>
+          </a:fillRef>
+          <a:effectRef idx="0">
+            <a:schemeClr val="accent1"/>
+          </a:effectRef>
+          <a:fontRef idx="minor">
+            <a:schemeClr val="lt1"/>
+          </a:fontRef>
+        </p:style>
+        <p:txBody>
+          <a:bodyPr rtlCol="0" anchor="ctr"/>
+          <a:lstStyle/>
+          <a:p>
+            <a:pPr algn="ctr"/>
+            <a:endParaRPr lang="fr-FR"/>
+          </a:p>
+        </p:txBody>
+      </p:sp>
+      <p:sp>
+        <p:nvSpPr>
+          <p:cNvPr id="2" name="Titre 1">
+            <a:extLst>
+              <a:ext uri="{FF2B5EF4-FFF2-40B4-BE49-F238E27FC236}">
+                <a16:creationId xmlns:a16="http://schemas.microsoft.com/office/drawing/2014/main" id="{C02C5318-1A1E-49D0-B2E2-A4B0FA9E8A40}"/>
+              </a:ext>
+            </a:extLst>
+          </p:cNvPr>
           <p:cNvSpPr>
             <a:spLocks noGrp="1"/>
           </p:cNvSpPr>
           <p:nvPr>
-            <p:ph type="body" sz="quarter" idx="3"/>
+            <p:ph type="ctrTitle"/>
+          </p:nvPr>
+        </p:nvSpPr>
+        <p:spPr>
+          <a:xfrm>
+            <a:off x="435894" y="3714750"/>
+            <a:ext cx="8245162" cy="671433"/>
+          </a:xfrm>
+        </p:spPr>
+        <p:txBody>
+          <a:bodyPr rtlCol="0">
+            <a:noAutofit/>
+          </a:bodyPr>
+          <a:lstStyle/>
+          <a:p>
+            <a:pPr algn="r" rtl="0"/>
+            <a:r>
+              <a:rPr lang="fr-FR" sz="3150" dirty="0" smtClean="0">
+                <a:solidFill>
+                  <a:schemeClr val="bg1"/>
+                </a:solidFill>
+              </a:rPr>
+              <a:t>A suivre : GPGPU avec CUDA</a:t>
+            </a:r>
+            <a:endParaRPr lang="fr-FR" sz="3150" dirty="0">
+              <a:solidFill>
+                <a:schemeClr val="bg1"/>
+              </a:solidFill>
+            </a:endParaRPr>
+          </a:p>
+        </p:txBody>
+      </p:sp>
+      <p:sp>
+        <p:nvSpPr>
+          <p:cNvPr id="3" name="Sous-titre 2">
+            <a:extLst>
+              <a:ext uri="{FF2B5EF4-FFF2-40B4-BE49-F238E27FC236}">
+                <a16:creationId xmlns:a16="http://schemas.microsoft.com/office/drawing/2014/main" id="{48B6CF59-4E5B-494D-A2F7-97ADD01E6497}"/>
+              </a:ext>
+            </a:extLst>
+          </p:cNvPr>
+          <p:cNvSpPr>
+            <a:spLocks noGrp="1"/>
+          </p:cNvSpPr>
+          <p:nvPr>
+            <p:ph type="subTitle" idx="1"/>
+          </p:nvPr>
+        </p:nvSpPr>
+        <p:spPr>
+          <a:xfrm>
+            <a:off x="435895" y="4386184"/>
+            <a:ext cx="8245160" cy="363617"/>
+          </a:xfrm>
+        </p:spPr>
+        <p:txBody>
+          <a:bodyPr rtlCol="0">
+            <a:normAutofit/>
+          </a:bodyPr>
+          <a:lstStyle/>
+          <a:p>
+            <a:pPr algn="r" rtl="0"/>
+            <a:r>
+              <a:rPr lang="fr-FR" dirty="0" smtClean="0">
+                <a:solidFill>
+                  <a:srgbClr val="7CEBFF"/>
+                </a:solidFill>
+              </a:rPr>
+              <a:t>Formation interne </a:t>
+            </a:r>
+            <a:r>
+              <a:rPr lang="fr-FR" dirty="0" err="1" smtClean="0">
+                <a:solidFill>
+                  <a:srgbClr val="7CEBFF"/>
+                </a:solidFill>
+              </a:rPr>
+              <a:t>scalian</a:t>
+            </a:r>
+            <a:r>
+              <a:rPr lang="fr-FR" dirty="0">
+                <a:solidFill>
+                  <a:srgbClr val="7CEBFF"/>
+                </a:solidFill>
+              </a:rPr>
+              <a:t> </a:t>
+            </a:r>
+            <a:r>
+              <a:rPr lang="fr-FR" dirty="0" smtClean="0">
+                <a:solidFill>
+                  <a:srgbClr val="7CEBFF"/>
+                </a:solidFill>
+              </a:rPr>
+              <a:t>les 7 et 8 décembre 2020</a:t>
+            </a:r>
+            <a:endParaRPr lang="fr-FR" dirty="0">
+              <a:solidFill>
+                <a:srgbClr val="7CEBFF"/>
+              </a:solidFill>
+            </a:endParaRPr>
+          </a:p>
+        </p:txBody>
+      </p:sp>
+      <p:sp>
+        <p:nvSpPr>
+          <p:cNvPr id="5" name="Espace réservé du numéro de diapositive 4"/>
+          <p:cNvSpPr>
+            <a:spLocks noGrp="1"/>
+          </p:cNvSpPr>
+          <p:nvPr>
+            <p:ph type="sldNum" sz="quarter" idx="12"/>
           </p:nvPr>
         </p:nvSpPr>
         <p:spPr/>
@@ -23845,96 +25857,20 @@
           <a:bodyPr/>
           <a:lstStyle/>
           <a:p>
-            <a:r>
-              <a:rPr lang="fr-FR" dirty="0" smtClean="0"/>
-              <a:t>Autres </a:t>
-            </a:r>
-            <a:r>
-              <a:rPr lang="fr-FR" dirty="0" err="1" smtClean="0"/>
-              <a:t>pragma</a:t>
-            </a:r>
-            <a:endParaRPr lang="fr-FR" dirty="0"/>
-          </a:p>
-        </p:txBody>
-      </p:sp>
-      <p:sp>
-        <p:nvSpPr>
-          <p:cNvPr id="5" name="Espace réservé du contenu 4"/>
-          <p:cNvSpPr>
-            <a:spLocks noGrp="1"/>
-          </p:cNvSpPr>
-          <p:nvPr>
-            <p:ph sz="quarter" idx="4"/>
-          </p:nvPr>
-        </p:nvSpPr>
-        <p:spPr/>
-        <p:txBody>
-          <a:bodyPr/>
-          <a:lstStyle/>
-          <a:p>
-            <a:r>
-              <a:rPr lang="fr-FR" dirty="0" smtClean="0"/>
-              <a:t>#</a:t>
-            </a:r>
-            <a:r>
-              <a:rPr lang="fr-FR" dirty="0" err="1" smtClean="0"/>
-              <a:t>pragma</a:t>
-            </a:r>
-            <a:r>
-              <a:rPr lang="fr-FR" dirty="0" smtClean="0"/>
-              <a:t> </a:t>
-            </a:r>
-            <a:r>
-              <a:rPr lang="fr-FR" dirty="0" err="1" smtClean="0"/>
-              <a:t>omp</a:t>
-            </a:r>
-            <a:r>
-              <a:rPr lang="fr-FR" dirty="0" smtClean="0"/>
-              <a:t> flush(&lt;var&gt;)</a:t>
-            </a:r>
-            <a:br>
-              <a:rPr lang="fr-FR" dirty="0" smtClean="0"/>
-            </a:br>
-            <a:r>
-              <a:rPr lang="fr-FR" dirty="0" smtClean="0"/>
-              <a:t>permet de synchroniser des données entre les threads (threads qui travaillent dans des sections différentes mais sur les mêmes données par exemple)</a:t>
-            </a:r>
-          </a:p>
-          <a:p>
-            <a:r>
-              <a:rPr lang="fr-FR" dirty="0" smtClean="0"/>
-              <a:t>#</a:t>
-            </a:r>
-            <a:r>
-              <a:rPr lang="fr-FR" dirty="0" err="1" smtClean="0"/>
-              <a:t>pragma</a:t>
-            </a:r>
-            <a:r>
-              <a:rPr lang="fr-FR" dirty="0" smtClean="0"/>
-              <a:t> </a:t>
-            </a:r>
-            <a:r>
-              <a:rPr lang="fr-FR" dirty="0" err="1" smtClean="0"/>
-              <a:t>omp</a:t>
-            </a:r>
-            <a:r>
-              <a:rPr lang="fr-FR" dirty="0" smtClean="0"/>
-              <a:t> master</a:t>
-            </a:r>
-            <a:br>
-              <a:rPr lang="fr-FR" dirty="0" smtClean="0"/>
-            </a:br>
-            <a:r>
-              <a:rPr lang="fr-FR" dirty="0" smtClean="0"/>
-              <a:t>Idem single sauf que c’est le master qui fait obligatoirement le boulot et qu’il n’y a pas de barrière implicite à la fin</a:t>
-            </a:r>
+            <a:pPr rtl="0"/>
+            <a:fld id="{D57F1E4F-1CFF-5643-939E-217C01CDF565}" type="slidenum">
+              <a:rPr lang="fr-FR" noProof="0" smtClean="0"/>
+              <a:pPr rtl="0"/>
+              <a:t>28</a:t>
+            </a:fld>
+            <a:endParaRPr lang="fr-FR" noProof="0"/>
           </a:p>
         </p:txBody>
       </p:sp>
     </p:spTree>
     <p:extLst>
       <p:ext uri="{BB962C8B-B14F-4D97-AF65-F5344CB8AC3E}">
-        <p14:creationId xmlns:p14="http://schemas.microsoft.com/office/powerpoint/2010/main" val="3161530298"/>
+        <p14:creationId xmlns:p14="http://schemas.microsoft.com/office/powerpoint/2010/main" val="3532464224"/>
       </p:ext>
     </p:extLst>
   </p:cSld>
@@ -25040,7 +26976,7 @@
         </p:nvSpPr>
         <p:spPr>
           <a:xfrm>
-            <a:off x="7239205" y="3567046"/>
+            <a:off x="7344308" y="3004118"/>
             <a:ext cx="1592180" cy="1477328"/>
           </a:xfrm>
           <a:prstGeom prst="rect">
@@ -25318,7 +27254,11 @@
             </a:r>
             <a:r>
               <a:rPr lang="en-US" dirty="0" err="1"/>
-              <a:t>stroustrup</a:t>
+              <a:t>S</a:t>
+            </a:r>
+            <a:r>
+              <a:rPr lang="en-US" dirty="0" err="1" smtClean="0"/>
+              <a:t>troustrup</a:t>
             </a:r>
             <a:endParaRPr lang="fr-FR" dirty="0"/>
           </a:p>
@@ -25449,6 +27389,15 @@
         <p:blipFill>
           <a:blip r:embed="rId3">
             <a:extLst>
+              <a:ext uri="{BEBA8EAE-BF5A-486C-A8C5-ECC9F3942E4B}">
+                <a14:imgProps xmlns:a14="http://schemas.microsoft.com/office/drawing/2010/main">
+                  <a14:imgLayer r:embed="rId4">
+                    <a14:imgEffect>
+                      <a14:backgroundRemoval t="0" b="100000" l="0" r="100000"/>
+                    </a14:imgEffect>
+                  </a14:imgLayer>
+                </a14:imgProps>
+              </a:ext>
               <a:ext uri="{28A0092B-C50C-407E-A947-70E740481C1C}">
                 <a14:useLocalDpi xmlns:a14="http://schemas.microsoft.com/office/drawing/2010/main" val="0"/>
               </a:ext>
@@ -25608,7 +27557,15 @@
                   <a:schemeClr val="bg1"/>
                 </a:solidFill>
               </a:rPr>
-              <a:t>la base</a:t>
+              <a:t>Utiliser </a:t>
+            </a:r>
+            <a:r>
+              <a:rPr lang="fr-FR" sz="3150" dirty="0" err="1" smtClean="0">
+                <a:solidFill>
+                  <a:schemeClr val="bg1"/>
+                </a:solidFill>
+              </a:rPr>
+              <a:t>OpenMP</a:t>
             </a:r>
             <a:endParaRPr lang="fr-FR" sz="3150" dirty="0">
               <a:solidFill>
@@ -25812,7 +27769,7 @@
         </p:spPr>
         <p:txBody>
           <a:bodyPr>
-            <a:normAutofit lnSpcReduction="10000"/>
+            <a:normAutofit/>
           </a:bodyPr>
           <a:lstStyle/>
           <a:p>
@@ -25929,8 +27886,21 @@
           <a:p>
             <a:r>
               <a:rPr lang="fr-FR" dirty="0"/>
-              <a:t>il faut avoir une idée précise de l'algorithme et avoir découper en amont son problème</a:t>
-            </a:r>
+              <a:t>il faut avoir une idée précise de l'algorithme et avoir </a:t>
+            </a:r>
+            <a:r>
+              <a:rPr lang="fr-FR" dirty="0" smtClean="0"/>
+              <a:t>découpé </a:t>
+            </a:r>
+            <a:r>
+              <a:rPr lang="fr-FR" dirty="0"/>
+              <a:t>en amont son </a:t>
+            </a:r>
+            <a:r>
+              <a:rPr lang="fr-FR" dirty="0" smtClean="0"/>
+              <a:t>problème car :</a:t>
+            </a:r>
+            <a:endParaRPr lang="fr-FR" dirty="0"/>
           </a:p>
           <a:p>
             <a:r>
@@ -25992,49 +27962,13 @@
             </a:r>
             <a:r>
               <a:rPr lang="fr-FR" dirty="0"/>
-              <a:t> ...</a:t>
-            </a:r>
-          </a:p>
-          <a:p>
+              <a:t> </a:t>
+            </a:r>
             <a:r>
               <a:rPr lang="fr-FR" dirty="0" smtClean="0"/>
-              <a:t>Nécessite le </a:t>
-            </a:r>
-            <a:r>
-              <a:rPr lang="fr-FR" dirty="0" err="1" smtClean="0"/>
-              <a:t>include</a:t>
-            </a:r>
-            <a:r>
-              <a:rPr lang="fr-FR" dirty="0"/>
-              <a:t/>
-            </a:r>
-            <a:br>
-              <a:rPr lang="fr-FR" dirty="0"/>
-            </a:br>
-            <a:r>
-              <a:rPr lang="fr-FR" dirty="0" smtClean="0"/>
-              <a:t>		#</a:t>
-            </a:r>
-            <a:r>
-              <a:rPr lang="fr-FR" dirty="0" err="1" smtClean="0"/>
-              <a:t>include</a:t>
-            </a:r>
-            <a:r>
-              <a:rPr lang="fr-FR" dirty="0" smtClean="0"/>
-              <a:t> </a:t>
-            </a:r>
-            <a:r>
-              <a:rPr lang="fr-FR" dirty="0"/>
-              <a:t>&lt;</a:t>
-            </a:r>
-            <a:r>
-              <a:rPr lang="fr-FR" dirty="0" err="1"/>
-              <a:t>omp.h</a:t>
-            </a:r>
-            <a:r>
-              <a:rPr lang="fr-FR" dirty="0"/>
-              <a:t>&gt;</a:t>
-            </a:r>
+              <a:t>...</a:t>
+            </a:r>
+            <a:endParaRPr lang="fr-FR" dirty="0"/>
           </a:p>
         </p:txBody>
       </p:sp>
@@ -26069,7 +28003,7 @@
           <p:nvPr>
             <p:extLst>
               <p:ext uri="{D42A27DB-BD31-4B8C-83A1-F6EECF244321}">
-                <p14:modId xmlns:p14="http://schemas.microsoft.com/office/powerpoint/2010/main" val="2254015489"/>
+                <p14:modId xmlns:p14="http://schemas.microsoft.com/office/powerpoint/2010/main" val="258983464"/>
               </p:ext>
             </p:extLst>
           </p:nvPr>
@@ -28369,14 +30303,6 @@
 </file>
 
 <file path=customXml/item1.xml><?xml version="1.0" encoding="utf-8"?>
-<p:properties xmlns:p="http://schemas.microsoft.com/office/2006/metadata/properties" xmlns:xsi="http://www.w3.org/2001/XMLSchema-instance" xmlns:pc="http://schemas.microsoft.com/office/infopath/2007/PartnerControls">
-  <documentManagement>
-    <MediaServiceKeyPoints xmlns="71af3243-3dd4-4a8d-8c0d-dd76da1f02a5" xsi:nil="true"/>
-  </documentManagement>
-</p:properties>
-</file>
-
-<file path=customXml/item2.xml><?xml version="1.0" encoding="utf-8"?>
 <ct:contentTypeSchema xmlns:ct="http://schemas.microsoft.com/office/2006/metadata/contentType" xmlns:ma="http://schemas.microsoft.com/office/2006/metadata/properties/metaAttributes" ct:_="" ma:_="" ma:contentTypeName="Document" ma:contentTypeID="0x01010079F111ED35F8CC479449609E8A0923A6" ma:contentTypeVersion="11" ma:contentTypeDescription="Create a new document." ma:contentTypeScope="" ma:versionID="9677210f24a1be23c92c90fd886aa0aa">
   <xsd:schema xmlns:xsd="http://www.w3.org/2001/XMLSchema" xmlns:xs="http://www.w3.org/2001/XMLSchema" xmlns:p="http://schemas.microsoft.com/office/2006/metadata/properties" xmlns:ns2="71af3243-3dd4-4a8d-8c0d-dd76da1f02a5" xmlns:ns3="16c05727-aa75-4e4a-9b5f-8a80a1165891" targetNamespace="http://schemas.microsoft.com/office/2006/metadata/properties" ma:root="true" ma:fieldsID="60e05723c5c1908df1a1a4ebf11d344e" ns2:_="" ns3:_="">
     <xsd:import namespace="71af3243-3dd4-4a8d-8c0d-dd76da1f02a5"/>
@@ -28587,7 +30513,7 @@
 </ct:contentTypeSchema>
 </file>
 
-<file path=customXml/item3.xml><?xml version="1.0" encoding="utf-8"?>
+<file path=customXml/item2.xml><?xml version="1.0" encoding="utf-8"?>
 <?mso-contentType ?>
 <FormTemplates xmlns="http://schemas.microsoft.com/sharepoint/v3/contenttype/forms">
   <Display>DocumentLibraryForm</Display>
@@ -28596,24 +30522,15 @@
 </FormTemplates>
 </file>
 
-<file path=customXml/itemProps1.xml><?xml version="1.0" encoding="utf-8"?>
-<ds:datastoreItem xmlns:ds="http://schemas.openxmlformats.org/officeDocument/2006/customXml" ds:itemID="{F651EF32-6551-47EB-8BA9-22EF81F3DDAC}">
-  <ds:schemaRefs>
-    <ds:schemaRef ds:uri="http://purl.org/dc/elements/1.1/"/>
-    <ds:schemaRef ds:uri="http://purl.org/dc/terms/"/>
-    <ds:schemaRef ds:uri="http://schemas.openxmlformats.org/package/2006/metadata/core-properties"/>
-    <ds:schemaRef ds:uri="http://schemas.microsoft.com/office/2006/metadata/properties"/>
-    <ds:schemaRef ds:uri="http://schemas.microsoft.com/office/2006/documentManagement/types"/>
-    <ds:schemaRef ds:uri="http://www.w3.org/XML/1998/namespace"/>
-    <ds:schemaRef ds:uri="http://schemas.microsoft.com/office/infopath/2007/PartnerControls"/>
-    <ds:schemaRef ds:uri="http://purl.org/dc/dcmitype/"/>
-    <ds:schemaRef ds:uri="16c05727-aa75-4e4a-9b5f-8a80a1165891"/>
-    <ds:schemaRef ds:uri="71af3243-3dd4-4a8d-8c0d-dd76da1f02a5"/>
-  </ds:schemaRefs>
-</ds:datastoreItem>
+<file path=customXml/item3.xml><?xml version="1.0" encoding="utf-8"?>
+<p:properties xmlns:p="http://schemas.microsoft.com/office/2006/metadata/properties" xmlns:xsi="http://www.w3.org/2001/XMLSchema-instance" xmlns:pc="http://schemas.microsoft.com/office/infopath/2007/PartnerControls">
+  <documentManagement>
+    <MediaServiceKeyPoints xmlns="71af3243-3dd4-4a8d-8c0d-dd76da1f02a5" xsi:nil="true"/>
+  </documentManagement>
+</p:properties>
 </file>
 
-<file path=customXml/itemProps2.xml><?xml version="1.0" encoding="utf-8"?>
+<file path=customXml/itemProps1.xml><?xml version="1.0" encoding="utf-8"?>
 <ds:datastoreItem xmlns:ds="http://schemas.openxmlformats.org/officeDocument/2006/customXml" ds:itemID="{1EED214C-B51A-4B75-8B08-0E0DBD2305BE}">
   <ds:schemaRefs>
     <ds:schemaRef ds:uri="http://schemas.microsoft.com/office/2006/metadata/contentType"/>
@@ -28632,10 +30549,27 @@
 </ds:datastoreItem>
 </file>
 
-<file path=customXml/itemProps3.xml><?xml version="1.0" encoding="utf-8"?>
+<file path=customXml/itemProps2.xml><?xml version="1.0" encoding="utf-8"?>
 <ds:datastoreItem xmlns:ds="http://schemas.openxmlformats.org/officeDocument/2006/customXml" ds:itemID="{2B21BF1A-59D3-4E19-9B95-2FD4309AC3AF}">
   <ds:schemaRefs>
     <ds:schemaRef ds:uri="http://schemas.microsoft.com/sharepoint/v3/contenttype/forms"/>
   </ds:schemaRefs>
 </ds:datastoreItem>
+</file>
+
+<file path=customXml/itemProps3.xml><?xml version="1.0" encoding="utf-8"?>
+<ds:datastoreItem xmlns:ds="http://schemas.openxmlformats.org/officeDocument/2006/customXml" ds:itemID="{F651EF32-6551-47EB-8BA9-22EF81F3DDAC}">
+  <ds:schemaRefs>
+    <ds:schemaRef ds:uri="http://purl.org/dc/dcmitype/"/>
+    <ds:schemaRef ds:uri="16c05727-aa75-4e4a-9b5f-8a80a1165891"/>
+    <ds:schemaRef ds:uri="71af3243-3dd4-4a8d-8c0d-dd76da1f02a5"/>
+    <ds:schemaRef ds:uri="http://schemas.openxmlformats.org/package/2006/metadata/core-properties"/>
+    <ds:schemaRef ds:uri="http://schemas.microsoft.com/office/2006/documentManagement/types"/>
+    <ds:schemaRef ds:uri="http://purl.org/dc/elements/1.1/"/>
+    <ds:schemaRef ds:uri="http://purl.org/dc/terms/"/>
+    <ds:schemaRef ds:uri="http://schemas.microsoft.com/office/infopath/2007/PartnerControls"/>
+    <ds:schemaRef ds:uri="http://schemas.microsoft.com/office/2006/metadata/properties"/>
+    <ds:schemaRef ds:uri="http://www.w3.org/XML/1998/namespace"/>
+  </ds:schemaRefs>
+</ds:datastoreItem>
 </file>
--- a/Diapos/HPC_OpenMP.pptx
+++ b/Diapos/HPC_OpenMP.pptx
@@ -2965,22 +2965,22 @@
     </dgm:pt>
   </dgm:ptLst>
   <dgm:cxnLst>
-    <dgm:cxn modelId="{C172A71B-3FD7-4AF9-AED9-C99A9F7EC62D}" type="presOf" srcId="{9A3FA3B6-B19C-48CC-9A7D-88B41FBA0944}" destId="{F3B0776B-159F-40F7-B411-785C6143B6C8}" srcOrd="0" destOrd="0" presId="urn:microsoft.com/office/officeart/2008/layout/AlternatingHexagons"/>
+    <dgm:cxn modelId="{EDC5C0EE-3CFA-4174-8484-1CEF58AB45AA}" type="presOf" srcId="{7D519928-F629-4C0C-BA58-C99014E46FEE}" destId="{4EEC18B6-F3BA-47C2-A1A7-C01805B14C96}" srcOrd="0" destOrd="0" presId="urn:microsoft.com/office/officeart/2008/layout/AlternatingHexagons"/>
+    <dgm:cxn modelId="{18116D99-AFEE-4830-BBF2-79A646BDC808}" type="presOf" srcId="{173C2A75-1452-4B64-8313-917089D8DFC0}" destId="{26BD9A6B-AB41-45CC-96CC-C2510A8EF554}" srcOrd="0" destOrd="0" presId="urn:microsoft.com/office/officeart/2008/layout/AlternatingHexagons"/>
     <dgm:cxn modelId="{9E1CB2D1-0A5A-4E84-93C7-118A6FBCF85C}" srcId="{7D519928-F629-4C0C-BA58-C99014E46FEE}" destId="{859592AD-7AB4-4C4F-9B25-E3623F0DF70A}" srcOrd="1" destOrd="0" parTransId="{3537D842-CFDF-4E41-9AAF-A83EAEFA4948}" sibTransId="{486601B4-DE93-4F8C-8190-7FD2B06AF5A4}"/>
+    <dgm:cxn modelId="{293E5741-53F2-4D49-809E-3BA22D8D163D}" srcId="{906DEEDF-3516-400B-A5CF-991DDE78F426}" destId="{1E3C0B2B-73C4-4A09-A2AB-BA2870DDB8CE}" srcOrd="0" destOrd="0" parTransId="{02620790-C665-4BF4-8DF2-70ACD6351D4F}" sibTransId="{62E1CF89-E40A-4B9A-A547-DADC65AA2846}"/>
     <dgm:cxn modelId="{50DF7F18-BA1E-4259-9A7C-84A7CF715686}" type="presOf" srcId="{936C40D7-0477-4012-A6DC-C30F3072BD5E}" destId="{A72AA96D-56D6-4987-8B7D-8D737D420BFF}" srcOrd="0" destOrd="0" presId="urn:microsoft.com/office/officeart/2008/layout/AlternatingHexagons"/>
     <dgm:cxn modelId="{BEC9E196-1367-43AB-9D42-576631E8E8A6}" type="presOf" srcId="{486601B4-DE93-4F8C-8190-7FD2B06AF5A4}" destId="{71AB584D-6443-4C01-83D2-27937E8E0E5D}" srcOrd="0" destOrd="0" presId="urn:microsoft.com/office/officeart/2008/layout/AlternatingHexagons"/>
+    <dgm:cxn modelId="{2150CC5B-3F91-48DE-B1BE-BB5C808D22F4}" type="presOf" srcId="{1E3C0B2B-73C4-4A09-A2AB-BA2870DDB8CE}" destId="{11961B43-C585-4451-912D-7FFF9CC25D0E}" srcOrd="0" destOrd="0" presId="urn:microsoft.com/office/officeart/2008/layout/AlternatingHexagons"/>
+    <dgm:cxn modelId="{B12DE14E-1540-4E32-8C83-12CE60937DB4}" type="presOf" srcId="{906DEEDF-3516-400B-A5CF-991DDE78F426}" destId="{5EE09466-F72E-4777-A785-D2C18E787EAD}" srcOrd="0" destOrd="0" presId="urn:microsoft.com/office/officeart/2008/layout/AlternatingHexagons"/>
+    <dgm:cxn modelId="{56C69434-9A5A-492B-B144-14C0CA9855C4}" type="presOf" srcId="{40723BC5-173D-4BC5-8F0F-2ED90014491E}" destId="{EEB2D41D-EB47-4C9B-ADD5-36FF436C356A}" srcOrd="0" destOrd="0" presId="urn:microsoft.com/office/officeart/2008/layout/AlternatingHexagons"/>
+    <dgm:cxn modelId="{A60286BF-8E64-411B-90B8-2CE79AD0116C}" srcId="{173C2A75-1452-4B64-8313-917089D8DFC0}" destId="{747541CC-E364-466E-BA2A-A78FECAFB421}" srcOrd="0" destOrd="0" parTransId="{2F995320-F2B2-4F21-9E01-105E09014B17}" sibTransId="{9A187F0A-60A3-4F71-9A07-F39CEC262DDF}"/>
+    <dgm:cxn modelId="{6DB3B17F-94D9-4433-9102-2C0050736339}" type="presOf" srcId="{747541CC-E364-466E-BA2A-A78FECAFB421}" destId="{2E8F5C8A-D740-4739-818D-1CDA7D542C36}" srcOrd="0" destOrd="0" presId="urn:microsoft.com/office/officeart/2008/layout/AlternatingHexagons"/>
+    <dgm:cxn modelId="{72F8878A-6886-422C-805E-8E50DBEC6A3A}" type="presOf" srcId="{859592AD-7AB4-4C4F-9B25-E3623F0DF70A}" destId="{904CDA54-AA78-4393-A14E-6F8D50950597}" srcOrd="0" destOrd="0" presId="urn:microsoft.com/office/officeart/2008/layout/AlternatingHexagons"/>
     <dgm:cxn modelId="{AE702393-1822-463F-8F72-79D9D921B68F}" srcId="{859592AD-7AB4-4C4F-9B25-E3623F0DF70A}" destId="{9A3FA3B6-B19C-48CC-9A7D-88B41FBA0944}" srcOrd="0" destOrd="0" parTransId="{7814CBB4-D91A-4735-B33C-9E5F00891BB7}" sibTransId="{960ED4B8-73FC-466C-8C33-DEA5B98FCCBE}"/>
-    <dgm:cxn modelId="{2150CC5B-3F91-48DE-B1BE-BB5C808D22F4}" type="presOf" srcId="{1E3C0B2B-73C4-4A09-A2AB-BA2870DDB8CE}" destId="{11961B43-C585-4451-912D-7FFF9CC25D0E}" srcOrd="0" destOrd="0" presId="urn:microsoft.com/office/officeart/2008/layout/AlternatingHexagons"/>
-    <dgm:cxn modelId="{72F8878A-6886-422C-805E-8E50DBEC6A3A}" type="presOf" srcId="{859592AD-7AB4-4C4F-9B25-E3623F0DF70A}" destId="{904CDA54-AA78-4393-A14E-6F8D50950597}" srcOrd="0" destOrd="0" presId="urn:microsoft.com/office/officeart/2008/layout/AlternatingHexagons"/>
-    <dgm:cxn modelId="{18116D99-AFEE-4830-BBF2-79A646BDC808}" type="presOf" srcId="{173C2A75-1452-4B64-8313-917089D8DFC0}" destId="{26BD9A6B-AB41-45CC-96CC-C2510A8EF554}" srcOrd="0" destOrd="0" presId="urn:microsoft.com/office/officeart/2008/layout/AlternatingHexagons"/>
-    <dgm:cxn modelId="{A60286BF-8E64-411B-90B8-2CE79AD0116C}" srcId="{173C2A75-1452-4B64-8313-917089D8DFC0}" destId="{747541CC-E364-466E-BA2A-A78FECAFB421}" srcOrd="0" destOrd="0" parTransId="{2F995320-F2B2-4F21-9E01-105E09014B17}" sibTransId="{9A187F0A-60A3-4F71-9A07-F39CEC262DDF}"/>
-    <dgm:cxn modelId="{EDC5C0EE-3CFA-4174-8484-1CEF58AB45AA}" type="presOf" srcId="{7D519928-F629-4C0C-BA58-C99014E46FEE}" destId="{4EEC18B6-F3BA-47C2-A1A7-C01805B14C96}" srcOrd="0" destOrd="0" presId="urn:microsoft.com/office/officeart/2008/layout/AlternatingHexagons"/>
-    <dgm:cxn modelId="{6DB3B17F-94D9-4433-9102-2C0050736339}" type="presOf" srcId="{747541CC-E364-466E-BA2A-A78FECAFB421}" destId="{2E8F5C8A-D740-4739-818D-1CDA7D542C36}" srcOrd="0" destOrd="0" presId="urn:microsoft.com/office/officeart/2008/layout/AlternatingHexagons"/>
-    <dgm:cxn modelId="{293E5741-53F2-4D49-809E-3BA22D8D163D}" srcId="{906DEEDF-3516-400B-A5CF-991DDE78F426}" destId="{1E3C0B2B-73C4-4A09-A2AB-BA2870DDB8CE}" srcOrd="0" destOrd="0" parTransId="{02620790-C665-4BF4-8DF2-70ACD6351D4F}" sibTransId="{62E1CF89-E40A-4B9A-A547-DADC65AA2846}"/>
-    <dgm:cxn modelId="{B12DE14E-1540-4E32-8C83-12CE60937DB4}" type="presOf" srcId="{906DEEDF-3516-400B-A5CF-991DDE78F426}" destId="{5EE09466-F72E-4777-A785-D2C18E787EAD}" srcOrd="0" destOrd="0" presId="urn:microsoft.com/office/officeart/2008/layout/AlternatingHexagons"/>
     <dgm:cxn modelId="{C6445346-3ECD-45EE-896B-A21A2DABF556}" srcId="{7D519928-F629-4C0C-BA58-C99014E46FEE}" destId="{173C2A75-1452-4B64-8313-917089D8DFC0}" srcOrd="2" destOrd="0" parTransId="{C98BFD36-367B-4F69-A4D2-3B712167275C}" sibTransId="{40723BC5-173D-4BC5-8F0F-2ED90014491E}"/>
+    <dgm:cxn modelId="{C172A71B-3FD7-4AF9-AED9-C99A9F7EC62D}" type="presOf" srcId="{9A3FA3B6-B19C-48CC-9A7D-88B41FBA0944}" destId="{F3B0776B-159F-40F7-B411-785C6143B6C8}" srcOrd="0" destOrd="0" presId="urn:microsoft.com/office/officeart/2008/layout/AlternatingHexagons"/>
     <dgm:cxn modelId="{EDF3AF06-498C-4D52-A973-AB515D381097}" srcId="{7D519928-F629-4C0C-BA58-C99014E46FEE}" destId="{906DEEDF-3516-400B-A5CF-991DDE78F426}" srcOrd="0" destOrd="0" parTransId="{732951CA-FFD4-46D3-8C73-58E2741E2AFE}" sibTransId="{936C40D7-0477-4012-A6DC-C30F3072BD5E}"/>
-    <dgm:cxn modelId="{56C69434-9A5A-492B-B144-14C0CA9855C4}" type="presOf" srcId="{40723BC5-173D-4BC5-8F0F-2ED90014491E}" destId="{EEB2D41D-EB47-4C9B-ADD5-36FF436C356A}" srcOrd="0" destOrd="0" presId="urn:microsoft.com/office/officeart/2008/layout/AlternatingHexagons"/>
     <dgm:cxn modelId="{9E3FEF0C-1AE2-4831-A1A5-29816D1B7C30}" type="presParOf" srcId="{4EEC18B6-F3BA-47C2-A1A7-C01805B14C96}" destId="{BDD591EF-97DA-4AC6-87A8-DEF3E8993077}" srcOrd="0" destOrd="0" presId="urn:microsoft.com/office/officeart/2008/layout/AlternatingHexagons"/>
     <dgm:cxn modelId="{DD53A4DF-35C9-49A2-80E6-76125C025439}" type="presParOf" srcId="{BDD591EF-97DA-4AC6-87A8-DEF3E8993077}" destId="{5EE09466-F72E-4777-A785-D2C18E787EAD}" srcOrd="0" destOrd="0" presId="urn:microsoft.com/office/officeart/2008/layout/AlternatingHexagons"/>
     <dgm:cxn modelId="{6334F168-58D3-4A67-A843-0A9F928102C7}" type="presParOf" srcId="{BDD591EF-97DA-4AC6-87A8-DEF3E8993077}" destId="{11961B43-C585-4451-912D-7FFF9CC25D0E}" srcOrd="1" destOrd="0" presId="urn:microsoft.com/office/officeart/2008/layout/AlternatingHexagons"/>
@@ -3060,7 +3060,6 @@
             <a:rPr lang="fr-FR" dirty="0" smtClean="0"/>
             <a:t> /Qopenmp</a:t>
           </a:r>
-          <a:endParaRPr lang="fr-FR" dirty="0" smtClean="0"/>
         </a:p>
       </dgm:t>
     </dgm:pt>
@@ -3154,6 +3153,13 @@
         </dgm:presLayoutVars>
       </dgm:prSet>
       <dgm:spPr/>
+      <dgm:t>
+        <a:bodyPr/>
+        <a:lstStyle/>
+        <a:p>
+          <a:endParaRPr lang="fr-FR"/>
+        </a:p>
+      </dgm:t>
     </dgm:pt>
     <dgm:pt modelId="{8C6E6DF7-7694-4C1A-BDAF-8A436EC37668}" type="pres">
       <dgm:prSet presAssocID="{5E10594E-0C0D-4494-8EF4-2FD9271790E7}" presName="composite" presStyleCnt="0"/>
@@ -3241,11 +3247,11 @@
     </dgm:pt>
   </dgm:ptLst>
   <dgm:cxnLst>
+    <dgm:cxn modelId="{3F0D9ACF-752C-4FA6-9D7E-20CAD3D2C4C8}" type="presOf" srcId="{21DC3921-435A-4126-B6B2-340341E8349C}" destId="{6D95B4D4-E4CC-4ADE-9382-C18971221EC6}" srcOrd="0" destOrd="0" presId="urn:microsoft.com/office/officeart/2005/8/layout/vList3"/>
     <dgm:cxn modelId="{60EE13B3-905C-4BF1-9130-B60E221132F5}" type="presOf" srcId="{DB2535B9-A3D4-419A-846E-CBFD378BEF83}" destId="{FA1A7112-EEAD-42CB-9F9B-7552007E1532}" srcOrd="0" destOrd="0" presId="urn:microsoft.com/office/officeart/2005/8/layout/vList3"/>
-    <dgm:cxn modelId="{3F0D9ACF-752C-4FA6-9D7E-20CAD3D2C4C8}" type="presOf" srcId="{21DC3921-435A-4126-B6B2-340341E8349C}" destId="{6D95B4D4-E4CC-4ADE-9382-C18971221EC6}" srcOrd="0" destOrd="0" presId="urn:microsoft.com/office/officeart/2005/8/layout/vList3"/>
     <dgm:cxn modelId="{BEF3B2FB-1D32-4DB7-9421-F3716C5322B6}" srcId="{DB2535B9-A3D4-419A-846E-CBFD378BEF83}" destId="{21DC3921-435A-4126-B6B2-340341E8349C}" srcOrd="1" destOrd="0" parTransId="{C13D0177-E8A1-442F-97CC-500F344588CD}" sibTransId="{A37A08BF-ADB8-4FA8-9B2B-CFD308276BB7}"/>
+    <dgm:cxn modelId="{5B84A6A9-C8C2-4B02-8F39-98F7700AF796}" srcId="{DB2535B9-A3D4-419A-846E-CBFD378BEF83}" destId="{5E10594E-0C0D-4494-8EF4-2FD9271790E7}" srcOrd="0" destOrd="0" parTransId="{7F64C6F9-3433-42E0-905B-5AA072143484}" sibTransId="{5F7945E1-EA18-4DA3-9EC8-93C7138E2E00}"/>
     <dgm:cxn modelId="{36785724-014C-46E2-9340-B73394467618}" type="presOf" srcId="{5E10594E-0C0D-4494-8EF4-2FD9271790E7}" destId="{75007164-CD9F-4776-AC8A-3B5BE5B30664}" srcOrd="0" destOrd="0" presId="urn:microsoft.com/office/officeart/2005/8/layout/vList3"/>
-    <dgm:cxn modelId="{5B84A6A9-C8C2-4B02-8F39-98F7700AF796}" srcId="{DB2535B9-A3D4-419A-846E-CBFD378BEF83}" destId="{5E10594E-0C0D-4494-8EF4-2FD9271790E7}" srcOrd="0" destOrd="0" parTransId="{7F64C6F9-3433-42E0-905B-5AA072143484}" sibTransId="{5F7945E1-EA18-4DA3-9EC8-93C7138E2E00}"/>
     <dgm:cxn modelId="{0CA2E874-6C40-4A27-9FBD-8DF5E8F66A4E}" type="presParOf" srcId="{FA1A7112-EEAD-42CB-9F9B-7552007E1532}" destId="{8C6E6DF7-7694-4C1A-BDAF-8A436EC37668}" srcOrd="0" destOrd="0" presId="urn:microsoft.com/office/officeart/2005/8/layout/vList3"/>
     <dgm:cxn modelId="{5FF64931-BE0D-4C30-A1ED-4B0BB442B17B}" type="presParOf" srcId="{8C6E6DF7-7694-4C1A-BDAF-8A436EC37668}" destId="{C96974A1-ECFD-4D98-823A-7C60DB8D993C}" srcOrd="0" destOrd="0" presId="urn:microsoft.com/office/officeart/2005/8/layout/vList3"/>
     <dgm:cxn modelId="{1741EC0F-601B-4B55-8C6B-F0DC196FEC71}" type="presParOf" srcId="{8C6E6DF7-7694-4C1A-BDAF-8A436EC37668}" destId="{75007164-CD9F-4776-AC8A-3B5BE5B30664}" srcOrd="1" destOrd="0" presId="urn:microsoft.com/office/officeart/2005/8/layout/vList3"/>
@@ -4893,7 +4899,6 @@
             <a:rPr lang="fr-FR" sz="1200" kern="1200" dirty="0" smtClean="0"/>
             <a:t> /Qopenmp</a:t>
           </a:r>
-          <a:endParaRPr lang="fr-FR" sz="1200" kern="1200" dirty="0" smtClean="0"/>
         </a:p>
       </dsp:txBody>
       <dsp:txXfrm rot="10800000">
@@ -10087,7 +10092,7 @@
             <a:pPr rtl="0"/>
             <a:fld id="{44067F72-4B43-4EB2-81AF-1356A084F97D}" type="datetime1">
               <a:rPr lang="fr-FR" smtClean="0"/>
-              <a:t>09/02/2021</a:t>
+              <a:t>10/02/2021</a:t>
             </a:fld>
             <a:endParaRPr lang="fr-FR"/>
           </a:p>
@@ -10269,7 +10274,7 @@
             <a:pPr rtl="0"/>
             <a:fld id="{18E2C9A5-1936-47C6-ADD2-56E91A3B7AD6}" type="datetime1">
               <a:rPr lang="fr-FR" noProof="0" smtClean="0"/>
-              <a:t>09/02/2021</a:t>
+              <a:t>10/02/2021</a:t>
             </a:fld>
             <a:endParaRPr lang="fr-FR" noProof="0"/>
           </a:p>
@@ -10733,6 +10738,97 @@
             <a:pPr rtl="0"/>
             <a:fld id="{C6B3AB32-59DF-41F1-9618-EDFBF5049629}" type="slidenum">
               <a:rPr lang="fr-FR" smtClean="0"/>
+              <a:t>26</a:t>
+            </a:fld>
+            <a:endParaRPr lang="fr-FR"/>
+          </a:p>
+        </p:txBody>
+      </p:sp>
+    </p:spTree>
+    <p:extLst>
+      <p:ext uri="{BB962C8B-B14F-4D97-AF65-F5344CB8AC3E}">
+        <p14:creationId xmlns:p14="http://schemas.microsoft.com/office/powerpoint/2010/main" val="2060956633"/>
+      </p:ext>
+    </p:extLst>
+  </p:cSld>
+  <p:clrMapOvr>
+    <a:masterClrMapping/>
+  </p:clrMapOvr>
+</p:notes>
+</file>
+
+<file path=ppt/notesSlides/notesSlide11.xml><?xml version="1.0" encoding="utf-8"?>
+<p:notes xmlns:a="http://schemas.openxmlformats.org/drawingml/2006/main" xmlns:r="http://schemas.openxmlformats.org/officeDocument/2006/relationships" xmlns:p="http://schemas.openxmlformats.org/presentationml/2006/main">
+  <p:cSld>
+    <p:spTree>
+      <p:nvGrpSpPr>
+        <p:cNvPr id="1" name=""/>
+        <p:cNvGrpSpPr/>
+        <p:nvPr/>
+      </p:nvGrpSpPr>
+      <p:grpSpPr>
+        <a:xfrm>
+          <a:off x="0" y="0"/>
+          <a:ext cx="0" cy="0"/>
+          <a:chOff x="0" y="0"/>
+          <a:chExt cx="0" cy="0"/>
+        </a:xfrm>
+      </p:grpSpPr>
+      <p:sp>
+        <p:nvSpPr>
+          <p:cNvPr id="2" name="Espace réservé de l’image des diapositives 1"/>
+          <p:cNvSpPr>
+            <a:spLocks noGrp="1" noRot="1" noChangeAspect="1"/>
+          </p:cNvSpPr>
+          <p:nvPr>
+            <p:ph type="sldImg"/>
+          </p:nvPr>
+        </p:nvSpPr>
+        <p:spPr>
+          <a:xfrm>
+            <a:off x="960438" y="1143000"/>
+            <a:ext cx="4937125" cy="3086100"/>
+          </a:xfrm>
+        </p:spPr>
+      </p:sp>
+      <p:sp>
+        <p:nvSpPr>
+          <p:cNvPr id="3" name="Espace réservé des commentaires 2"/>
+          <p:cNvSpPr>
+            <a:spLocks noGrp="1"/>
+          </p:cNvSpPr>
+          <p:nvPr>
+            <p:ph type="body" idx="1"/>
+          </p:nvPr>
+        </p:nvSpPr>
+        <p:spPr/>
+        <p:txBody>
+          <a:bodyPr rtlCol="0"/>
+          <a:lstStyle/>
+          <a:p>
+            <a:pPr rtl="0"/>
+            <a:endParaRPr lang="fr-FR"/>
+          </a:p>
+        </p:txBody>
+      </p:sp>
+      <p:sp>
+        <p:nvSpPr>
+          <p:cNvPr id="4" name="Espace réservé du numéro de diapositive 3"/>
+          <p:cNvSpPr>
+            <a:spLocks noGrp="1"/>
+          </p:cNvSpPr>
+          <p:nvPr>
+            <p:ph type="sldNum" sz="quarter" idx="5"/>
+          </p:nvPr>
+        </p:nvSpPr>
+        <p:spPr/>
+        <p:txBody>
+          <a:bodyPr rtlCol="0"/>
+          <a:lstStyle/>
+          <a:p>
+            <a:pPr rtl="0"/>
+            <a:fld id="{C6B3AB32-59DF-41F1-9618-EDFBF5049629}" type="slidenum">
+              <a:rPr lang="fr-FR" smtClean="0"/>
               <a:t>30</a:t>
             </a:fld>
             <a:endParaRPr lang="fr-FR"/>
@@ -11238,37 +11334,6 @@
           <a:bodyPr/>
           <a:lstStyle/>
           <a:p>
-            <a:r>
-              <a:rPr lang="fr-FR" dirty="0" smtClean="0"/>
-              <a:t>Faire deux </a:t>
-            </a:r>
-            <a:r>
-              <a:rPr lang="fr-FR" dirty="0" smtClean="0"/>
-              <a:t>groupes</a:t>
-            </a:r>
-            <a:br>
-              <a:rPr lang="fr-FR" dirty="0" smtClean="0"/>
-            </a:br>
-            <a:r>
-              <a:rPr lang="fr-FR" dirty="0" smtClean="0"/>
-              <a:t>Introduire </a:t>
-            </a:r>
-            <a:r>
-              <a:rPr lang="fr-FR" dirty="0" err="1" smtClean="0"/>
-              <a:t>std</a:t>
-            </a:r>
-            <a:r>
-              <a:rPr lang="fr-FR" dirty="0" smtClean="0"/>
-              <a:t>::chrono</a:t>
-            </a:r>
-            <a:r>
-              <a:rPr lang="fr-FR" baseline="0" dirty="0" smtClean="0"/>
-              <a:t>::</a:t>
-            </a:r>
-            <a:r>
-              <a:rPr lang="fr-FR" baseline="0" dirty="0" err="1" smtClean="0"/>
-              <a:t>high_resolution_clock</a:t>
-            </a:r>
             <a:endParaRPr lang="fr-FR" dirty="0"/>
           </a:p>
         </p:txBody>
@@ -11291,7 +11356,7 @@
             <a:pPr rtl="0"/>
             <a:fld id="{C6B3AB32-59DF-41F1-9618-EDFBF5049629}" type="slidenum">
               <a:rPr lang="fr-FR" noProof="0" smtClean="0"/>
-              <a:t>21</a:t>
+              <a:t>19</a:t>
             </a:fld>
             <a:endParaRPr lang="fr-FR" noProof="0"/>
           </a:p>
@@ -11300,7 +11365,7 @@
     </p:spTree>
     <p:extLst>
       <p:ext uri="{BB962C8B-B14F-4D97-AF65-F5344CB8AC3E}">
-        <p14:creationId xmlns:p14="http://schemas.microsoft.com/office/powerpoint/2010/main" val="4023334306"/>
+        <p14:creationId xmlns:p14="http://schemas.microsoft.com/office/powerpoint/2010/main" val="3207361234"/>
       </p:ext>
     </p:extLst>
   </p:cSld>
@@ -11356,19 +11421,30 @@
           <a:p>
             <a:r>
               <a:rPr lang="fr-FR" dirty="0" smtClean="0"/>
-              <a:t>Aborder le </a:t>
+              <a:t>Faire deux groupes</a:t>
+            </a:r>
+            <a:br>
+              <a:rPr lang="fr-FR" dirty="0" smtClean="0"/>
+            </a:br>
+            <a:r>
+              <a:rPr lang="fr-FR" dirty="0" smtClean="0"/>
+              <a:t>Introduire </a:t>
             </a:r>
             <a:r>
               <a:rPr lang="fr-FR" dirty="0" err="1" smtClean="0"/>
-              <a:t>debugging</a:t>
+              <a:t>std</a:t>
             </a:r>
             <a:r>
               <a:rPr lang="fr-FR" dirty="0" smtClean="0"/>
-              <a:t> avec </a:t>
-            </a:r>
-            <a:r>
-              <a:rPr lang="fr-FR" dirty="0" err="1" smtClean="0"/>
-              <a:t>visual</a:t>
+              <a:t>::chrono</a:t>
+            </a:r>
+            <a:r>
+              <a:rPr lang="fr-FR" baseline="0" dirty="0" smtClean="0"/>
+              <a:t>::</a:t>
+            </a:r>
+            <a:r>
+              <a:rPr lang="fr-FR" baseline="0" dirty="0" err="1" smtClean="0"/>
+              <a:t>high_resolution_clock</a:t>
             </a:r>
             <a:endParaRPr lang="fr-FR" dirty="0"/>
           </a:p>
@@ -11392,7 +11468,7 @@
             <a:pPr rtl="0"/>
             <a:fld id="{C6B3AB32-59DF-41F1-9618-EDFBF5049629}" type="slidenum">
               <a:rPr lang="fr-FR" noProof="0" smtClean="0"/>
-              <a:t>23</a:t>
+              <a:t>21</a:t>
             </a:fld>
             <a:endParaRPr lang="fr-FR" noProof="0"/>
           </a:p>
@@ -11401,7 +11477,7 @@
     </p:spTree>
     <p:extLst>
       <p:ext uri="{BB962C8B-B14F-4D97-AF65-F5344CB8AC3E}">
-        <p14:creationId xmlns:p14="http://schemas.microsoft.com/office/powerpoint/2010/main" val="146216575"/>
+        <p14:creationId xmlns:p14="http://schemas.microsoft.com/office/powerpoint/2010/main" val="4023334306"/>
       </p:ext>
     </p:extLst>
   </p:cSld>
@@ -11457,27 +11533,20 @@
           <a:p>
             <a:r>
               <a:rPr lang="fr-FR" dirty="0" smtClean="0"/>
-              <a:t>Hello world</a:t>
-            </a:r>
-            <a:r>
-              <a:rPr lang="fr-FR" baseline="0" dirty="0" smtClean="0"/>
+              <a:t>Aborder le </a:t>
+            </a:r>
+            <a:r>
+              <a:rPr lang="fr-FR" dirty="0" err="1" smtClean="0"/>
+              <a:t>debugging</a:t>
+            </a:r>
+            <a:r>
+              <a:rPr lang="fr-FR" dirty="0" smtClean="0"/>
               <a:t> avec </a:t>
             </a:r>
             <a:r>
-              <a:rPr lang="fr-FR" baseline="0" dirty="0" err="1" smtClean="0"/>
-              <a:t>omp</a:t>
-            </a:r>
-            <a:r>
-              <a:rPr lang="fr-FR" baseline="0" dirty="0" smtClean="0"/>
-              <a:t> </a:t>
-            </a:r>
-            <a:r>
-              <a:rPr lang="fr-FR" baseline="0" dirty="0" err="1" smtClean="0"/>
-              <a:t>barrier</a:t>
-            </a:r>
-            <a:endParaRPr lang="fr-FR" baseline="0" dirty="0" smtClean="0"/>
-          </a:p>
-          <a:p>
+              <a:rPr lang="fr-FR" dirty="0" err="1" smtClean="0"/>
+              <a:t>visual</a:t>
+            </a:r>
             <a:endParaRPr lang="fr-FR" dirty="0"/>
           </a:p>
         </p:txBody>
@@ -11500,7 +11569,7 @@
             <a:pPr rtl="0"/>
             <a:fld id="{C6B3AB32-59DF-41F1-9618-EDFBF5049629}" type="slidenum">
               <a:rPr lang="fr-FR" noProof="0" smtClean="0"/>
-              <a:t>24</a:t>
+              <a:t>23</a:t>
             </a:fld>
             <a:endParaRPr lang="fr-FR" noProof="0"/>
           </a:p>
@@ -11509,7 +11578,7 @@
     </p:spTree>
     <p:extLst>
       <p:ext uri="{BB962C8B-B14F-4D97-AF65-F5344CB8AC3E}">
-        <p14:creationId xmlns:p14="http://schemas.microsoft.com/office/powerpoint/2010/main" val="249979005"/>
+        <p14:creationId xmlns:p14="http://schemas.microsoft.com/office/powerpoint/2010/main" val="146216575"/>
       </p:ext>
     </p:extLst>
   </p:cSld>
@@ -11538,7 +11607,7 @@
       </p:grpSpPr>
       <p:sp>
         <p:nvSpPr>
-          <p:cNvPr id="2" name="Espace réservé de l’image des diapositives 1"/>
+          <p:cNvPr id="2" name="Espace réservé de l'image des diapositives 1"/>
           <p:cNvSpPr>
             <a:spLocks noGrp="1" noRot="1" noChangeAspect="1"/>
           </p:cNvSpPr>
@@ -11546,16 +11615,11 @@
             <p:ph type="sldImg"/>
           </p:nvPr>
         </p:nvSpPr>
-        <p:spPr>
-          <a:xfrm>
-            <a:off x="960438" y="1143000"/>
-            <a:ext cx="4937125" cy="3086100"/>
-          </a:xfrm>
-        </p:spPr>
+        <p:spPr/>
       </p:sp>
       <p:sp>
         <p:nvSpPr>
-          <p:cNvPr id="3" name="Espace réservé des commentaires 2"/>
+          <p:cNvPr id="3" name="Espace réservé des notes 2"/>
           <p:cNvSpPr>
             <a:spLocks noGrp="1"/>
           </p:cNvSpPr>
@@ -11565,11 +11629,33 @@
         </p:nvSpPr>
         <p:spPr/>
         <p:txBody>
-          <a:bodyPr rtlCol="0"/>
+          <a:bodyPr/>
           <a:lstStyle/>
           <a:p>
-            <a:pPr rtl="0"/>
-            <a:endParaRPr lang="fr-FR"/>
+            <a:r>
+              <a:rPr lang="fr-FR" dirty="0" smtClean="0"/>
+              <a:t>Hello world</a:t>
+            </a:r>
+            <a:r>
+              <a:rPr lang="fr-FR" baseline="0" dirty="0" smtClean="0"/>
+              <a:t> avec </a:t>
+            </a:r>
+            <a:r>
+              <a:rPr lang="fr-FR" baseline="0" dirty="0" err="1" smtClean="0"/>
+              <a:t>omp</a:t>
+            </a:r>
+            <a:r>
+              <a:rPr lang="fr-FR" baseline="0" dirty="0" smtClean="0"/>
+              <a:t> </a:t>
+            </a:r>
+            <a:r>
+              <a:rPr lang="fr-FR" baseline="0" dirty="0" err="1" smtClean="0"/>
+              <a:t>barrier</a:t>
+            </a:r>
+            <a:endParaRPr lang="fr-FR" baseline="0" dirty="0" smtClean="0"/>
+          </a:p>
+          <a:p>
+            <a:endParaRPr lang="fr-FR" dirty="0"/>
           </a:p>
         </p:txBody>
       </p:sp>
@@ -11580,27 +11666,27 @@
             <a:spLocks noGrp="1"/>
           </p:cNvSpPr>
           <p:nvPr>
-            <p:ph type="sldNum" sz="quarter" idx="5"/>
+            <p:ph type="sldNum" sz="quarter" idx="10"/>
           </p:nvPr>
         </p:nvSpPr>
         <p:spPr/>
         <p:txBody>
-          <a:bodyPr rtlCol="0"/>
+          <a:bodyPr/>
           <a:lstStyle/>
           <a:p>
             <a:pPr rtl="0"/>
             <a:fld id="{C6B3AB32-59DF-41F1-9618-EDFBF5049629}" type="slidenum">
-              <a:rPr lang="fr-FR" smtClean="0"/>
-              <a:t>26</a:t>
+              <a:rPr lang="fr-FR" noProof="0" smtClean="0"/>
+              <a:t>24</a:t>
             </a:fld>
-            <a:endParaRPr lang="fr-FR"/>
+            <a:endParaRPr lang="fr-FR" noProof="0"/>
           </a:p>
         </p:txBody>
       </p:sp>
     </p:spTree>
     <p:extLst>
       <p:ext uri="{BB962C8B-B14F-4D97-AF65-F5344CB8AC3E}">
-        <p14:creationId xmlns:p14="http://schemas.microsoft.com/office/powerpoint/2010/main" val="2060956633"/>
+        <p14:creationId xmlns:p14="http://schemas.microsoft.com/office/powerpoint/2010/main" val="249979005"/>
       </p:ext>
     </p:extLst>
   </p:cSld>
@@ -11856,7 +11942,7 @@
             <a:pPr rtl="0"/>
             <a:fld id="{0403CD74-91A7-4B71-B298-50645341EDD4}" type="datetime1">
               <a:rPr lang="fr-FR" noProof="0" smtClean="0"/>
-              <a:t>09/02/2021</a:t>
+              <a:t>10/02/2021</a:t>
             </a:fld>
             <a:endParaRPr lang="fr-FR" noProof="0"/>
           </a:p>
@@ -12122,7 +12208,7 @@
             <a:pPr rtl="0"/>
             <a:fld id="{77B509D1-F8C0-4CA0-858B-2AEDA726DA78}" type="datetime1">
               <a:rPr lang="fr-FR" noProof="0" smtClean="0"/>
-              <a:t>09/02/2021</a:t>
+              <a:t>10/02/2021</a:t>
             </a:fld>
             <a:endParaRPr lang="fr-FR" noProof="0"/>
           </a:p>
@@ -12361,7 +12447,7 @@
             <a:pPr rtl="0"/>
             <a:fld id="{BFAD2B5B-47C2-4EBB-964D-B5C3690B6DFC}" type="datetime1">
               <a:rPr lang="fr-FR" noProof="0" smtClean="0"/>
-              <a:t>09/02/2021</a:t>
+              <a:t>10/02/2021</a:t>
             </a:fld>
             <a:endParaRPr lang="fr-FR" noProof="0"/>
           </a:p>
@@ -12610,7 +12696,7 @@
             <a:pPr rtl="0"/>
             <a:fld id="{4284DE75-DF3C-46A1-8E6B-C01542896712}" type="datetime1">
               <a:rPr lang="fr-FR" noProof="0" smtClean="0"/>
-              <a:t>09/02/2021</a:t>
+              <a:t>10/02/2021</a:t>
             </a:fld>
             <a:endParaRPr lang="fr-FR" noProof="0" dirty="0"/>
           </a:p>
@@ -12929,7 +13015,7 @@
             <a:pPr rtl="0"/>
             <a:fld id="{80CB3D2D-45DD-496C-AA6C-A93FD66473E3}" type="datetime1">
               <a:rPr lang="fr-FR" noProof="0" smtClean="0"/>
-              <a:t>09/02/2021</a:t>
+              <a:t>10/02/2021</a:t>
             </a:fld>
             <a:endParaRPr lang="fr-FR" noProof="0"/>
           </a:p>
@@ -13240,7 +13326,7 @@
             <a:pPr rtl="0"/>
             <a:fld id="{EFB18253-55B0-414F-8F02-5F24D4FE0C41}" type="datetime1">
               <a:rPr lang="fr-FR" noProof="0" smtClean="0"/>
-              <a:t>09/02/2021</a:t>
+              <a:t>10/02/2021</a:t>
             </a:fld>
             <a:endParaRPr lang="fr-FR" noProof="0"/>
           </a:p>
@@ -13681,7 +13767,7 @@
             <a:pPr rtl="0"/>
             <a:fld id="{A3DF8B3A-A2CC-4133-9F37-93D6DD187088}" type="datetime1">
               <a:rPr lang="fr-FR" noProof="0" smtClean="0"/>
-              <a:t>09/02/2021</a:t>
+              <a:t>10/02/2021</a:t>
             </a:fld>
             <a:endParaRPr lang="fr-FR" noProof="0"/>
           </a:p>
@@ -13793,7 +13879,7 @@
             <a:pPr rtl="0"/>
             <a:fld id="{3A376707-662B-440F-A345-984A712059E4}" type="datetime1">
               <a:rPr lang="fr-FR" noProof="0" smtClean="0"/>
-              <a:t>09/02/2021</a:t>
+              <a:t>10/02/2021</a:t>
             </a:fld>
             <a:endParaRPr lang="fr-FR" noProof="0"/>
           </a:p>
@@ -13959,7 +14045,7 @@
             <a:pPr rtl="0"/>
             <a:fld id="{8467424E-3337-4E92-BEE1-F720AC49DD1E}" type="datetime1">
               <a:rPr lang="fr-FR" noProof="0" smtClean="0"/>
-              <a:t>09/02/2021</a:t>
+              <a:t>10/02/2021</a:t>
             </a:fld>
             <a:endParaRPr lang="fr-FR" noProof="0"/>
           </a:p>
@@ -14341,7 +14427,7 @@
             <a:pPr rtl="0"/>
             <a:fld id="{D6D64502-6BA4-4CC8-8A3D-2A27850A7A08}" type="datetime1">
               <a:rPr lang="fr-FR" noProof="0" smtClean="0"/>
-              <a:t>09/02/2021</a:t>
+              <a:t>10/02/2021</a:t>
             </a:fld>
             <a:endParaRPr lang="fr-FR" noProof="0"/>
           </a:p>
@@ -14634,7 +14720,7 @@
             <a:pPr rtl="0"/>
             <a:fld id="{01C10578-73C0-4732-A884-D24ACCC97C87}" type="datetime1">
               <a:rPr lang="fr-FR" noProof="0" smtClean="0"/>
-              <a:t>09/02/2021</a:t>
+              <a:t>10/02/2021</a:t>
             </a:fld>
             <a:endParaRPr lang="fr-FR" noProof="0"/>
           </a:p>
@@ -14849,7 +14935,7 @@
             <a:pPr rtl="0"/>
             <a:fld id="{A4C732EE-BF7E-4015-ABFF-6CDED879EEBC}" type="datetime1">
               <a:rPr lang="fr-FR" noProof="0" smtClean="0"/>
-              <a:t>09/02/2021</a:t>
+              <a:t>10/02/2021</a:t>
             </a:fld>
             <a:endParaRPr lang="fr-FR" noProof="0"/>
           </a:p>
@@ -15609,15 +15695,7 @@
                   <a:srgbClr val="7CEBFF"/>
                 </a:solidFill>
               </a:rPr>
-              <a:t>Formation interne </a:t>
-            </a:r>
-            <a:r>
-              <a:rPr lang="fr-FR" dirty="0" smtClean="0">
-                <a:solidFill>
-                  <a:srgbClr val="7CEBFF"/>
-                </a:solidFill>
-              </a:rPr>
-              <a:t>scalian</a:t>
+              <a:t>Formation interne scalian</a:t>
             </a:r>
             <a:endParaRPr lang="fr-FR" dirty="0">
               <a:solidFill>
@@ -15738,7 +15816,6 @@
               <a:rPr lang="fr-FR" dirty="0"/>
               <a:t>Inclure OpenMP à son projet</a:t>
             </a:r>
-            <a:endParaRPr lang="fr-FR" dirty="0"/>
           </a:p>
         </p:txBody>
       </p:sp>
@@ -15792,11 +15869,7 @@
             </a:r>
             <a:r>
               <a:rPr lang="fr-FR" dirty="0" smtClean="0"/>
-              <a:t> </a:t>
-            </a:r>
-            <a:r>
-              <a:rPr lang="fr-FR" dirty="0" smtClean="0"/>
-              <a:t>&lt;</a:t>
+              <a:t> &lt;</a:t>
             </a:r>
             <a:r>
               <a:rPr lang="fr-FR" dirty="0" err="1" smtClean="0"/>
@@ -16874,11 +16947,6 @@
               </a:rPr>
               <a:t> thread(s)</a:t>
             </a:r>
-            <a:endParaRPr lang="fr-FR" dirty="0" smtClean="0">
-              <a:solidFill>
-                <a:srgbClr val="0066CC"/>
-              </a:solidFill>
-            </a:endParaRPr>
           </a:p>
           <a:p>
             <a:pPr marL="0" indent="0">
@@ -16886,11 +16954,7 @@
             </a:pPr>
             <a:r>
               <a:rPr lang="fr-FR" dirty="0" smtClean="0"/>
-              <a:t>	</a:t>
-            </a:r>
-            <a:r>
-              <a:rPr lang="fr-FR" dirty="0" smtClean="0"/>
-              <a:t>// </a:t>
+              <a:t>	// </a:t>
             </a:r>
             <a:r>
               <a:rPr lang="fr-FR" dirty="0" err="1" smtClean="0"/>
@@ -17054,11 +17118,7 @@
             </a:r>
             <a:r>
               <a:rPr lang="fr-FR" dirty="0" smtClean="0"/>
-              <a:t> OMP </a:t>
-            </a:r>
-            <a:r>
-              <a:rPr lang="fr-FR" dirty="0" smtClean="0"/>
-              <a:t>single</a:t>
+              <a:t> OMP single</a:t>
             </a:r>
             <a:endParaRPr lang="fr-FR" dirty="0"/>
           </a:p>
@@ -17169,21 +17229,8 @@
                   <a:schemeClr val="tx2"/>
                 </a:solidFill>
               </a:rPr>
-              <a:t>Synchronisation en fin de section single (barrière implicite</a:t>
-            </a:r>
-            <a:r>
-              <a:rPr lang="fr-FR" sz="1350" dirty="0">
-                <a:solidFill>
-                  <a:schemeClr val="tx2"/>
-                </a:solidFill>
-              </a:rPr>
-              <a:t>)</a:t>
-            </a:r>
-            <a:endParaRPr lang="fr-FR" sz="1350" dirty="0">
-              <a:solidFill>
-                <a:schemeClr val="tx2"/>
-              </a:solidFill>
-            </a:endParaRPr>
+              <a:t>Synchronisation en fin de section single (barrière implicite)</a:t>
+            </a:r>
           </a:p>
         </p:txBody>
       </p:sp>
@@ -17442,6 +17489,15 @@
               <a:t>                   </a:t>
             </a:r>
             <a:r>
+              <a:rPr lang="fr-FR" sz="1050" b="1" strike="noStrike" spc="-1" dirty="0" smtClean="0">
+                <a:solidFill>
+                  <a:srgbClr val="000000"/>
+                </a:solidFill>
+                <a:latin typeface="Courier New"/>
+              </a:rPr>
+              <a:t>	</a:t>
+            </a:r>
+            <a:r>
               <a:rPr lang="fr-FR" sz="1050" b="1" strike="noStrike" spc="-1" dirty="0" err="1" smtClean="0">
                 <a:solidFill>
                   <a:srgbClr val="000000"/>
@@ -17594,22 +17650,31 @@
               <a:t> thread %d\n", </a:t>
             </a:r>
             <a:r>
-              <a:rPr lang="fr-FR" sz="1050" b="1" strike="noStrike" spc="-1" dirty="0">
-                <a:solidFill>
-                  <a:srgbClr val="7E0021"/>
+              <a:rPr lang="fr-FR" sz="1050" b="1" strike="noStrike" spc="-1" dirty="0" smtClean="0">
+                <a:solidFill>
+                  <a:srgbClr val="000000"/>
                 </a:solidFill>
                 <a:latin typeface="Courier New"/>
               </a:rPr>
-              <a:t>i</a:t>
-            </a:r>
-            <a:r>
-              <a:rPr lang="fr-FR" sz="1050" b="1" strike="noStrike" spc="-1" dirty="0">
+              <a:t>					</a:t>
+            </a:r>
+            <a:r>
+              <a:rPr lang="fr-FR" sz="1050" b="1" spc="-1" dirty="0" err="1" smtClean="0">
                 <a:solidFill>
                   <a:srgbClr val="000000"/>
                 </a:solidFill>
                 <a:latin typeface="Courier New"/>
               </a:rPr>
-              <a:t>);</a:t>
+              <a:t>omp_get_thread_num</a:t>
+            </a:r>
+            <a:r>
+              <a:rPr lang="fr-FR" sz="1050" b="1" spc="-1" dirty="0">
+                <a:solidFill>
+                  <a:srgbClr val="000000"/>
+                </a:solidFill>
+                <a:latin typeface="Courier New"/>
+              </a:rPr>
+              <a:t>());</a:t>
             </a:r>
             <a:endParaRPr lang="fr-FR" sz="1050" b="1" strike="noStrike" spc="-1" dirty="0">
               <a:solidFill>
@@ -19386,11 +19451,7 @@
             </a:r>
             <a:r>
               <a:rPr lang="fr-FR" dirty="0" smtClean="0"/>
-              <a:t> OMP </a:t>
-            </a:r>
-            <a:r>
-              <a:rPr lang="fr-FR" dirty="0" smtClean="0"/>
-              <a:t>Section(s)</a:t>
+              <a:t> OMP Section(s)</a:t>
             </a:r>
             <a:endParaRPr lang="fr-FR" dirty="0"/>
           </a:p>
@@ -20644,31 +20705,7 @@
               <a:rPr lang="fr-FR" sz="1400" spc="-1" dirty="0">
                 <a:latin typeface="Arial"/>
               </a:rPr>
-              <a:t>La primitive </a:t>
-            </a:r>
-            <a:r>
-              <a:rPr lang="fr-FR" sz="1400" spc="-1" dirty="0">
-                <a:latin typeface="Arial"/>
-              </a:rPr>
-              <a:t>« sections » </a:t>
-            </a:r>
-            <a:r>
-              <a:rPr lang="fr-FR" sz="1400" spc="-1" dirty="0">
-                <a:latin typeface="Arial"/>
-              </a:rPr>
-              <a:t>parallélise les opérations </a:t>
-            </a:r>
-            <a:r>
-              <a:rPr lang="fr-FR" sz="1400" spc="-1" dirty="0">
-                <a:latin typeface="Arial"/>
-              </a:rPr>
-              <a:t>« section » </a:t>
-            </a:r>
-            <a:r>
-              <a:rPr lang="fr-FR" sz="1400" spc="-1" dirty="0">
-                <a:latin typeface="Arial"/>
-              </a:rPr>
-              <a:t>qu’elle héberge</a:t>
+              <a:t>La primitive « sections » parallélise les opérations « section » qu’elle héberge</a:t>
             </a:r>
           </a:p>
           <a:p>
@@ -23686,7 +23723,15 @@
           <a:p>
             <a:r>
               <a:rPr lang="fr-FR" dirty="0" smtClean="0"/>
-              <a:t>Calculer le produit vectoriel de deux vecteurs </a:t>
+              <a:t>Calculer le produit </a:t>
+            </a:r>
+            <a:r>
+              <a:rPr lang="fr-FR" dirty="0" smtClean="0"/>
+              <a:t>scalaire </a:t>
+            </a:r>
+            <a:r>
+              <a:rPr lang="fr-FR" dirty="0" smtClean="0"/>
+              <a:t>de deux vecteurs </a:t>
             </a:r>
           </a:p>
           <a:p>
@@ -24429,7 +24474,7 @@
           <p:nvPr/>
         </p:nvPicPr>
         <p:blipFill>
-          <a:blip r:embed="rId2"/>
+          <a:blip r:embed="rId3"/>
           <a:stretch>
             <a:fillRect/>
           </a:stretch>
@@ -26646,11 +26691,7 @@
             </a:r>
             <a:r>
               <a:rPr lang="fr-FR" dirty="0" smtClean="0"/>
-              <a:t> en fonction du nombre de threads </a:t>
-            </a:r>
-            <a:r>
-              <a:rPr lang="fr-FR" dirty="0" smtClean="0"/>
-              <a:t>?</a:t>
+              <a:t> en fonction du nombre de threads ?</a:t>
             </a:r>
           </a:p>
           <a:p>
@@ -29549,8 +29590,8 @@
           </a:p>
         </p:txBody>
       </p:sp>
-      <mc:AlternateContent xmlns:mc="http://schemas.openxmlformats.org/markup-compatibility/2006">
-        <mc:Choice xmlns:a14="http://schemas.microsoft.com/office/drawing/2010/main" Requires="a14">
+      <mc:AlternateContent xmlns:mc="http://schemas.openxmlformats.org/markup-compatibility/2006" xmlns:a14="http://schemas.microsoft.com/office/drawing/2010/main">
+        <mc:Choice Requires="a14">
           <p:sp>
             <p:nvSpPr>
               <p:cNvPr id="10" name="ZoneTexte 9"/>
@@ -29749,7 +29790,7 @@
             </p:txBody>
           </p:sp>
         </mc:Choice>
-        <mc:Fallback>
+        <mc:Fallback xmlns="">
           <p:sp>
             <p:nvSpPr>
               <p:cNvPr id="10" name="ZoneTexte 9"/>
@@ -32307,11 +32348,7 @@
             </a:br>
             <a:r>
               <a:rPr lang="fr-FR" dirty="0" smtClean="0"/>
-              <a:t>	</a:t>
-            </a:r>
-            <a:r>
-              <a:rPr lang="fr-FR" dirty="0" smtClean="0"/>
-              <a:t>// do </a:t>
+              <a:t>	// do </a:t>
             </a:r>
             <a:r>
               <a:rPr lang="fr-FR" dirty="0" err="1" smtClean="0"/>
@@ -32483,11 +32520,7 @@
             </a:r>
             <a:r>
               <a:rPr lang="fr-FR" dirty="0" smtClean="0"/>
-              <a:t>::</a:t>
-            </a:r>
-            <a:r>
-              <a:rPr lang="fr-FR" dirty="0" smtClean="0"/>
-              <a:t>threads (C++)</a:t>
+              <a:t>::threads (C++)</a:t>
             </a:r>
             <a:endParaRPr lang="fr-FR" dirty="0"/>
           </a:p>
@@ -34202,15 +34235,6 @@
 </file>
 
 <file path=customXml/item1.xml><?xml version="1.0" encoding="utf-8"?>
-<?mso-contentType ?>
-<FormTemplates xmlns="http://schemas.microsoft.com/sharepoint/v3/contenttype/forms">
-  <Display>DocumentLibraryForm</Display>
-  <Edit>DocumentLibraryForm</Edit>
-  <New>DocumentLibraryForm</New>
-</FormTemplates>
-</file>
-
-<file path=customXml/item2.xml><?xml version="1.0" encoding="utf-8"?>
 <ct:contentTypeSchema xmlns:ct="http://schemas.microsoft.com/office/2006/metadata/contentType" xmlns:ma="http://schemas.microsoft.com/office/2006/metadata/properties/metaAttributes" ct:_="" ma:_="" ma:contentTypeName="Document" ma:contentTypeID="0x01010079F111ED35F8CC479449609E8A0923A6" ma:contentTypeVersion="11" ma:contentTypeDescription="Create a new document." ma:contentTypeScope="" ma:versionID="9677210f24a1be23c92c90fd886aa0aa">
   <xsd:schema xmlns:xsd="http://www.w3.org/2001/XMLSchema" xmlns:xs="http://www.w3.org/2001/XMLSchema" xmlns:p="http://schemas.microsoft.com/office/2006/metadata/properties" xmlns:ns2="71af3243-3dd4-4a8d-8c0d-dd76da1f02a5" xmlns:ns3="16c05727-aa75-4e4a-9b5f-8a80a1165891" targetNamespace="http://schemas.microsoft.com/office/2006/metadata/properties" ma:root="true" ma:fieldsID="60e05723c5c1908df1a1a4ebf11d344e" ns2:_="" ns3:_="">
     <xsd:import namespace="71af3243-3dd4-4a8d-8c0d-dd76da1f02a5"/>
@@ -34421,6 +34445,15 @@
 </ct:contentTypeSchema>
 </file>
 
+<file path=customXml/item2.xml><?xml version="1.0" encoding="utf-8"?>
+<?mso-contentType ?>
+<FormTemplates xmlns="http://schemas.microsoft.com/sharepoint/v3/contenttype/forms">
+  <Display>DocumentLibraryForm</Display>
+  <Edit>DocumentLibraryForm</Edit>
+  <New>DocumentLibraryForm</New>
+</FormTemplates>
+</file>
+
 <file path=customXml/item3.xml><?xml version="1.0" encoding="utf-8"?>
 <p:properties xmlns:p="http://schemas.microsoft.com/office/2006/metadata/properties" xmlns:xsi="http://www.w3.org/2001/XMLSchema-instance" xmlns:pc="http://schemas.microsoft.com/office/infopath/2007/PartnerControls">
   <documentManagement>
@@ -34430,14 +34463,6 @@
 </file>
 
 <file path=customXml/itemProps1.xml><?xml version="1.0" encoding="utf-8"?>
-<ds:datastoreItem xmlns:ds="http://schemas.openxmlformats.org/officeDocument/2006/customXml" ds:itemID="{2B21BF1A-59D3-4E19-9B95-2FD4309AC3AF}">
-  <ds:schemaRefs>
-    <ds:schemaRef ds:uri="http://schemas.microsoft.com/sharepoint/v3/contenttype/forms"/>
-  </ds:schemaRefs>
-</ds:datastoreItem>
-</file>
-
-<file path=customXml/itemProps2.xml><?xml version="1.0" encoding="utf-8"?>
 <ds:datastoreItem xmlns:ds="http://schemas.openxmlformats.org/officeDocument/2006/customXml" ds:itemID="{1EED214C-B51A-4B75-8B08-0E0DBD2305BE}">
   <ds:schemaRefs>
     <ds:schemaRef ds:uri="http://schemas.microsoft.com/office/2006/metadata/contentType"/>
@@ -34452,6 +34477,14 @@
     <ds:schemaRef ds:uri="http://purl.org/dc/elements/1.1/"/>
     <ds:schemaRef ds:uri="http://purl.org/dc/terms/"/>
     <ds:schemaRef ds:uri="http://schemas.microsoft.com/internal/obd"/>
+  </ds:schemaRefs>
+</ds:datastoreItem>
+</file>
+
+<file path=customXml/itemProps2.xml><?xml version="1.0" encoding="utf-8"?>
+<ds:datastoreItem xmlns:ds="http://schemas.openxmlformats.org/officeDocument/2006/customXml" ds:itemID="{2B21BF1A-59D3-4E19-9B95-2FD4309AC3AF}">
+  <ds:schemaRefs>
+    <ds:schemaRef ds:uri="http://schemas.microsoft.com/sharepoint/v3/contenttype/forms"/>
   </ds:schemaRefs>
 </ds:datastoreItem>
 </file>
